--- a/磷酸二酯酶抑制剂.pptx
+++ b/磷酸二酯酶抑制剂.pptx
@@ -3949,7 +3949,7 @@
         </p:nvSpPr>
         <p:spPr>
           <a:xfrm>
-            <a:off x="4572000" y="1825625"/>
+            <a:off x="4572000" y="1253331"/>
             <a:ext cx="3943350" cy="4351338"/>
           </a:xfrm>
         </p:spPr>
@@ -3959,7 +3959,10 @@
           </a:bodyPr>
           <a:lstStyle/>
           <a:p>
-            <a:pPr lvl="0"/>
+            <a:pPr lvl="0">
+              <a:buFont typeface="Wingdings" panose="05000000000000000000" pitchFamily="2" charset="2"/>
+              <a:buChar char="n"/>
+            </a:pPr>
             <a:r>
               <a:rPr lang="zh-CN" altLang="en-US" sz="2000" dirty="0" smtClean="0">
                 <a:latin typeface="微软雅黑" panose="020B0503020204020204" pitchFamily="34" charset="-122"/>
@@ -3989,46 +3992,53 @@
               <a:t>3</a:t>
             </a:r>
             <a:r>
+              <a:rPr lang="zh-CN" altLang="en-US" sz="2000" dirty="0" smtClean="0">
+                <a:latin typeface="微软雅黑" panose="020B0503020204020204" pitchFamily="34" charset="-122"/>
+                <a:ea typeface="微软雅黑" panose="020B0503020204020204" pitchFamily="34" charset="-122"/>
+              </a:rPr>
+              <a:t>分别</a:t>
+            </a:r>
+            <a:r>
+              <a:rPr lang="zh-CN" altLang="en-US" sz="2000" dirty="0" smtClean="0">
+                <a:latin typeface="微软雅黑" panose="020B0503020204020204" pitchFamily="34" charset="-122"/>
+                <a:ea typeface="微软雅黑" panose="020B0503020204020204" pitchFamily="34" charset="-122"/>
+              </a:rPr>
+              <a:t>与酶的</a:t>
+            </a:r>
+            <a:r>
               <a:rPr lang="en-US" altLang="zh-CN" sz="2000" dirty="0" smtClean="0">
                 <a:latin typeface="微软雅黑" panose="020B0503020204020204" pitchFamily="34" charset="-122"/>
                 <a:ea typeface="微软雅黑" panose="020B0503020204020204" pitchFamily="34" charset="-122"/>
               </a:rPr>
-              <a:t> </a:t>
+              <a:t>Q1</a:t>
             </a:r>
             <a:r>
               <a:rPr lang="zh-CN" altLang="en-US" sz="2000" dirty="0" smtClean="0">
                 <a:latin typeface="微软雅黑" panose="020B0503020204020204" pitchFamily="34" charset="-122"/>
                 <a:ea typeface="微软雅黑" panose="020B0503020204020204" pitchFamily="34" charset="-122"/>
               </a:rPr>
-              <a:t>分别与酶的</a:t>
+              <a:t>、</a:t>
             </a:r>
             <a:r>
               <a:rPr lang="en-US" altLang="zh-CN" sz="2000" dirty="0" smtClean="0">
                 <a:latin typeface="微软雅黑" panose="020B0503020204020204" pitchFamily="34" charset="-122"/>
                 <a:ea typeface="微软雅黑" panose="020B0503020204020204" pitchFamily="34" charset="-122"/>
               </a:rPr>
-              <a:t>Q1</a:t>
+              <a:t>Q2</a:t>
             </a:r>
             <a:r>
               <a:rPr lang="zh-CN" altLang="en-US" sz="2000" dirty="0" smtClean="0">
                 <a:latin typeface="微软雅黑" panose="020B0503020204020204" pitchFamily="34" charset="-122"/>
                 <a:ea typeface="微软雅黑" panose="020B0503020204020204" pitchFamily="34" charset="-122"/>
               </a:rPr>
-              <a:t>、</a:t>
-            </a:r>
-            <a:r>
-              <a:rPr lang="en-US" altLang="zh-CN" sz="2000" dirty="0" smtClean="0">
-                <a:latin typeface="微软雅黑" panose="020B0503020204020204" pitchFamily="34" charset="-122"/>
-                <a:ea typeface="微软雅黑" panose="020B0503020204020204" pitchFamily="34" charset="-122"/>
-              </a:rPr>
-              <a:t>Q2 </a:t>
+              <a:t>口袋</a:t>
             </a:r>
             <a:r>
               <a:rPr lang="zh-CN" altLang="en-US" sz="2000" dirty="0" smtClean="0">
                 <a:latin typeface="微软雅黑" panose="020B0503020204020204" pitchFamily="34" charset="-122"/>
                 <a:ea typeface="微软雅黑" panose="020B0503020204020204" pitchFamily="34" charset="-122"/>
               </a:rPr>
-              <a:t>口袋产生疏水作用；</a:t>
+              <a:t>产生疏水作用；</a:t>
             </a:r>
             <a:endParaRPr lang="en-US" altLang="zh-CN" sz="2000" dirty="0" smtClean="0">
               <a:latin typeface="微软雅黑" panose="020B0503020204020204" pitchFamily="34" charset="-122"/>
@@ -4036,7 +4046,10 @@
             </a:endParaRPr>
           </a:p>
           <a:p>
-            <a:pPr lvl="0"/>
+            <a:pPr lvl="0">
+              <a:buFont typeface="Wingdings" panose="05000000000000000000" pitchFamily="2" charset="2"/>
+              <a:buChar char="n"/>
+            </a:pPr>
             <a:r>
               <a:rPr lang="zh-CN" altLang="en-US" sz="2000" dirty="0" smtClean="0">
                 <a:latin typeface="微软雅黑" panose="020B0503020204020204" pitchFamily="34" charset="-122"/>
@@ -4056,21 +4069,28 @@
                 <a:latin typeface="微软雅黑" panose="020B0503020204020204" pitchFamily="34" charset="-122"/>
                 <a:ea typeface="微软雅黑" panose="020B0503020204020204" pitchFamily="34" charset="-122"/>
               </a:rPr>
-              <a:t>－ </a:t>
+              <a:t>－</a:t>
             </a:r>
             <a:r>
               <a:rPr lang="en-US" altLang="zh-CN" sz="2000" dirty="0" smtClean="0">
                 <a:latin typeface="微软雅黑" panose="020B0503020204020204" pitchFamily="34" charset="-122"/>
                 <a:ea typeface="微软雅黑" panose="020B0503020204020204" pitchFamily="34" charset="-122"/>
               </a:rPr>
-              <a:t>π </a:t>
+              <a:t>π</a:t>
             </a:r>
             <a:r>
               <a:rPr lang="zh-CN" altLang="en-US" sz="2000" dirty="0" smtClean="0">
                 <a:latin typeface="微软雅黑" panose="020B0503020204020204" pitchFamily="34" charset="-122"/>
                 <a:ea typeface="微软雅黑" panose="020B0503020204020204" pitchFamily="34" charset="-122"/>
               </a:rPr>
-              <a:t>共轭作用；</a:t>
+              <a:t>共轭</a:t>
+            </a:r>
+            <a:r>
+              <a:rPr lang="zh-CN" altLang="en-US" sz="2000" dirty="0" smtClean="0">
+                <a:latin typeface="微软雅黑" panose="020B0503020204020204" pitchFamily="34" charset="-122"/>
+                <a:ea typeface="微软雅黑" panose="020B0503020204020204" pitchFamily="34" charset="-122"/>
+              </a:rPr>
+              <a:t>作用；</a:t>
             </a:r>
             <a:endParaRPr lang="en-US" altLang="zh-CN" sz="2000" dirty="0" smtClean="0">
               <a:latin typeface="微软雅黑" panose="020B0503020204020204" pitchFamily="34" charset="-122"/>
@@ -4078,7 +4098,10 @@
             </a:endParaRPr>
           </a:p>
           <a:p>
-            <a:pPr lvl="0"/>
+            <a:pPr lvl="0">
+              <a:buFont typeface="Wingdings" panose="05000000000000000000" pitchFamily="2" charset="2"/>
+              <a:buChar char="n"/>
+            </a:pPr>
             <a:r>
               <a:rPr lang="zh-CN" altLang="en-US" sz="2000" dirty="0" smtClean="0">
                 <a:latin typeface="微软雅黑" panose="020B0503020204020204" pitchFamily="34" charset="-122"/>
@@ -4105,14 +4128,21 @@
                 <a:latin typeface="微软雅黑" panose="020B0503020204020204" pitchFamily="34" charset="-122"/>
                 <a:ea typeface="微软雅黑" panose="020B0503020204020204" pitchFamily="34" charset="-122"/>
               </a:rPr>
-              <a:t>S </a:t>
+              <a:t>S</a:t>
             </a:r>
             <a:r>
               <a:rPr lang="zh-CN" altLang="en-US" sz="2000" dirty="0" smtClean="0">
                 <a:latin typeface="微软雅黑" panose="020B0503020204020204" pitchFamily="34" charset="-122"/>
                 <a:ea typeface="微软雅黑" panose="020B0503020204020204" pitchFamily="34" charset="-122"/>
               </a:rPr>
-              <a:t>区域亲水或疏水作用；</a:t>
+              <a:t>区域</a:t>
+            </a:r>
+            <a:r>
+              <a:rPr lang="zh-CN" altLang="en-US" sz="2000" dirty="0" smtClean="0">
+                <a:latin typeface="微软雅黑" panose="020B0503020204020204" pitchFamily="34" charset="-122"/>
+                <a:ea typeface="微软雅黑" panose="020B0503020204020204" pitchFamily="34" charset="-122"/>
+              </a:rPr>
+              <a:t>亲水或疏水作用；</a:t>
             </a:r>
             <a:endParaRPr lang="en-US" altLang="zh-CN" sz="2000" dirty="0" smtClean="0">
               <a:latin typeface="微软雅黑" panose="020B0503020204020204" pitchFamily="34" charset="-122"/>
@@ -4120,7 +4150,10 @@
             </a:endParaRPr>
           </a:p>
           <a:p>
-            <a:pPr lvl="0"/>
+            <a:pPr lvl="0">
+              <a:buFont typeface="Wingdings" panose="05000000000000000000" pitchFamily="2" charset="2"/>
+              <a:buChar char="n"/>
+            </a:pPr>
             <a:r>
               <a:rPr lang="en-US" altLang="zh-CN" sz="2000" dirty="0" smtClean="0">
                 <a:latin typeface="微软雅黑" panose="020B0503020204020204" pitchFamily="34" charset="-122"/>
@@ -4141,7 +4174,10 @@
             </a:endParaRPr>
           </a:p>
           <a:p>
-            <a:pPr lvl="0"/>
+            <a:pPr lvl="0">
+              <a:buFont typeface="Wingdings" panose="05000000000000000000" pitchFamily="2" charset="2"/>
+              <a:buChar char="n"/>
+            </a:pPr>
             <a:r>
               <a:rPr lang="en-US" altLang="zh-CN" sz="2000" dirty="0" smtClean="0">
                 <a:latin typeface="微软雅黑" panose="020B0503020204020204" pitchFamily="34" charset="-122"/>
@@ -4169,7 +4205,10 @@
             </a:endParaRPr>
           </a:p>
           <a:p>
-            <a:pPr lvl="0"/>
+            <a:pPr lvl="0">
+              <a:buFont typeface="Wingdings" panose="05000000000000000000" pitchFamily="2" charset="2"/>
+              <a:buChar char="n"/>
+            </a:pPr>
             <a:r>
               <a:rPr lang="en-US" altLang="zh-CN" sz="2000" dirty="0" smtClean="0">
                 <a:latin typeface="微软雅黑" panose="020B0503020204020204" pitchFamily="34" charset="-122"/>
@@ -4729,6 +4768,30 @@
               <a:t>cAMP</a:t>
             </a:r>
             <a:r>
+              <a:rPr lang="zh-CN" altLang="en-US" sz="1600" b="0" i="0" kern="1200" dirty="0" smtClean="0">
+                <a:solidFill>
+                  <a:schemeClr val="tx1"/>
+                </a:solidFill>
+                <a:effectLst/>
+                <a:latin typeface="+mn-lt"/>
+                <a:ea typeface="+mn-ea"/>
+                <a:cs typeface="+mn-cs"/>
+              </a:rPr>
+              <a:t>浓度</a:t>
+            </a:r>
+            <a:r>
+              <a:rPr lang="zh-CN" altLang="en-US" sz="1600" b="0" i="0" kern="1200" dirty="0" smtClean="0">
+                <a:solidFill>
+                  <a:schemeClr val="tx1"/>
+                </a:solidFill>
+                <a:effectLst/>
+                <a:latin typeface="+mn-lt"/>
+                <a:ea typeface="+mn-ea"/>
+                <a:cs typeface="+mn-cs"/>
+              </a:rPr>
+              <a:t>在各种腺苷酸环化酶的作用下保持平衡，腺苷酸环化酶主要通过</a:t>
+            </a:r>
+            <a:r>
               <a:rPr lang="en-US" altLang="zh-CN" sz="1600" b="0" i="0" kern="1200" dirty="0" smtClean="0">
                 <a:solidFill>
                   <a:schemeClr val="tx1"/>
@@ -4738,7 +4801,7 @@
                 <a:ea typeface="+mn-ea"/>
                 <a:cs typeface="+mn-cs"/>
               </a:rPr>
-              <a:t> </a:t>
+              <a:t>G</a:t>
             </a:r>
             <a:r>
               <a:rPr lang="zh-CN" altLang="en-US" sz="1600" b="0" i="0" kern="1200" dirty="0" smtClean="0">
@@ -4750,7 +4813,7 @@
                 <a:ea typeface="+mn-ea"/>
                 <a:cs typeface="+mn-cs"/>
               </a:rPr>
-              <a:t>浓度在各种腺苷酸环化酶的作用下保持平衡，腺苷酸环化酶主要通过</a:t>
+              <a:t>蛋白偶联受体（</a:t>
             </a:r>
             <a:r>
               <a:rPr lang="en-US" altLang="zh-CN" sz="1600" b="0" i="0" kern="1200" dirty="0" smtClean="0">
@@ -4762,7 +4825,7 @@
                 <a:ea typeface="+mn-ea"/>
                 <a:cs typeface="+mn-cs"/>
               </a:rPr>
-              <a:t>G</a:t>
+              <a:t>GPCR</a:t>
             </a:r>
             <a:r>
               <a:rPr lang="zh-CN" altLang="en-US" sz="1600" b="0" i="0" kern="1200" dirty="0" smtClean="0">
@@ -4774,7 +4837,7 @@
                 <a:ea typeface="+mn-ea"/>
                 <a:cs typeface="+mn-cs"/>
               </a:rPr>
-              <a:t>蛋白偶联受体（</a:t>
+              <a:t>）和磷酸二酯酶（</a:t>
             </a:r>
             <a:r>
               <a:rPr lang="en-US" altLang="zh-CN" sz="1600" b="0" i="0" kern="1200" dirty="0" smtClean="0">
@@ -4786,7 +4849,7 @@
                 <a:ea typeface="+mn-ea"/>
                 <a:cs typeface="+mn-cs"/>
               </a:rPr>
-              <a:t>GPCR</a:t>
+              <a:t>PDEs</a:t>
             </a:r>
             <a:r>
               <a:rPr lang="zh-CN" altLang="en-US" sz="1600" b="0" i="0" kern="1200" dirty="0" smtClean="0">
@@ -4798,7 +4861,7 @@
                 <a:ea typeface="+mn-ea"/>
                 <a:cs typeface="+mn-cs"/>
               </a:rPr>
-              <a:t>）和磷酸二酯酶（</a:t>
+              <a:t>）途径激活，</a:t>
             </a:r>
             <a:r>
               <a:rPr lang="en-US" altLang="zh-CN" sz="1600" b="0" i="0" kern="1200" dirty="0" smtClean="0">
@@ -4822,7 +4885,7 @@
                 <a:ea typeface="+mn-ea"/>
                 <a:cs typeface="+mn-cs"/>
               </a:rPr>
-              <a:t>）途径激活，</a:t>
+              <a:t>有</a:t>
             </a:r>
             <a:r>
               <a:rPr lang="en-US" altLang="zh-CN" sz="1600" b="0" i="0" kern="1200" dirty="0" smtClean="0">
@@ -4834,7 +4897,7 @@
                 <a:ea typeface="+mn-ea"/>
                 <a:cs typeface="+mn-cs"/>
               </a:rPr>
-              <a:t>PDEs </a:t>
+              <a:t>11</a:t>
             </a:r>
             <a:r>
               <a:rPr lang="zh-CN" altLang="en-US" sz="1600" b="0" i="0" kern="1200" dirty="0" smtClean="0">
@@ -4846,6 +4909,162 @@
                 <a:ea typeface="+mn-ea"/>
                 <a:cs typeface="+mn-cs"/>
               </a:rPr>
+              <a:t>个</a:t>
+            </a:r>
+            <a:r>
+              <a:rPr lang="zh-CN" altLang="en-US" sz="1600" b="0" i="0" kern="1200" dirty="0" smtClean="0">
+                <a:solidFill>
+                  <a:schemeClr val="tx1"/>
+                </a:solidFill>
+                <a:effectLst/>
+                <a:latin typeface="+mn-lt"/>
+                <a:ea typeface="+mn-ea"/>
+                <a:cs typeface="+mn-cs"/>
+              </a:rPr>
+              <a:t>不同的家族在特定的组织中表达，其中</a:t>
+            </a:r>
+            <a:r>
+              <a:rPr lang="en-US" altLang="zh-CN" sz="1600" b="0" i="0" kern="1200" dirty="0" smtClean="0">
+                <a:solidFill>
+                  <a:schemeClr val="tx1"/>
+                </a:solidFill>
+                <a:effectLst/>
+                <a:latin typeface="+mn-lt"/>
+                <a:ea typeface="+mn-ea"/>
+                <a:cs typeface="+mn-cs"/>
+              </a:rPr>
+              <a:t>8</a:t>
+            </a:r>
+            <a:r>
+              <a:rPr lang="zh-CN" altLang="en-US" sz="1600" b="0" i="0" kern="1200" dirty="0" smtClean="0">
+                <a:solidFill>
+                  <a:schemeClr val="tx1"/>
+                </a:solidFill>
+                <a:effectLst/>
+                <a:latin typeface="+mn-lt"/>
+                <a:ea typeface="+mn-ea"/>
+                <a:cs typeface="+mn-cs"/>
+              </a:rPr>
+              <a:t>个</a:t>
+            </a:r>
+            <a:r>
+              <a:rPr lang="en-US" altLang="zh-CN" sz="1600" b="0" i="0" kern="1200" dirty="0" smtClean="0">
+                <a:solidFill>
+                  <a:schemeClr val="tx1"/>
+                </a:solidFill>
+                <a:effectLst/>
+                <a:latin typeface="+mn-lt"/>
+                <a:ea typeface="+mn-ea"/>
+                <a:cs typeface="+mn-cs"/>
+              </a:rPr>
+              <a:t>PDE</a:t>
+            </a:r>
+            <a:r>
+              <a:rPr lang="zh-CN" altLang="en-US" sz="1600" b="0" i="0" kern="1200" dirty="0" smtClean="0">
+                <a:solidFill>
+                  <a:schemeClr val="tx1"/>
+                </a:solidFill>
+                <a:effectLst/>
+                <a:latin typeface="+mn-lt"/>
+                <a:ea typeface="+mn-ea"/>
+                <a:cs typeface="+mn-cs"/>
+              </a:rPr>
+              <a:t>家族</a:t>
+            </a:r>
+            <a:r>
+              <a:rPr lang="zh-CN" altLang="en-US" sz="1600" b="0" i="0" kern="1200" dirty="0" smtClean="0">
+                <a:solidFill>
+                  <a:schemeClr val="tx1"/>
+                </a:solidFill>
+                <a:effectLst/>
+                <a:latin typeface="+mn-lt"/>
+                <a:ea typeface="+mn-ea"/>
+                <a:cs typeface="+mn-cs"/>
+              </a:rPr>
+              <a:t>能够把</a:t>
+            </a:r>
+            <a:r>
+              <a:rPr lang="en-US" altLang="zh-CN" sz="1600" b="0" i="0" kern="1200" dirty="0" err="1" smtClean="0">
+                <a:solidFill>
+                  <a:schemeClr val="tx1"/>
+                </a:solidFill>
+                <a:effectLst/>
+                <a:latin typeface="+mn-lt"/>
+                <a:ea typeface="+mn-ea"/>
+                <a:cs typeface="+mn-cs"/>
+              </a:rPr>
+              <a:t>cAMP</a:t>
+            </a:r>
+            <a:r>
+              <a:rPr lang="zh-CN" altLang="en-US" sz="1600" b="0" i="0" kern="1200" dirty="0" smtClean="0">
+                <a:solidFill>
+                  <a:schemeClr val="tx1"/>
+                </a:solidFill>
+                <a:effectLst/>
+                <a:latin typeface="+mn-lt"/>
+                <a:ea typeface="+mn-ea"/>
+                <a:cs typeface="+mn-cs"/>
+              </a:rPr>
+              <a:t>水解</a:t>
+            </a:r>
+            <a:r>
+              <a:rPr lang="zh-CN" altLang="en-US" sz="1600" b="0" i="0" kern="1200" dirty="0" smtClean="0">
+                <a:solidFill>
+                  <a:schemeClr val="tx1"/>
+                </a:solidFill>
+                <a:effectLst/>
+                <a:latin typeface="+mn-lt"/>
+                <a:ea typeface="+mn-ea"/>
+                <a:cs typeface="+mn-cs"/>
+              </a:rPr>
+              <a:t>成</a:t>
+            </a:r>
+            <a:r>
+              <a:rPr lang="en-US" altLang="zh-CN" sz="1600" b="0" i="0" kern="1200" dirty="0" smtClean="0">
+                <a:solidFill>
+                  <a:schemeClr val="tx1"/>
+                </a:solidFill>
+                <a:effectLst/>
+                <a:latin typeface="+mn-lt"/>
+                <a:ea typeface="+mn-ea"/>
+                <a:cs typeface="+mn-cs"/>
+              </a:rPr>
+              <a:t>AMP</a:t>
+            </a:r>
+            <a:r>
+              <a:rPr lang="zh-CN" altLang="en-US" sz="1600" b="0" i="0" kern="1200" dirty="0" smtClean="0">
+                <a:solidFill>
+                  <a:schemeClr val="tx1"/>
+                </a:solidFill>
+                <a:effectLst/>
+                <a:latin typeface="+mn-lt"/>
+                <a:ea typeface="+mn-ea"/>
+                <a:cs typeface="+mn-cs"/>
+              </a:rPr>
+              <a:t>。</a:t>
+            </a:r>
+            <a:r>
+              <a:rPr lang="en-US" altLang="zh-CN" sz="1600" b="0" i="0" kern="1200" dirty="0" smtClean="0">
+                <a:solidFill>
+                  <a:schemeClr val="tx1"/>
+                </a:solidFill>
+                <a:effectLst/>
+                <a:latin typeface="+mn-lt"/>
+                <a:ea typeface="+mn-ea"/>
+                <a:cs typeface="+mn-cs"/>
+              </a:rPr>
+              <a:t>PDE-4</a:t>
+            </a:r>
+            <a:r>
+              <a:rPr lang="zh-CN" altLang="en-US" sz="1600" b="0" i="0" kern="1200" dirty="0" smtClean="0">
+                <a:solidFill>
+                  <a:schemeClr val="tx1"/>
+                </a:solidFill>
+                <a:effectLst/>
+                <a:latin typeface="+mn-lt"/>
+                <a:ea typeface="+mn-ea"/>
+                <a:cs typeface="+mn-cs"/>
+              </a:rPr>
               <a:t>有</a:t>
             </a:r>
             <a:r>
@@ -4858,7 +5077,7 @@
                 <a:ea typeface="+mn-ea"/>
                 <a:cs typeface="+mn-cs"/>
               </a:rPr>
-              <a:t>11 </a:t>
+              <a:t>4</a:t>
             </a:r>
             <a:r>
               <a:rPr lang="zh-CN" altLang="en-US" sz="1600" b="0" i="0" kern="1200" dirty="0" smtClean="0">
@@ -4870,7 +5089,7 @@
                 <a:ea typeface="+mn-ea"/>
                 <a:cs typeface="+mn-cs"/>
               </a:rPr>
-              <a:t>个不同的家族在特定的组织中表达，其中</a:t>
+              <a:t>种不同的亚型（</a:t>
             </a:r>
             <a:r>
               <a:rPr lang="en-US" altLang="zh-CN" sz="1600" b="0" i="0" kern="1200" dirty="0" smtClean="0">
@@ -4882,7 +5101,7 @@
                 <a:ea typeface="+mn-ea"/>
                 <a:cs typeface="+mn-cs"/>
               </a:rPr>
-              <a:t>8</a:t>
+              <a:t>A</a:t>
             </a:r>
             <a:r>
               <a:rPr lang="zh-CN" altLang="en-US" sz="1600" b="0" i="0" kern="1200" dirty="0" smtClean="0">
@@ -4894,7 +5113,7 @@
                 <a:ea typeface="+mn-ea"/>
                 <a:cs typeface="+mn-cs"/>
               </a:rPr>
-              <a:t>个</a:t>
+              <a:t>、</a:t>
             </a:r>
             <a:r>
               <a:rPr lang="en-US" altLang="zh-CN" sz="1600" b="0" i="0" kern="1200" dirty="0" smtClean="0">
@@ -4906,7 +5125,7 @@
                 <a:ea typeface="+mn-ea"/>
                 <a:cs typeface="+mn-cs"/>
               </a:rPr>
-              <a:t>PDE </a:t>
+              <a:t>B</a:t>
             </a:r>
             <a:r>
               <a:rPr lang="zh-CN" altLang="en-US" sz="1600" b="0" i="0" kern="1200" dirty="0" smtClean="0">
@@ -4918,7 +5137,127 @@
                 <a:ea typeface="+mn-ea"/>
                 <a:cs typeface="+mn-cs"/>
               </a:rPr>
-              <a:t>家族能够把</a:t>
+              <a:t>、</a:t>
+            </a:r>
+            <a:r>
+              <a:rPr lang="en-US" altLang="zh-CN" sz="1600" b="0" i="0" kern="1200" dirty="0" smtClean="0">
+                <a:solidFill>
+                  <a:schemeClr val="tx1"/>
+                </a:solidFill>
+                <a:effectLst/>
+                <a:latin typeface="+mn-lt"/>
+                <a:ea typeface="+mn-ea"/>
+                <a:cs typeface="+mn-cs"/>
+              </a:rPr>
+              <a:t>C</a:t>
+            </a:r>
+            <a:r>
+              <a:rPr lang="zh-CN" altLang="en-US" sz="1600" b="0" i="0" kern="1200" dirty="0" smtClean="0">
+                <a:solidFill>
+                  <a:schemeClr val="tx1"/>
+                </a:solidFill>
+                <a:effectLst/>
+                <a:latin typeface="+mn-lt"/>
+                <a:ea typeface="+mn-ea"/>
+                <a:cs typeface="+mn-cs"/>
+              </a:rPr>
+              <a:t>和</a:t>
+            </a:r>
+            <a:r>
+              <a:rPr lang="en-US" altLang="zh-CN" sz="1600" b="0" i="0" kern="1200" dirty="0" smtClean="0">
+                <a:solidFill>
+                  <a:schemeClr val="tx1"/>
+                </a:solidFill>
+                <a:effectLst/>
+                <a:latin typeface="+mn-lt"/>
+                <a:ea typeface="+mn-ea"/>
+                <a:cs typeface="+mn-cs"/>
+              </a:rPr>
+              <a:t>D</a:t>
+            </a:r>
+            <a:r>
+              <a:rPr lang="zh-CN" altLang="en-US" sz="1600" b="0" i="0" kern="1200" dirty="0" smtClean="0">
+                <a:solidFill>
+                  <a:schemeClr val="tx1"/>
+                </a:solidFill>
+                <a:effectLst/>
+                <a:latin typeface="+mn-lt"/>
+                <a:ea typeface="+mn-ea"/>
+                <a:cs typeface="+mn-cs"/>
+              </a:rPr>
+              <a:t>），主要在间充质细胞中表达，包括真皮内的角质细胞，平滑肌细胞，血管内皮细胞和关节内的软骨细胞。由</a:t>
+            </a:r>
+            <a:r>
+              <a:rPr lang="en-US" altLang="zh-CN" sz="1600" b="0" i="0" kern="1200" dirty="0" smtClean="0">
+                <a:solidFill>
+                  <a:schemeClr val="tx1"/>
+                </a:solidFill>
+                <a:effectLst/>
+                <a:latin typeface="+mn-lt"/>
+                <a:ea typeface="+mn-ea"/>
+                <a:cs typeface="+mn-cs"/>
+              </a:rPr>
+              <a:t>PDE-4</a:t>
+            </a:r>
+            <a:r>
+              <a:rPr lang="zh-CN" altLang="en-US" sz="1600" b="0" i="0" kern="1200" dirty="0" smtClean="0">
+                <a:solidFill>
+                  <a:schemeClr val="tx1"/>
+                </a:solidFill>
+                <a:effectLst/>
+                <a:latin typeface="+mn-lt"/>
+                <a:ea typeface="+mn-ea"/>
+                <a:cs typeface="+mn-cs"/>
+              </a:rPr>
+              <a:t>控制</a:t>
+            </a:r>
+            <a:r>
+              <a:rPr lang="zh-CN" altLang="en-US" sz="1600" b="0" i="0" kern="1200" dirty="0" smtClean="0">
+                <a:solidFill>
+                  <a:schemeClr val="tx1"/>
+                </a:solidFill>
+                <a:effectLst/>
+                <a:latin typeface="+mn-lt"/>
+                <a:ea typeface="+mn-ea"/>
+                <a:cs typeface="+mn-cs"/>
+              </a:rPr>
+              <a:t>的造血细胞包括树突细胞、</a:t>
+            </a:r>
+            <a:r>
+              <a:rPr lang="en-US" altLang="zh-CN" sz="1600" b="0" i="0" kern="1200" dirty="0" smtClean="0">
+                <a:solidFill>
+                  <a:schemeClr val="tx1"/>
+                </a:solidFill>
+                <a:effectLst/>
+                <a:latin typeface="+mn-lt"/>
+                <a:ea typeface="+mn-ea"/>
+                <a:cs typeface="+mn-cs"/>
+              </a:rPr>
+              <a:t>T</a:t>
+            </a:r>
+            <a:r>
+              <a:rPr lang="zh-CN" altLang="en-US" sz="1600" b="0" i="0" kern="1200" dirty="0" smtClean="0">
+                <a:solidFill>
+                  <a:schemeClr val="tx1"/>
+                </a:solidFill>
+                <a:effectLst/>
+                <a:latin typeface="+mn-lt"/>
+                <a:ea typeface="+mn-ea"/>
+                <a:cs typeface="+mn-cs"/>
+              </a:rPr>
+              <a:t>细胞</a:t>
+            </a:r>
+            <a:r>
+              <a:rPr lang="zh-CN" altLang="en-US" sz="1600" b="0" i="0" kern="1200" dirty="0" smtClean="0">
+                <a:solidFill>
+                  <a:schemeClr val="tx1"/>
+                </a:solidFill>
+                <a:effectLst/>
+                <a:latin typeface="+mn-lt"/>
+                <a:ea typeface="+mn-ea"/>
+                <a:cs typeface="+mn-cs"/>
+              </a:rPr>
+              <a:t>、巨噬细胞和单核细胞，广泛控制着</a:t>
             </a:r>
             <a:r>
               <a:rPr lang="en-US" altLang="zh-CN" sz="1600" b="0" i="0" kern="1200" dirty="0" err="1" smtClean="0">
@@ -4933,6 +5272,66 @@
               <a:t>cAMP</a:t>
             </a:r>
             <a:r>
+              <a:rPr lang="zh-CN" altLang="en-US" sz="1600" b="0" i="0" kern="1200" dirty="0" smtClean="0">
+                <a:solidFill>
+                  <a:schemeClr val="tx1"/>
+                </a:solidFill>
+                <a:effectLst/>
+                <a:latin typeface="+mn-lt"/>
+                <a:ea typeface="+mn-ea"/>
+                <a:cs typeface="+mn-cs"/>
+              </a:rPr>
+              <a:t>信号</a:t>
+            </a:r>
+            <a:r>
+              <a:rPr lang="zh-CN" altLang="en-US" sz="1600" b="0" i="0" kern="1200" dirty="0" smtClean="0">
+                <a:solidFill>
+                  <a:schemeClr val="tx1"/>
+                </a:solidFill>
+                <a:effectLst/>
+                <a:latin typeface="+mn-lt"/>
+                <a:ea typeface="+mn-ea"/>
+                <a:cs typeface="+mn-cs"/>
+              </a:rPr>
+              <a:t>传导途径，通过减少细胞内</a:t>
+            </a:r>
+            <a:r>
+              <a:rPr lang="en-US" altLang="zh-CN" sz="1600" b="0" i="0" kern="1200" dirty="0" err="1" smtClean="0">
+                <a:solidFill>
+                  <a:schemeClr val="tx1"/>
+                </a:solidFill>
+                <a:effectLst/>
+                <a:latin typeface="+mn-lt"/>
+                <a:ea typeface="+mn-ea"/>
+                <a:cs typeface="+mn-cs"/>
+              </a:rPr>
+              <a:t>cAMP</a:t>
+            </a:r>
+            <a:r>
+              <a:rPr lang="zh-CN" altLang="en-US" sz="1600" b="0" i="0" kern="1200" dirty="0" smtClean="0">
+                <a:solidFill>
+                  <a:schemeClr val="tx1"/>
+                </a:solidFill>
+                <a:effectLst/>
+                <a:latin typeface="+mn-lt"/>
+                <a:ea typeface="+mn-ea"/>
+                <a:cs typeface="+mn-cs"/>
+              </a:rPr>
+              <a:t>的</a:t>
+            </a:r>
+            <a:r>
+              <a:rPr lang="zh-CN" altLang="en-US" sz="1600" b="0" i="0" kern="1200" dirty="0" smtClean="0">
+                <a:solidFill>
+                  <a:schemeClr val="tx1"/>
+                </a:solidFill>
+                <a:effectLst/>
+                <a:latin typeface="+mn-lt"/>
+                <a:ea typeface="+mn-ea"/>
+                <a:cs typeface="+mn-cs"/>
+              </a:rPr>
+              <a:t>浓度，</a:t>
+            </a:r>
+            <a:r>
               <a:rPr lang="en-US" altLang="zh-CN" sz="1600" b="0" i="0" kern="1200" dirty="0" smtClean="0">
                 <a:solidFill>
                   <a:schemeClr val="tx1"/>
@@ -4942,7 +5341,7 @@
                 <a:ea typeface="+mn-ea"/>
                 <a:cs typeface="+mn-cs"/>
               </a:rPr>
-              <a:t> </a:t>
+              <a:t>PDE-4</a:t>
             </a:r>
             <a:r>
               <a:rPr lang="zh-CN" altLang="en-US" sz="1600" b="0" i="0" kern="1200" dirty="0" smtClean="0">
@@ -4954,7 +5353,19 @@
                 <a:ea typeface="+mn-ea"/>
                 <a:cs typeface="+mn-cs"/>
               </a:rPr>
-              <a:t>水解成</a:t>
+              <a:t>促进</a:t>
+            </a:r>
+            <a:r>
+              <a:rPr lang="zh-CN" altLang="en-US" sz="1600" b="0" i="0" kern="1200" dirty="0" smtClean="0">
+                <a:solidFill>
+                  <a:schemeClr val="tx1"/>
+                </a:solidFill>
+                <a:effectLst/>
+                <a:latin typeface="+mn-lt"/>
+                <a:ea typeface="+mn-ea"/>
+                <a:cs typeface="+mn-cs"/>
+              </a:rPr>
+              <a:t>了促炎介质的产生同时减少了抗炎介质的产生。</a:t>
             </a:r>
             <a:r>
               <a:rPr lang="en-US" altLang="zh-CN" sz="1600" b="0" i="0" kern="1200" dirty="0" smtClean="0">
@@ -4966,7 +5377,7 @@
                 <a:ea typeface="+mn-ea"/>
                 <a:cs typeface="+mn-cs"/>
               </a:rPr>
-              <a:t>AMP</a:t>
+              <a:t>PDE-4</a:t>
             </a:r>
             <a:r>
               <a:rPr lang="zh-CN" altLang="en-US" sz="1600" b="0" i="0" kern="1200" dirty="0" smtClean="0">
@@ -4978,7 +5389,55 @@
                 <a:ea typeface="+mn-ea"/>
                 <a:cs typeface="+mn-cs"/>
               </a:rPr>
-              <a:t>。</a:t>
+              <a:t>抑制剂</a:t>
+            </a:r>
+            <a:r>
+              <a:rPr lang="zh-CN" altLang="en-US" sz="1600" b="0" i="0" kern="1200" dirty="0" smtClean="0">
+                <a:solidFill>
+                  <a:schemeClr val="tx1"/>
+                </a:solidFill>
+                <a:effectLst/>
+                <a:latin typeface="+mn-lt"/>
+                <a:ea typeface="+mn-ea"/>
+                <a:cs typeface="+mn-cs"/>
+              </a:rPr>
+              <a:t>能增加细胞内</a:t>
+            </a:r>
+            <a:r>
+              <a:rPr lang="en-US" altLang="zh-CN" sz="1600" b="0" i="0" kern="1200" dirty="0" err="1" smtClean="0">
+                <a:solidFill>
+                  <a:schemeClr val="tx1"/>
+                </a:solidFill>
+                <a:effectLst/>
+                <a:latin typeface="+mn-lt"/>
+                <a:ea typeface="+mn-ea"/>
+                <a:cs typeface="+mn-cs"/>
+              </a:rPr>
+              <a:t>cAMP</a:t>
+            </a:r>
+            <a:r>
+              <a:rPr lang="zh-CN" altLang="en-US" sz="1600" b="0" i="0" kern="1200" dirty="0" smtClean="0">
+                <a:solidFill>
+                  <a:schemeClr val="tx1"/>
+                </a:solidFill>
+                <a:effectLst/>
+                <a:latin typeface="+mn-lt"/>
+                <a:ea typeface="+mn-ea"/>
+                <a:cs typeface="+mn-cs"/>
+              </a:rPr>
+              <a:t>的</a:t>
+            </a:r>
+            <a:r>
+              <a:rPr lang="zh-CN" altLang="en-US" sz="1600" b="0" i="0" kern="1200" dirty="0" smtClean="0">
+                <a:solidFill>
+                  <a:schemeClr val="tx1"/>
+                </a:solidFill>
+                <a:effectLst/>
+                <a:latin typeface="+mn-lt"/>
+                <a:ea typeface="+mn-ea"/>
+                <a:cs typeface="+mn-cs"/>
+              </a:rPr>
+              <a:t>浓度并优先阻断促炎细胞因子的产生，如</a:t>
             </a:r>
             <a:r>
               <a:rPr lang="en-US" altLang="zh-CN" sz="1600" b="0" i="0" kern="1200" dirty="0" smtClean="0">
@@ -4990,6 +5449,162 @@
                 <a:ea typeface="+mn-ea"/>
                 <a:cs typeface="+mn-cs"/>
               </a:rPr>
+              <a:t>TNF-α</a:t>
+            </a:r>
+            <a:r>
+              <a:rPr lang="zh-CN" altLang="en-US" sz="1600" b="0" i="0" kern="1200" dirty="0" smtClean="0">
+                <a:solidFill>
+                  <a:schemeClr val="tx1"/>
+                </a:solidFill>
+                <a:effectLst/>
+                <a:latin typeface="+mn-lt"/>
+                <a:ea typeface="+mn-ea"/>
+                <a:cs typeface="+mn-cs"/>
+              </a:rPr>
+              <a:t>、干扰素</a:t>
+            </a:r>
+            <a:r>
+              <a:rPr lang="en-US" altLang="zh-CN" sz="1600" b="0" i="0" kern="1200" dirty="0" smtClean="0">
+                <a:solidFill>
+                  <a:schemeClr val="tx1"/>
+                </a:solidFill>
+                <a:effectLst/>
+                <a:latin typeface="+mn-lt"/>
+                <a:ea typeface="+mn-ea"/>
+                <a:cs typeface="+mn-cs"/>
+              </a:rPr>
+              <a:t>-g</a:t>
+            </a:r>
+            <a:r>
+              <a:rPr lang="zh-CN" altLang="en-US" sz="1600" b="0" i="0" kern="1200" dirty="0" smtClean="0">
+                <a:solidFill>
+                  <a:schemeClr val="tx1"/>
+                </a:solidFill>
+                <a:effectLst/>
+                <a:latin typeface="+mn-lt"/>
+                <a:ea typeface="+mn-ea"/>
+                <a:cs typeface="+mn-cs"/>
+              </a:rPr>
+              <a:t>（</a:t>
+            </a:r>
+            <a:r>
+              <a:rPr lang="en-US" altLang="zh-CN" sz="1600" b="0" i="0" kern="1200" dirty="0" smtClean="0">
+                <a:solidFill>
+                  <a:schemeClr val="tx1"/>
+                </a:solidFill>
+                <a:effectLst/>
+                <a:latin typeface="+mn-lt"/>
+                <a:ea typeface="+mn-ea"/>
+                <a:cs typeface="+mn-cs"/>
+              </a:rPr>
+              <a:t>IFN-g</a:t>
+            </a:r>
+            <a:r>
+              <a:rPr lang="zh-CN" altLang="en-US" sz="1600" b="0" i="0" kern="1200" dirty="0" smtClean="0">
+                <a:solidFill>
+                  <a:schemeClr val="tx1"/>
+                </a:solidFill>
+                <a:effectLst/>
+                <a:latin typeface="+mn-lt"/>
+                <a:ea typeface="+mn-ea"/>
+                <a:cs typeface="+mn-cs"/>
+              </a:rPr>
+              <a:t>）、来自外周血单核细胞和</a:t>
+            </a:r>
+            <a:r>
+              <a:rPr lang="en-US" altLang="zh-CN" sz="1600" b="0" i="0" kern="1200" dirty="0" smtClean="0">
+                <a:solidFill>
+                  <a:schemeClr val="tx1"/>
+                </a:solidFill>
+                <a:effectLst/>
+                <a:latin typeface="+mn-lt"/>
+                <a:ea typeface="+mn-ea"/>
+                <a:cs typeface="+mn-cs"/>
+              </a:rPr>
+              <a:t>T</a:t>
+            </a:r>
+            <a:r>
+              <a:rPr lang="zh-CN" altLang="en-US" sz="1600" b="0" i="0" kern="1200" dirty="0" smtClean="0">
+                <a:solidFill>
+                  <a:schemeClr val="tx1"/>
+                </a:solidFill>
+                <a:effectLst/>
+                <a:latin typeface="+mn-lt"/>
+                <a:ea typeface="+mn-ea"/>
+                <a:cs typeface="+mn-cs"/>
+              </a:rPr>
+              <a:t>细胞</a:t>
+            </a:r>
+            <a:r>
+              <a:rPr lang="zh-CN" altLang="en-US" sz="1600" b="0" i="0" kern="1200" dirty="0" smtClean="0">
+                <a:solidFill>
+                  <a:schemeClr val="tx1"/>
+                </a:solidFill>
+                <a:effectLst/>
+                <a:latin typeface="+mn-lt"/>
+                <a:ea typeface="+mn-ea"/>
+                <a:cs typeface="+mn-cs"/>
+              </a:rPr>
+              <a:t>的</a:t>
+            </a:r>
+            <a:r>
+              <a:rPr lang="en-US" altLang="zh-CN" sz="1600" b="0" i="0" kern="1200" dirty="0" smtClean="0">
+                <a:solidFill>
+                  <a:schemeClr val="tx1"/>
+                </a:solidFill>
+                <a:effectLst/>
+                <a:latin typeface="+mn-lt"/>
+                <a:ea typeface="+mn-ea"/>
+                <a:cs typeface="+mn-cs"/>
+              </a:rPr>
+              <a:t>IL-2</a:t>
+            </a:r>
+            <a:r>
+              <a:rPr lang="zh-CN" altLang="en-US" sz="1600" b="0" i="0" kern="1200" dirty="0" smtClean="0">
+                <a:solidFill>
+                  <a:schemeClr val="tx1"/>
+                </a:solidFill>
+                <a:effectLst/>
+                <a:latin typeface="+mn-lt"/>
+                <a:ea typeface="+mn-ea"/>
+                <a:cs typeface="+mn-cs"/>
+              </a:rPr>
+              <a:t>，同时增加了抗炎介质的浓度，如</a:t>
+            </a:r>
+            <a:r>
+              <a:rPr lang="en-US" altLang="zh-CN" sz="1600" b="0" i="0" kern="1200" dirty="0" smtClean="0">
+                <a:solidFill>
+                  <a:schemeClr val="tx1"/>
+                </a:solidFill>
+                <a:effectLst/>
+                <a:latin typeface="+mn-lt"/>
+                <a:ea typeface="+mn-ea"/>
+                <a:cs typeface="+mn-cs"/>
+              </a:rPr>
+              <a:t>IL-10</a:t>
+            </a:r>
+            <a:r>
+              <a:rPr lang="zh-CN" altLang="en-US" sz="1600" b="0" i="0" kern="1200" dirty="0" smtClean="0">
+                <a:solidFill>
+                  <a:schemeClr val="tx1"/>
+                </a:solidFill>
+                <a:effectLst/>
+                <a:latin typeface="+mn-lt"/>
+                <a:ea typeface="+mn-ea"/>
+                <a:cs typeface="+mn-cs"/>
+              </a:rPr>
+              <a:t>。鉴于</a:t>
+            </a:r>
+            <a:r>
+              <a:rPr lang="en-US" altLang="zh-CN" sz="1600" b="0" i="0" kern="1200" dirty="0" smtClean="0">
+                <a:solidFill>
+                  <a:schemeClr val="tx1"/>
+                </a:solidFill>
+                <a:effectLst/>
+                <a:latin typeface="+mn-lt"/>
+                <a:ea typeface="+mn-ea"/>
+                <a:cs typeface="+mn-cs"/>
+              </a:rPr>
               <a:t>PDE-4</a:t>
             </a:r>
             <a:r>
@@ -5002,7 +5617,7 @@
                 <a:ea typeface="+mn-ea"/>
                 <a:cs typeface="+mn-cs"/>
               </a:rPr>
-              <a:t>有</a:t>
+              <a:t>在调节炎性介质中的关键作用，很多研究都集中在那些能够调控</a:t>
             </a:r>
             <a:r>
               <a:rPr lang="en-US" altLang="zh-CN" sz="1600" b="0" i="0" kern="1200" dirty="0" smtClean="0">
@@ -5014,7 +5629,7 @@
                 <a:ea typeface="+mn-ea"/>
                 <a:cs typeface="+mn-cs"/>
               </a:rPr>
-              <a:t>4</a:t>
+              <a:t>PDE-4</a:t>
             </a:r>
             <a:r>
               <a:rPr lang="zh-CN" altLang="en-US" sz="1600" b="0" i="0" kern="1200" dirty="0" smtClean="0">
@@ -5026,19 +5641,7 @@
                 <a:ea typeface="+mn-ea"/>
                 <a:cs typeface="+mn-cs"/>
               </a:rPr>
-              <a:t>种不同的亚型（</a:t>
-            </a:r>
-            <a:r>
-              <a:rPr lang="en-US" altLang="zh-CN" sz="1600" b="0" i="0" kern="1200" dirty="0" smtClean="0">
-                <a:solidFill>
-                  <a:schemeClr val="tx1"/>
-                </a:solidFill>
-                <a:effectLst/>
-                <a:latin typeface="+mn-lt"/>
-                <a:ea typeface="+mn-ea"/>
-                <a:cs typeface="+mn-cs"/>
-              </a:rPr>
-              <a:t>A</a:t>
+              <a:t>亚</a:t>
             </a:r>
             <a:r>
               <a:rPr lang="zh-CN" altLang="en-US" sz="1600" b="0" i="0" kern="1200" dirty="0" smtClean="0">
@@ -5050,475 +5653,7 @@
                 <a:ea typeface="+mn-ea"/>
                 <a:cs typeface="+mn-cs"/>
               </a:rPr>
-              <a:t>、</a:t>
-            </a:r>
-            <a:r>
-              <a:rPr lang="en-US" altLang="zh-CN" sz="1600" b="0" i="0" kern="1200" dirty="0" smtClean="0">
-                <a:solidFill>
-                  <a:schemeClr val="tx1"/>
-                </a:solidFill>
-                <a:effectLst/>
-                <a:latin typeface="+mn-lt"/>
-                <a:ea typeface="+mn-ea"/>
-                <a:cs typeface="+mn-cs"/>
-              </a:rPr>
-              <a:t>B</a:t>
-            </a:r>
-            <a:r>
-              <a:rPr lang="zh-CN" altLang="en-US" sz="1600" b="0" i="0" kern="1200" dirty="0" smtClean="0">
-                <a:solidFill>
-                  <a:schemeClr val="tx1"/>
-                </a:solidFill>
-                <a:effectLst/>
-                <a:latin typeface="+mn-lt"/>
-                <a:ea typeface="+mn-ea"/>
-                <a:cs typeface="+mn-cs"/>
-              </a:rPr>
-              <a:t>、</a:t>
-            </a:r>
-            <a:r>
-              <a:rPr lang="en-US" altLang="zh-CN" sz="1600" b="0" i="0" kern="1200" dirty="0" smtClean="0">
-                <a:solidFill>
-                  <a:schemeClr val="tx1"/>
-                </a:solidFill>
-                <a:effectLst/>
-                <a:latin typeface="+mn-lt"/>
-                <a:ea typeface="+mn-ea"/>
-                <a:cs typeface="+mn-cs"/>
-              </a:rPr>
-              <a:t>C</a:t>
-            </a:r>
-            <a:r>
-              <a:rPr lang="zh-CN" altLang="en-US" sz="1600" b="0" i="0" kern="1200" dirty="0" smtClean="0">
-                <a:solidFill>
-                  <a:schemeClr val="tx1"/>
-                </a:solidFill>
-                <a:effectLst/>
-                <a:latin typeface="+mn-lt"/>
-                <a:ea typeface="+mn-ea"/>
-                <a:cs typeface="+mn-cs"/>
-              </a:rPr>
-              <a:t>和</a:t>
-            </a:r>
-            <a:r>
-              <a:rPr lang="en-US" altLang="zh-CN" sz="1600" b="0" i="0" kern="1200" dirty="0" smtClean="0">
-                <a:solidFill>
-                  <a:schemeClr val="tx1"/>
-                </a:solidFill>
-                <a:effectLst/>
-                <a:latin typeface="+mn-lt"/>
-                <a:ea typeface="+mn-ea"/>
-                <a:cs typeface="+mn-cs"/>
-              </a:rPr>
-              <a:t>D</a:t>
-            </a:r>
-            <a:r>
-              <a:rPr lang="zh-CN" altLang="en-US" sz="1600" b="0" i="0" kern="1200" dirty="0" smtClean="0">
-                <a:solidFill>
-                  <a:schemeClr val="tx1"/>
-                </a:solidFill>
-                <a:effectLst/>
-                <a:latin typeface="+mn-lt"/>
-                <a:ea typeface="+mn-ea"/>
-                <a:cs typeface="+mn-cs"/>
-              </a:rPr>
-              <a:t>），主要在间充质细胞中表达，包括真皮内的角质细胞，平滑肌细胞，血管内皮细胞和关节内的软骨细胞。由</a:t>
-            </a:r>
-            <a:r>
-              <a:rPr lang="en-US" altLang="zh-CN" sz="1600" b="0" i="0" kern="1200" dirty="0" smtClean="0">
-                <a:solidFill>
-                  <a:schemeClr val="tx1"/>
-                </a:solidFill>
-                <a:effectLst/>
-                <a:latin typeface="+mn-lt"/>
-                <a:ea typeface="+mn-ea"/>
-                <a:cs typeface="+mn-cs"/>
-              </a:rPr>
-              <a:t>PDE-4 </a:t>
-            </a:r>
-            <a:r>
-              <a:rPr lang="zh-CN" altLang="en-US" sz="1600" b="0" i="0" kern="1200" dirty="0" smtClean="0">
-                <a:solidFill>
-                  <a:schemeClr val="tx1"/>
-                </a:solidFill>
-                <a:effectLst/>
-                <a:latin typeface="+mn-lt"/>
-                <a:ea typeface="+mn-ea"/>
-                <a:cs typeface="+mn-cs"/>
-              </a:rPr>
-              <a:t>控制的造血细胞包括树突细胞、</a:t>
-            </a:r>
-            <a:r>
-              <a:rPr lang="en-US" altLang="zh-CN" sz="1600" b="0" i="0" kern="1200" dirty="0" smtClean="0">
-                <a:solidFill>
-                  <a:schemeClr val="tx1"/>
-                </a:solidFill>
-                <a:effectLst/>
-                <a:latin typeface="+mn-lt"/>
-                <a:ea typeface="+mn-ea"/>
-                <a:cs typeface="+mn-cs"/>
-              </a:rPr>
-              <a:t>T </a:t>
-            </a:r>
-            <a:r>
-              <a:rPr lang="zh-CN" altLang="en-US" sz="1600" b="0" i="0" kern="1200" dirty="0" smtClean="0">
-                <a:solidFill>
-                  <a:schemeClr val="tx1"/>
-                </a:solidFill>
-                <a:effectLst/>
-                <a:latin typeface="+mn-lt"/>
-                <a:ea typeface="+mn-ea"/>
-                <a:cs typeface="+mn-cs"/>
-              </a:rPr>
-              <a:t>细胞、巨噬细胞和单核细胞，广泛控制着</a:t>
-            </a:r>
-            <a:r>
-              <a:rPr lang="en-US" altLang="zh-CN" sz="1600" b="0" i="0" kern="1200" dirty="0" err="1" smtClean="0">
-                <a:solidFill>
-                  <a:schemeClr val="tx1"/>
-                </a:solidFill>
-                <a:effectLst/>
-                <a:latin typeface="+mn-lt"/>
-                <a:ea typeface="+mn-ea"/>
-                <a:cs typeface="+mn-cs"/>
-              </a:rPr>
-              <a:t>cAMP</a:t>
-            </a:r>
-            <a:r>
-              <a:rPr lang="en-US" altLang="zh-CN" sz="1600" b="0" i="0" kern="1200" dirty="0" smtClean="0">
-                <a:solidFill>
-                  <a:schemeClr val="tx1"/>
-                </a:solidFill>
-                <a:effectLst/>
-                <a:latin typeface="+mn-lt"/>
-                <a:ea typeface="+mn-ea"/>
-                <a:cs typeface="+mn-cs"/>
-              </a:rPr>
-              <a:t> </a:t>
-            </a:r>
-            <a:r>
-              <a:rPr lang="zh-CN" altLang="en-US" sz="1600" b="0" i="0" kern="1200" dirty="0" smtClean="0">
-                <a:solidFill>
-                  <a:schemeClr val="tx1"/>
-                </a:solidFill>
-                <a:effectLst/>
-                <a:latin typeface="+mn-lt"/>
-                <a:ea typeface="+mn-ea"/>
-                <a:cs typeface="+mn-cs"/>
-              </a:rPr>
-              <a:t>信号传导途径，通过减少细胞内</a:t>
-            </a:r>
-            <a:r>
-              <a:rPr lang="en-US" altLang="zh-CN" sz="1600" b="0" i="0" kern="1200" dirty="0" err="1" smtClean="0">
-                <a:solidFill>
-                  <a:schemeClr val="tx1"/>
-                </a:solidFill>
-                <a:effectLst/>
-                <a:latin typeface="+mn-lt"/>
-                <a:ea typeface="+mn-ea"/>
-                <a:cs typeface="+mn-cs"/>
-              </a:rPr>
-              <a:t>cAMP</a:t>
-            </a:r>
-            <a:r>
-              <a:rPr lang="en-US" altLang="zh-CN" sz="1600" b="0" i="0" kern="1200" dirty="0" smtClean="0">
-                <a:solidFill>
-                  <a:schemeClr val="tx1"/>
-                </a:solidFill>
-                <a:effectLst/>
-                <a:latin typeface="+mn-lt"/>
-                <a:ea typeface="+mn-ea"/>
-                <a:cs typeface="+mn-cs"/>
-              </a:rPr>
-              <a:t> </a:t>
-            </a:r>
-            <a:r>
-              <a:rPr lang="zh-CN" altLang="en-US" sz="1600" b="0" i="0" kern="1200" dirty="0" smtClean="0">
-                <a:solidFill>
-                  <a:schemeClr val="tx1"/>
-                </a:solidFill>
-                <a:effectLst/>
-                <a:latin typeface="+mn-lt"/>
-                <a:ea typeface="+mn-ea"/>
-                <a:cs typeface="+mn-cs"/>
-              </a:rPr>
-              <a:t>的浓度，</a:t>
-            </a:r>
-            <a:r>
-              <a:rPr lang="en-US" altLang="zh-CN" sz="1600" b="0" i="0" kern="1200" dirty="0" smtClean="0">
-                <a:solidFill>
-                  <a:schemeClr val="tx1"/>
-                </a:solidFill>
-                <a:effectLst/>
-                <a:latin typeface="+mn-lt"/>
-                <a:ea typeface="+mn-ea"/>
-                <a:cs typeface="+mn-cs"/>
-              </a:rPr>
-              <a:t>PDE-4 </a:t>
-            </a:r>
-            <a:r>
-              <a:rPr lang="zh-CN" altLang="en-US" sz="1600" b="0" i="0" kern="1200" dirty="0" smtClean="0">
-                <a:solidFill>
-                  <a:schemeClr val="tx1"/>
-                </a:solidFill>
-                <a:effectLst/>
-                <a:latin typeface="+mn-lt"/>
-                <a:ea typeface="+mn-ea"/>
-                <a:cs typeface="+mn-cs"/>
-              </a:rPr>
-              <a:t>促进了促炎介质的产生同时减少了抗炎介质的产生。</a:t>
-            </a:r>
-            <a:r>
-              <a:rPr lang="en-US" altLang="zh-CN" sz="1600" b="0" i="0" kern="1200" dirty="0" smtClean="0">
-                <a:solidFill>
-                  <a:schemeClr val="tx1"/>
-                </a:solidFill>
-                <a:effectLst/>
-                <a:latin typeface="+mn-lt"/>
-                <a:ea typeface="+mn-ea"/>
-                <a:cs typeface="+mn-cs"/>
-              </a:rPr>
-              <a:t>PDE-4 </a:t>
-            </a:r>
-            <a:r>
-              <a:rPr lang="zh-CN" altLang="en-US" sz="1600" b="0" i="0" kern="1200" dirty="0" smtClean="0">
-                <a:solidFill>
-                  <a:schemeClr val="tx1"/>
-                </a:solidFill>
-                <a:effectLst/>
-                <a:latin typeface="+mn-lt"/>
-                <a:ea typeface="+mn-ea"/>
-                <a:cs typeface="+mn-cs"/>
-              </a:rPr>
-              <a:t>抑制剂能增加细胞内</a:t>
-            </a:r>
-            <a:r>
-              <a:rPr lang="en-US" altLang="zh-CN" sz="1600" b="0" i="0" kern="1200" dirty="0" err="1" smtClean="0">
-                <a:solidFill>
-                  <a:schemeClr val="tx1"/>
-                </a:solidFill>
-                <a:effectLst/>
-                <a:latin typeface="+mn-lt"/>
-                <a:ea typeface="+mn-ea"/>
-                <a:cs typeface="+mn-cs"/>
-              </a:rPr>
-              <a:t>cAMP</a:t>
-            </a:r>
-            <a:r>
-              <a:rPr lang="en-US" altLang="zh-CN" sz="1600" b="0" i="0" kern="1200" dirty="0" smtClean="0">
-                <a:solidFill>
-                  <a:schemeClr val="tx1"/>
-                </a:solidFill>
-                <a:effectLst/>
-                <a:latin typeface="+mn-lt"/>
-                <a:ea typeface="+mn-ea"/>
-                <a:cs typeface="+mn-cs"/>
-              </a:rPr>
-              <a:t> </a:t>
-            </a:r>
-            <a:r>
-              <a:rPr lang="zh-CN" altLang="en-US" sz="1600" b="0" i="0" kern="1200" dirty="0" smtClean="0">
-                <a:solidFill>
-                  <a:schemeClr val="tx1"/>
-                </a:solidFill>
-                <a:effectLst/>
-                <a:latin typeface="+mn-lt"/>
-                <a:ea typeface="+mn-ea"/>
-                <a:cs typeface="+mn-cs"/>
-              </a:rPr>
-              <a:t>的浓度并优先阻断促炎细胞因子的产生，如</a:t>
-            </a:r>
-            <a:r>
-              <a:rPr lang="en-US" altLang="zh-CN" sz="1600" b="0" i="0" kern="1200" dirty="0" smtClean="0">
-                <a:solidFill>
-                  <a:schemeClr val="tx1"/>
-                </a:solidFill>
-                <a:effectLst/>
-                <a:latin typeface="+mn-lt"/>
-                <a:ea typeface="+mn-ea"/>
-                <a:cs typeface="+mn-cs"/>
-              </a:rPr>
-              <a:t>TNF-α</a:t>
-            </a:r>
-            <a:r>
-              <a:rPr lang="zh-CN" altLang="en-US" sz="1600" b="0" i="0" kern="1200" dirty="0" smtClean="0">
-                <a:solidFill>
-                  <a:schemeClr val="tx1"/>
-                </a:solidFill>
-                <a:effectLst/>
-                <a:latin typeface="+mn-lt"/>
-                <a:ea typeface="+mn-ea"/>
-                <a:cs typeface="+mn-cs"/>
-              </a:rPr>
-              <a:t>、干扰素</a:t>
-            </a:r>
-            <a:r>
-              <a:rPr lang="en-US" altLang="zh-CN" sz="1600" b="0" i="0" kern="1200" dirty="0" smtClean="0">
-                <a:solidFill>
-                  <a:schemeClr val="tx1"/>
-                </a:solidFill>
-                <a:effectLst/>
-                <a:latin typeface="+mn-lt"/>
-                <a:ea typeface="+mn-ea"/>
-                <a:cs typeface="+mn-cs"/>
-              </a:rPr>
-              <a:t>-g</a:t>
-            </a:r>
-            <a:r>
-              <a:rPr lang="zh-CN" altLang="en-US" sz="1600" b="0" i="0" kern="1200" dirty="0" smtClean="0">
-                <a:solidFill>
-                  <a:schemeClr val="tx1"/>
-                </a:solidFill>
-                <a:effectLst/>
-                <a:latin typeface="+mn-lt"/>
-                <a:ea typeface="+mn-ea"/>
-                <a:cs typeface="+mn-cs"/>
-              </a:rPr>
-              <a:t>（</a:t>
-            </a:r>
-            <a:r>
-              <a:rPr lang="en-US" altLang="zh-CN" sz="1600" b="0" i="0" kern="1200" dirty="0" smtClean="0">
-                <a:solidFill>
-                  <a:schemeClr val="tx1"/>
-                </a:solidFill>
-                <a:effectLst/>
-                <a:latin typeface="+mn-lt"/>
-                <a:ea typeface="+mn-ea"/>
-                <a:cs typeface="+mn-cs"/>
-              </a:rPr>
-              <a:t>IFN-g</a:t>
-            </a:r>
-            <a:r>
-              <a:rPr lang="zh-CN" altLang="en-US" sz="1600" b="0" i="0" kern="1200" dirty="0" smtClean="0">
-                <a:solidFill>
-                  <a:schemeClr val="tx1"/>
-                </a:solidFill>
-                <a:effectLst/>
-                <a:latin typeface="+mn-lt"/>
-                <a:ea typeface="+mn-ea"/>
-                <a:cs typeface="+mn-cs"/>
-              </a:rPr>
-              <a:t>）、来自外周血单核细胞和</a:t>
-            </a:r>
-            <a:r>
-              <a:rPr lang="en-US" altLang="zh-CN" sz="1600" b="0" i="0" kern="1200" dirty="0" smtClean="0">
-                <a:solidFill>
-                  <a:schemeClr val="tx1"/>
-                </a:solidFill>
-                <a:effectLst/>
-                <a:latin typeface="+mn-lt"/>
-                <a:ea typeface="+mn-ea"/>
-                <a:cs typeface="+mn-cs"/>
-              </a:rPr>
-              <a:t>T </a:t>
-            </a:r>
-            <a:r>
-              <a:rPr lang="zh-CN" altLang="en-US" sz="1600" b="0" i="0" kern="1200" dirty="0" smtClean="0">
-                <a:solidFill>
-                  <a:schemeClr val="tx1"/>
-                </a:solidFill>
-                <a:effectLst/>
-                <a:latin typeface="+mn-lt"/>
-                <a:ea typeface="+mn-ea"/>
-                <a:cs typeface="+mn-cs"/>
-              </a:rPr>
-              <a:t>细胞的</a:t>
-            </a:r>
-            <a:r>
-              <a:rPr lang="en-US" altLang="zh-CN" sz="1600" b="0" i="0" kern="1200" dirty="0" smtClean="0">
-                <a:solidFill>
-                  <a:schemeClr val="tx1"/>
-                </a:solidFill>
-                <a:effectLst/>
-                <a:latin typeface="+mn-lt"/>
-                <a:ea typeface="+mn-ea"/>
-                <a:cs typeface="+mn-cs"/>
-              </a:rPr>
-              <a:t>IL-2</a:t>
-            </a:r>
-            <a:r>
-              <a:rPr lang="zh-CN" altLang="en-US" sz="1600" b="0" i="0" kern="1200" dirty="0" smtClean="0">
-                <a:solidFill>
-                  <a:schemeClr val="tx1"/>
-                </a:solidFill>
-                <a:effectLst/>
-                <a:latin typeface="+mn-lt"/>
-                <a:ea typeface="+mn-ea"/>
-                <a:cs typeface="+mn-cs"/>
-              </a:rPr>
-              <a:t>，同时增加了抗炎介质的浓度，如</a:t>
-            </a:r>
-            <a:r>
-              <a:rPr lang="en-US" altLang="zh-CN" sz="1600" b="0" i="0" kern="1200" dirty="0" smtClean="0">
-                <a:solidFill>
-                  <a:schemeClr val="tx1"/>
-                </a:solidFill>
-                <a:effectLst/>
-                <a:latin typeface="+mn-lt"/>
-                <a:ea typeface="+mn-ea"/>
-                <a:cs typeface="+mn-cs"/>
-              </a:rPr>
-              <a:t>IL-10</a:t>
-            </a:r>
-            <a:r>
-              <a:rPr lang="zh-CN" altLang="en-US" sz="1600" b="0" i="0" kern="1200" dirty="0" smtClean="0">
-                <a:solidFill>
-                  <a:schemeClr val="tx1"/>
-                </a:solidFill>
-                <a:effectLst/>
-                <a:latin typeface="+mn-lt"/>
-                <a:ea typeface="+mn-ea"/>
-                <a:cs typeface="+mn-cs"/>
-              </a:rPr>
-              <a:t>。鉴于</a:t>
-            </a:r>
-            <a:r>
-              <a:rPr lang="en-US" altLang="zh-CN" sz="1600" b="0" i="0" kern="1200" dirty="0" smtClean="0">
-                <a:solidFill>
-                  <a:schemeClr val="tx1"/>
-                </a:solidFill>
-                <a:effectLst/>
-                <a:latin typeface="+mn-lt"/>
-                <a:ea typeface="+mn-ea"/>
-                <a:cs typeface="+mn-cs"/>
-              </a:rPr>
-              <a:t>PDE-4</a:t>
-            </a:r>
-            <a:r>
-              <a:rPr lang="zh-CN" altLang="en-US" sz="1600" b="0" i="0" kern="1200" dirty="0" smtClean="0">
-                <a:solidFill>
-                  <a:schemeClr val="tx1"/>
-                </a:solidFill>
-                <a:effectLst/>
-                <a:latin typeface="+mn-lt"/>
-                <a:ea typeface="+mn-ea"/>
-                <a:cs typeface="+mn-cs"/>
-              </a:rPr>
-              <a:t>在调节炎性介质中的关键作用，很多研究都集中在那些能够调控</a:t>
-            </a:r>
-            <a:r>
-              <a:rPr lang="en-US" altLang="zh-CN" sz="1600" b="0" i="0" kern="1200" dirty="0" smtClean="0">
-                <a:solidFill>
-                  <a:schemeClr val="tx1"/>
-                </a:solidFill>
-                <a:effectLst/>
-                <a:latin typeface="+mn-lt"/>
-                <a:ea typeface="+mn-ea"/>
-                <a:cs typeface="+mn-cs"/>
-              </a:rPr>
-              <a:t>PDE-4 </a:t>
-            </a:r>
-            <a:r>
-              <a:rPr lang="zh-CN" altLang="en-US" sz="1600" b="0" i="0" kern="1200" dirty="0" smtClean="0">
-                <a:solidFill>
-                  <a:schemeClr val="tx1"/>
-                </a:solidFill>
-                <a:effectLst/>
-                <a:latin typeface="+mn-lt"/>
-                <a:ea typeface="+mn-ea"/>
-                <a:cs typeface="+mn-cs"/>
-              </a:rPr>
-              <a:t>亚型的化合物上。</a:t>
+              <a:t>型的化合物上。</a:t>
             </a:r>
             <a:endParaRPr lang="zh-CN" altLang="zh-CN" sz="1050" dirty="0" smtClean="0">
               <a:effectLst/>
@@ -5787,7 +5922,7 @@
                 <a:ea typeface="+mn-ea"/>
                 <a:cs typeface="+mn-cs"/>
               </a:rPr>
-              <a:t>PDE-4 </a:t>
+              <a:t>PDE-4</a:t>
             </a:r>
             <a:r>
               <a:rPr lang="zh-CN" altLang="en-US" sz="1400" b="0" i="0" kern="1200" dirty="0" smtClean="0">
@@ -5799,7 +5934,19 @@
                 <a:ea typeface="+mn-ea"/>
                 <a:cs typeface="+mn-cs"/>
               </a:rPr>
-              <a:t>为靶点来调控先天免疫细胞中促炎和抗炎介质的表达。在单核细胞核树突细胞中，来源于</a:t>
+              <a:t>为</a:t>
+            </a:r>
+            <a:r>
+              <a:rPr lang="zh-CN" altLang="en-US" sz="1400" b="0" i="0" kern="1200" dirty="0" smtClean="0">
+                <a:solidFill>
+                  <a:schemeClr val="tx1"/>
+                </a:solidFill>
+                <a:effectLst/>
+                <a:latin typeface="+mn-lt"/>
+                <a:ea typeface="+mn-ea"/>
+                <a:cs typeface="+mn-cs"/>
+              </a:rPr>
+              <a:t>靶点来调控先天免疫细胞中促炎和抗炎介质的表达。在单核细胞核树突细胞中，来源于</a:t>
             </a:r>
             <a:r>
               <a:rPr lang="en-US" altLang="zh-CN" sz="1400" b="0" i="0" kern="1200" dirty="0" smtClean="0">
@@ -5811,7 +5958,7 @@
                 <a:ea typeface="+mn-ea"/>
                 <a:cs typeface="+mn-cs"/>
               </a:rPr>
-              <a:t>Toll </a:t>
+              <a:t>Toll</a:t>
             </a:r>
             <a:r>
               <a:rPr lang="zh-CN" altLang="en-US" sz="1400" b="0" i="0" kern="1200" dirty="0" smtClean="0">
@@ -5823,7 +5970,19 @@
                 <a:ea typeface="+mn-ea"/>
                 <a:cs typeface="+mn-cs"/>
               </a:rPr>
-              <a:t>样受体（</a:t>
+              <a:t>样</a:t>
+            </a:r>
+            <a:r>
+              <a:rPr lang="zh-CN" altLang="en-US" sz="1400" b="0" i="0" kern="1200" dirty="0" smtClean="0">
+                <a:solidFill>
+                  <a:schemeClr val="tx1"/>
+                </a:solidFill>
+                <a:effectLst/>
+                <a:latin typeface="+mn-lt"/>
+                <a:ea typeface="+mn-ea"/>
+                <a:cs typeface="+mn-cs"/>
+              </a:rPr>
+              <a:t>受体（</a:t>
             </a:r>
             <a:r>
               <a:rPr lang="en-US" altLang="zh-CN" sz="1400" b="0" i="0" kern="1200" dirty="0" smtClean="0">
@@ -5850,6 +6009,30 @@
               <a:t>）途径的促炎信号会引起转录核因子</a:t>
             </a:r>
             <a:r>
+              <a:rPr lang="en-US" altLang="zh-CN" sz="1400" b="0" i="0" kern="1200" dirty="0" err="1" smtClean="0">
+                <a:solidFill>
+                  <a:schemeClr val="tx1"/>
+                </a:solidFill>
+                <a:effectLst/>
+                <a:latin typeface="+mn-lt"/>
+                <a:ea typeface="+mn-ea"/>
+                <a:cs typeface="+mn-cs"/>
+              </a:rPr>
+              <a:t>kappaB</a:t>
+            </a:r>
+            <a:r>
+              <a:rPr lang="zh-CN" altLang="en-US" sz="1400" b="0" i="0" kern="1200" dirty="0" smtClean="0">
+                <a:solidFill>
+                  <a:schemeClr val="tx1"/>
+                </a:solidFill>
+                <a:effectLst/>
+                <a:latin typeface="+mn-lt"/>
+                <a:ea typeface="+mn-ea"/>
+                <a:cs typeface="+mn-cs"/>
+              </a:rPr>
+              <a:t>（</a:t>
+            </a:r>
+            <a:r>
               <a:rPr lang="en-US" altLang="zh-CN" sz="1400" b="0" i="0" kern="1200" dirty="0" smtClean="0">
                 <a:solidFill>
                   <a:schemeClr val="tx1"/>
@@ -5859,7 +6042,19 @@
                 <a:ea typeface="+mn-ea"/>
                 <a:cs typeface="+mn-cs"/>
               </a:rPr>
-              <a:t>kappa B</a:t>
+              <a:t>NF-</a:t>
+            </a:r>
+            <a:r>
+              <a:rPr lang="en-US" altLang="zh-CN" sz="1400" b="0" i="0" kern="1200" dirty="0" err="1" smtClean="0">
+                <a:solidFill>
+                  <a:schemeClr val="tx1"/>
+                </a:solidFill>
+                <a:effectLst/>
+                <a:latin typeface="+mn-lt"/>
+                <a:ea typeface="+mn-ea"/>
+                <a:cs typeface="+mn-cs"/>
+              </a:rPr>
+              <a:t>κB</a:t>
             </a:r>
             <a:r>
               <a:rPr lang="zh-CN" altLang="en-US" sz="1400" b="0" i="0" kern="1200" dirty="0" smtClean="0">
@@ -5871,6 +6066,198 @@
                 <a:ea typeface="+mn-ea"/>
                 <a:cs typeface="+mn-cs"/>
               </a:rPr>
+              <a:t>）的激活以及促炎介质的表达，如</a:t>
+            </a:r>
+            <a:r>
+              <a:rPr lang="en-US" altLang="zh-CN" sz="1400" b="0" i="0" kern="1200" dirty="0" smtClean="0">
+                <a:solidFill>
+                  <a:schemeClr val="tx1"/>
+                </a:solidFill>
+                <a:effectLst/>
+                <a:latin typeface="+mn-lt"/>
+                <a:ea typeface="+mn-ea"/>
+                <a:cs typeface="+mn-cs"/>
+              </a:rPr>
+              <a:t>IL-23</a:t>
+            </a:r>
+            <a:r>
+              <a:rPr lang="zh-CN" altLang="en-US" sz="1400" b="0" i="0" kern="1200" dirty="0" smtClean="0">
+                <a:solidFill>
+                  <a:schemeClr val="tx1"/>
+                </a:solidFill>
+                <a:effectLst/>
+                <a:latin typeface="+mn-lt"/>
+                <a:ea typeface="+mn-ea"/>
+                <a:cs typeface="+mn-cs"/>
+              </a:rPr>
+              <a:t>、</a:t>
+            </a:r>
+            <a:r>
+              <a:rPr lang="en-US" altLang="zh-CN" sz="1400" b="0" i="0" kern="1200" dirty="0" smtClean="0">
+                <a:solidFill>
+                  <a:schemeClr val="tx1"/>
+                </a:solidFill>
+                <a:effectLst/>
+                <a:latin typeface="+mn-lt"/>
+                <a:ea typeface="+mn-ea"/>
+                <a:cs typeface="+mn-cs"/>
+              </a:rPr>
+              <a:t>TNF-α</a:t>
+            </a:r>
+            <a:r>
+              <a:rPr lang="zh-CN" altLang="en-US" sz="1400" b="0" i="0" kern="1200" dirty="0" smtClean="0">
+                <a:solidFill>
+                  <a:schemeClr val="tx1"/>
+                </a:solidFill>
+                <a:effectLst/>
+                <a:latin typeface="+mn-lt"/>
+                <a:ea typeface="+mn-ea"/>
+                <a:cs typeface="+mn-cs"/>
+              </a:rPr>
+              <a:t>和</a:t>
+            </a:r>
+            <a:r>
+              <a:rPr lang="en-US" altLang="zh-CN" sz="1400" b="0" i="0" kern="1200" dirty="0" smtClean="0">
+                <a:solidFill>
+                  <a:schemeClr val="tx1"/>
+                </a:solidFill>
+                <a:effectLst/>
+                <a:latin typeface="+mn-lt"/>
+                <a:ea typeface="+mn-ea"/>
+                <a:cs typeface="+mn-cs"/>
+              </a:rPr>
+              <a:t>IFN-g</a:t>
+            </a:r>
+            <a:r>
+              <a:rPr lang="zh-CN" altLang="en-US" sz="1400" b="0" i="0" kern="1200" dirty="0" smtClean="0">
+                <a:solidFill>
+                  <a:schemeClr val="tx1"/>
+                </a:solidFill>
+                <a:effectLst/>
+                <a:latin typeface="+mn-lt"/>
+                <a:ea typeface="+mn-ea"/>
+                <a:cs typeface="+mn-cs"/>
+              </a:rPr>
+              <a:t>。来源于</a:t>
+            </a:r>
+            <a:r>
+              <a:rPr lang="en-US" altLang="zh-CN" sz="1400" b="0" i="0" kern="1200" dirty="0" smtClean="0">
+                <a:solidFill>
+                  <a:schemeClr val="tx1"/>
+                </a:solidFill>
+                <a:effectLst/>
+                <a:latin typeface="+mn-lt"/>
+                <a:ea typeface="+mn-ea"/>
+                <a:cs typeface="+mn-cs"/>
+              </a:rPr>
+              <a:t>G</a:t>
+            </a:r>
+            <a:r>
+              <a:rPr lang="zh-CN" altLang="en-US" sz="1400" b="0" i="0" kern="1200" dirty="0" smtClean="0">
+                <a:solidFill>
+                  <a:schemeClr val="tx1"/>
+                </a:solidFill>
+                <a:effectLst/>
+                <a:latin typeface="+mn-lt"/>
+                <a:ea typeface="+mn-ea"/>
+                <a:cs typeface="+mn-cs"/>
+              </a:rPr>
+              <a:t>蛋白</a:t>
+            </a:r>
+            <a:r>
+              <a:rPr lang="zh-CN" altLang="en-US" sz="1400" b="0" i="0" kern="1200" dirty="0" smtClean="0">
+                <a:solidFill>
+                  <a:schemeClr val="tx1"/>
+                </a:solidFill>
+                <a:effectLst/>
+                <a:latin typeface="+mn-lt"/>
+                <a:ea typeface="+mn-ea"/>
+                <a:cs typeface="+mn-cs"/>
+              </a:rPr>
+              <a:t>偶联受体（</a:t>
+            </a:r>
+            <a:r>
+              <a:rPr lang="en-US" altLang="zh-CN" sz="1400" b="0" i="0" kern="1200" dirty="0" smtClean="0">
+                <a:solidFill>
+                  <a:schemeClr val="tx1"/>
+                </a:solidFill>
+                <a:effectLst/>
+                <a:latin typeface="+mn-lt"/>
+                <a:ea typeface="+mn-ea"/>
+                <a:cs typeface="+mn-cs"/>
+              </a:rPr>
+              <a:t>GPCRs</a:t>
+            </a:r>
+            <a:r>
+              <a:rPr lang="zh-CN" altLang="en-US" sz="1400" b="0" i="0" kern="1200" dirty="0" smtClean="0">
+                <a:solidFill>
+                  <a:schemeClr val="tx1"/>
+                </a:solidFill>
+                <a:effectLst/>
+                <a:latin typeface="+mn-lt"/>
+                <a:ea typeface="+mn-ea"/>
+                <a:cs typeface="+mn-cs"/>
+              </a:rPr>
+              <a:t>）如前列腺素结合蛋白的信号通过刺激</a:t>
+            </a:r>
+            <a:r>
+              <a:rPr lang="en-US" altLang="zh-CN" sz="1400" b="0" i="0" kern="1200" dirty="0" smtClean="0">
+                <a:solidFill>
+                  <a:schemeClr val="tx1"/>
+                </a:solidFill>
+                <a:effectLst/>
+                <a:latin typeface="+mn-lt"/>
+                <a:ea typeface="+mn-ea"/>
+                <a:cs typeface="+mn-cs"/>
+              </a:rPr>
+              <a:t>G</a:t>
+            </a:r>
+            <a:r>
+              <a:rPr lang="zh-CN" altLang="en-US" sz="1400" b="0" i="0" kern="1200" dirty="0" smtClean="0">
+                <a:solidFill>
+                  <a:schemeClr val="tx1"/>
+                </a:solidFill>
+                <a:effectLst/>
+                <a:latin typeface="+mn-lt"/>
+                <a:ea typeface="+mn-ea"/>
+                <a:cs typeface="+mn-cs"/>
+              </a:rPr>
+              <a:t>蛋白</a:t>
+            </a:r>
+            <a:r>
+              <a:rPr lang="en-US" altLang="zh-CN" sz="1400" b="0" i="0" kern="1200" dirty="0" smtClean="0">
+                <a:solidFill>
+                  <a:schemeClr val="tx1"/>
+                </a:solidFill>
+                <a:effectLst/>
+                <a:latin typeface="+mn-lt"/>
+                <a:ea typeface="+mn-ea"/>
+                <a:cs typeface="+mn-cs"/>
+              </a:rPr>
+              <a:t>α</a:t>
+            </a:r>
+            <a:r>
+              <a:rPr lang="zh-CN" altLang="en-US" sz="1400" b="0" i="0" kern="1200" dirty="0" smtClean="0">
+                <a:solidFill>
+                  <a:schemeClr val="tx1"/>
+                </a:solidFill>
+                <a:effectLst/>
+                <a:latin typeface="+mn-lt"/>
+                <a:ea typeface="+mn-ea"/>
+                <a:cs typeface="+mn-cs"/>
+              </a:rPr>
+              <a:t>亚基</a:t>
+            </a:r>
+            <a:r>
+              <a:rPr lang="zh-CN" altLang="en-US" sz="1400" b="0" i="0" kern="1200" dirty="0" smtClean="0">
+                <a:solidFill>
+                  <a:schemeClr val="tx1"/>
+                </a:solidFill>
+                <a:effectLst/>
+                <a:latin typeface="+mn-lt"/>
+                <a:ea typeface="+mn-ea"/>
+                <a:cs typeface="+mn-cs"/>
+              </a:rPr>
               <a:t>（</a:t>
             </a:r>
             <a:r>
@@ -5883,6 +6270,678 @@
                 <a:ea typeface="+mn-ea"/>
                 <a:cs typeface="+mn-cs"/>
               </a:rPr>
+              <a:t>Gas</a:t>
+            </a:r>
+            <a:r>
+              <a:rPr lang="zh-CN" altLang="en-US" sz="1400" b="0" i="0" kern="1200" dirty="0" smtClean="0">
+                <a:solidFill>
+                  <a:schemeClr val="tx1"/>
+                </a:solidFill>
+                <a:effectLst/>
+                <a:latin typeface="+mn-lt"/>
+                <a:ea typeface="+mn-ea"/>
+                <a:cs typeface="+mn-cs"/>
+              </a:rPr>
+              <a:t>）来激活腺苷酸环化酶（</a:t>
+            </a:r>
+            <a:r>
+              <a:rPr lang="en-US" altLang="zh-CN" sz="1400" b="0" i="0" kern="1200" dirty="0" smtClean="0">
+                <a:solidFill>
+                  <a:schemeClr val="tx1"/>
+                </a:solidFill>
+                <a:effectLst/>
+                <a:latin typeface="+mn-lt"/>
+                <a:ea typeface="+mn-ea"/>
+                <a:cs typeface="+mn-cs"/>
+              </a:rPr>
+              <a:t>AC</a:t>
+            </a:r>
+            <a:r>
+              <a:rPr lang="zh-CN" altLang="en-US" sz="1400" b="0" i="0" kern="1200" dirty="0" smtClean="0">
+                <a:solidFill>
+                  <a:schemeClr val="tx1"/>
+                </a:solidFill>
+                <a:effectLst/>
+                <a:latin typeface="+mn-lt"/>
+                <a:ea typeface="+mn-ea"/>
+                <a:cs typeface="+mn-cs"/>
+              </a:rPr>
+              <a:t>），从而产生</a:t>
+            </a:r>
+            <a:r>
+              <a:rPr lang="en-US" altLang="zh-CN" sz="1400" b="0" i="0" kern="1200" dirty="0" err="1" smtClean="0">
+                <a:solidFill>
+                  <a:schemeClr val="tx1"/>
+                </a:solidFill>
+                <a:effectLst/>
+                <a:latin typeface="+mn-lt"/>
+                <a:ea typeface="+mn-ea"/>
+                <a:cs typeface="+mn-cs"/>
+              </a:rPr>
+              <a:t>cAMP</a:t>
+            </a:r>
+            <a:r>
+              <a:rPr lang="zh-CN" altLang="en-US" sz="1400" b="0" i="0" kern="1200" dirty="0" smtClean="0">
+                <a:solidFill>
+                  <a:schemeClr val="tx1"/>
+                </a:solidFill>
+                <a:effectLst/>
+                <a:latin typeface="+mn-lt"/>
+                <a:ea typeface="+mn-ea"/>
+                <a:cs typeface="+mn-cs"/>
+              </a:rPr>
+              <a:t>。在白细胞如巨噬细胞和树突细胞中，</a:t>
+            </a:r>
+            <a:r>
+              <a:rPr lang="en-US" altLang="zh-CN" sz="1400" b="0" i="0" kern="1200" dirty="0" err="1" smtClean="0">
+                <a:solidFill>
+                  <a:schemeClr val="tx1"/>
+                </a:solidFill>
+                <a:effectLst/>
+                <a:latin typeface="+mn-lt"/>
+                <a:ea typeface="+mn-ea"/>
+                <a:cs typeface="+mn-cs"/>
+              </a:rPr>
+              <a:t>cAMP</a:t>
+            </a:r>
+            <a:r>
+              <a:rPr lang="zh-CN" altLang="en-US" sz="1400" b="0" i="0" kern="1200" dirty="0" smtClean="0">
+                <a:solidFill>
+                  <a:schemeClr val="tx1"/>
+                </a:solidFill>
+                <a:effectLst/>
+                <a:latin typeface="+mn-lt"/>
+                <a:ea typeface="+mn-ea"/>
+                <a:cs typeface="+mn-cs"/>
+              </a:rPr>
+              <a:t>会</a:t>
+            </a:r>
+            <a:r>
+              <a:rPr lang="zh-CN" altLang="en-US" sz="1400" b="0" i="0" kern="1200" dirty="0" smtClean="0">
+                <a:solidFill>
+                  <a:schemeClr val="tx1"/>
+                </a:solidFill>
+                <a:effectLst/>
+                <a:latin typeface="+mn-lt"/>
+                <a:ea typeface="+mn-ea"/>
+                <a:cs typeface="+mn-cs"/>
+              </a:rPr>
+              <a:t>被</a:t>
+            </a:r>
+            <a:r>
+              <a:rPr lang="en-US" altLang="zh-CN" sz="1400" b="0" i="0" kern="1200" dirty="0" smtClean="0">
+                <a:solidFill>
+                  <a:schemeClr val="tx1"/>
+                </a:solidFill>
+                <a:effectLst/>
+                <a:latin typeface="+mn-lt"/>
+                <a:ea typeface="+mn-ea"/>
+                <a:cs typeface="+mn-cs"/>
+              </a:rPr>
+              <a:t>PDE-4</a:t>
+            </a:r>
+            <a:r>
+              <a:rPr lang="zh-CN" altLang="en-US" sz="1400" b="0" i="0" kern="1200" dirty="0" smtClean="0">
+                <a:solidFill>
+                  <a:schemeClr val="tx1"/>
+                </a:solidFill>
+                <a:effectLst/>
+                <a:latin typeface="+mn-lt"/>
+                <a:ea typeface="+mn-ea"/>
+                <a:cs typeface="+mn-cs"/>
+              </a:rPr>
+              <a:t>水解</a:t>
+            </a:r>
+            <a:r>
+              <a:rPr lang="zh-CN" altLang="en-US" sz="1400" b="0" i="0" kern="1200" dirty="0" smtClean="0">
+                <a:solidFill>
+                  <a:schemeClr val="tx1"/>
+                </a:solidFill>
+                <a:effectLst/>
+                <a:latin typeface="+mn-lt"/>
+                <a:ea typeface="+mn-ea"/>
+                <a:cs typeface="+mn-cs"/>
+              </a:rPr>
+              <a:t>成</a:t>
+            </a:r>
+            <a:r>
+              <a:rPr lang="en-US" altLang="zh-CN" sz="1400" b="0" i="0" kern="1200" dirty="0" smtClean="0">
+                <a:solidFill>
+                  <a:schemeClr val="tx1"/>
+                </a:solidFill>
+                <a:effectLst/>
+                <a:latin typeface="+mn-lt"/>
+                <a:ea typeface="+mn-ea"/>
+                <a:cs typeface="+mn-cs"/>
+              </a:rPr>
+              <a:t>AMP</a:t>
+            </a:r>
+            <a:r>
+              <a:rPr lang="zh-CN" altLang="en-US" sz="1400" b="0" i="0" kern="1200" dirty="0" smtClean="0">
+                <a:solidFill>
+                  <a:schemeClr val="tx1"/>
+                </a:solidFill>
+                <a:effectLst/>
+                <a:latin typeface="+mn-lt"/>
+                <a:ea typeface="+mn-ea"/>
+                <a:cs typeface="+mn-cs"/>
+              </a:rPr>
+              <a:t>。阿普司特作为</a:t>
+            </a:r>
+            <a:r>
+              <a:rPr lang="en-US" altLang="zh-CN" sz="1400" b="0" i="0" kern="1200" dirty="0" smtClean="0">
+                <a:solidFill>
+                  <a:schemeClr val="tx1"/>
+                </a:solidFill>
+                <a:effectLst/>
+                <a:latin typeface="+mn-lt"/>
+                <a:ea typeface="+mn-ea"/>
+                <a:cs typeface="+mn-cs"/>
+              </a:rPr>
+              <a:t>PDE-4</a:t>
+            </a:r>
+            <a:r>
+              <a:rPr lang="zh-CN" altLang="en-US" sz="1400" b="0" i="0" kern="1200" dirty="0" smtClean="0">
+                <a:solidFill>
+                  <a:schemeClr val="tx1"/>
+                </a:solidFill>
+                <a:effectLst/>
+                <a:latin typeface="+mn-lt"/>
+                <a:ea typeface="+mn-ea"/>
+                <a:cs typeface="+mn-cs"/>
+              </a:rPr>
+              <a:t>的</a:t>
+            </a:r>
+            <a:r>
+              <a:rPr lang="zh-CN" altLang="en-US" sz="1400" b="0" i="0" kern="1200" dirty="0" smtClean="0">
+                <a:solidFill>
+                  <a:schemeClr val="tx1"/>
+                </a:solidFill>
+                <a:effectLst/>
+                <a:latin typeface="+mn-lt"/>
+                <a:ea typeface="+mn-ea"/>
+                <a:cs typeface="+mn-cs"/>
+              </a:rPr>
+              <a:t>抑制剂能增加细胞内</a:t>
+            </a:r>
+            <a:r>
+              <a:rPr lang="en-US" altLang="zh-CN" sz="1400" b="0" i="0" kern="1200" dirty="0" err="1" smtClean="0">
+                <a:solidFill>
+                  <a:schemeClr val="tx1"/>
+                </a:solidFill>
+                <a:effectLst/>
+                <a:latin typeface="+mn-lt"/>
+                <a:ea typeface="+mn-ea"/>
+                <a:cs typeface="+mn-cs"/>
+              </a:rPr>
+              <a:t>cAMP</a:t>
+            </a:r>
+            <a:r>
+              <a:rPr lang="zh-CN" altLang="en-US" sz="1400" b="0" i="0" kern="1200" dirty="0" smtClean="0">
+                <a:solidFill>
+                  <a:schemeClr val="tx1"/>
+                </a:solidFill>
+                <a:effectLst/>
+                <a:latin typeface="+mn-lt"/>
+                <a:ea typeface="+mn-ea"/>
+                <a:cs typeface="+mn-cs"/>
+              </a:rPr>
+              <a:t>的</a:t>
+            </a:r>
+            <a:r>
+              <a:rPr lang="zh-CN" altLang="en-US" sz="1400" b="0" i="0" kern="1200" dirty="0" smtClean="0">
+                <a:solidFill>
+                  <a:schemeClr val="tx1"/>
+                </a:solidFill>
+                <a:effectLst/>
+                <a:latin typeface="+mn-lt"/>
+                <a:ea typeface="+mn-ea"/>
+                <a:cs typeface="+mn-cs"/>
+              </a:rPr>
+              <a:t>水平，从而激活</a:t>
+            </a:r>
+            <a:r>
+              <a:rPr lang="en-US" altLang="zh-CN" sz="1400" b="0" i="0" kern="1200" dirty="0" err="1" smtClean="0">
+                <a:solidFill>
+                  <a:schemeClr val="tx1"/>
+                </a:solidFill>
+                <a:effectLst/>
+                <a:latin typeface="+mn-lt"/>
+                <a:ea typeface="+mn-ea"/>
+                <a:cs typeface="+mn-cs"/>
+              </a:rPr>
+              <a:t>cAMP</a:t>
+            </a:r>
+            <a:r>
+              <a:rPr lang="zh-CN" altLang="en-US" sz="1400" b="0" i="0" kern="1200" dirty="0" smtClean="0">
+                <a:solidFill>
+                  <a:schemeClr val="tx1"/>
+                </a:solidFill>
+                <a:effectLst/>
+                <a:latin typeface="+mn-lt"/>
+                <a:ea typeface="+mn-ea"/>
+                <a:cs typeface="+mn-cs"/>
+              </a:rPr>
+              <a:t>依赖性</a:t>
+            </a:r>
+            <a:r>
+              <a:rPr lang="zh-CN" altLang="en-US" sz="1400" b="0" i="0" kern="1200" dirty="0" smtClean="0">
+                <a:solidFill>
+                  <a:schemeClr val="tx1"/>
+                </a:solidFill>
+                <a:effectLst/>
+                <a:latin typeface="+mn-lt"/>
+                <a:ea typeface="+mn-ea"/>
+                <a:cs typeface="+mn-cs"/>
+              </a:rPr>
+              <a:t>蛋白激酶</a:t>
+            </a:r>
+            <a:r>
+              <a:rPr lang="en-US" altLang="zh-CN" sz="1400" b="0" i="0" kern="1200" dirty="0" smtClean="0">
+                <a:solidFill>
+                  <a:schemeClr val="tx1"/>
+                </a:solidFill>
+                <a:effectLst/>
+                <a:latin typeface="+mn-lt"/>
+                <a:ea typeface="+mn-ea"/>
+                <a:cs typeface="+mn-cs"/>
+              </a:rPr>
+              <a:t>A</a:t>
+            </a:r>
+            <a:r>
+              <a:rPr lang="zh-CN" altLang="en-US" sz="1400" b="0" i="0" kern="1200" dirty="0" smtClean="0">
+                <a:solidFill>
+                  <a:schemeClr val="tx1"/>
+                </a:solidFill>
+                <a:effectLst/>
+                <a:latin typeface="+mn-lt"/>
+                <a:ea typeface="+mn-ea"/>
+                <a:cs typeface="+mn-cs"/>
+              </a:rPr>
+              <a:t>（</a:t>
+            </a:r>
+            <a:r>
+              <a:rPr lang="en-US" altLang="zh-CN" sz="1400" b="0" i="0" kern="1200" dirty="0" smtClean="0">
+                <a:solidFill>
+                  <a:schemeClr val="tx1"/>
+                </a:solidFill>
+                <a:effectLst/>
+                <a:latin typeface="+mn-lt"/>
+                <a:ea typeface="+mn-ea"/>
+                <a:cs typeface="+mn-cs"/>
+              </a:rPr>
+              <a:t>PKA</a:t>
+            </a:r>
+            <a:r>
+              <a:rPr lang="zh-CN" altLang="en-US" sz="1400" b="0" i="0" kern="1200" dirty="0" smtClean="0">
+                <a:solidFill>
+                  <a:schemeClr val="tx1"/>
+                </a:solidFill>
+                <a:effectLst/>
+                <a:latin typeface="+mn-lt"/>
+                <a:ea typeface="+mn-ea"/>
+                <a:cs typeface="+mn-cs"/>
+              </a:rPr>
+              <a:t>），同时激活环核苷酸</a:t>
+            </a:r>
+            <a:r>
+              <a:rPr lang="en-US" altLang="zh-CN" sz="1400" b="0" i="0" kern="1200" dirty="0" smtClean="0">
+                <a:solidFill>
+                  <a:schemeClr val="tx1"/>
+                </a:solidFill>
+                <a:effectLst/>
+                <a:latin typeface="+mn-lt"/>
+                <a:ea typeface="+mn-ea"/>
+                <a:cs typeface="+mn-cs"/>
+              </a:rPr>
+              <a:t>–</a:t>
+            </a:r>
+            <a:r>
+              <a:rPr lang="zh-CN" altLang="en-US" sz="1400" b="0" i="0" kern="1200" dirty="0" smtClean="0">
+                <a:solidFill>
+                  <a:schemeClr val="tx1"/>
+                </a:solidFill>
+                <a:effectLst/>
+                <a:latin typeface="+mn-lt"/>
+                <a:ea typeface="+mn-ea"/>
+                <a:cs typeface="+mn-cs"/>
+              </a:rPr>
+              <a:t>门控离子通道，</a:t>
+            </a:r>
+            <a:r>
+              <a:rPr lang="en-US" altLang="zh-CN" sz="1400" b="0" i="0" kern="1200" dirty="0" smtClean="0">
+                <a:solidFill>
+                  <a:schemeClr val="tx1"/>
+                </a:solidFill>
+                <a:effectLst/>
+                <a:latin typeface="+mn-lt"/>
+                <a:ea typeface="+mn-ea"/>
+                <a:cs typeface="+mn-cs"/>
+              </a:rPr>
+              <a:t>PKA</a:t>
+            </a:r>
+            <a:r>
+              <a:rPr lang="zh-CN" altLang="en-US" sz="1400" b="0" i="0" kern="1200" dirty="0" smtClean="0">
+                <a:solidFill>
+                  <a:schemeClr val="tx1"/>
+                </a:solidFill>
+                <a:effectLst/>
+                <a:latin typeface="+mn-lt"/>
+                <a:ea typeface="+mn-ea"/>
+                <a:cs typeface="+mn-cs"/>
+              </a:rPr>
+              <a:t>的活化导致转录因子中</a:t>
+            </a:r>
+            <a:r>
+              <a:rPr lang="en-US" altLang="zh-CN" sz="1400" b="0" i="0" kern="1200" dirty="0" err="1" smtClean="0">
+                <a:solidFill>
+                  <a:schemeClr val="tx1"/>
+                </a:solidFill>
+                <a:effectLst/>
+                <a:latin typeface="+mn-lt"/>
+                <a:ea typeface="+mn-ea"/>
+                <a:cs typeface="+mn-cs"/>
+              </a:rPr>
+              <a:t>cAMP</a:t>
+            </a:r>
+            <a:r>
+              <a:rPr lang="zh-CN" altLang="en-US" sz="1400" b="0" i="0" kern="1200" dirty="0" smtClean="0">
+                <a:solidFill>
+                  <a:schemeClr val="tx1"/>
+                </a:solidFill>
+                <a:effectLst/>
+                <a:latin typeface="+mn-lt"/>
+                <a:ea typeface="+mn-ea"/>
+                <a:cs typeface="+mn-cs"/>
+              </a:rPr>
+              <a:t>反应元件（</a:t>
+            </a:r>
+            <a:r>
+              <a:rPr lang="en-US" altLang="zh-CN" sz="1400" b="0" i="0" kern="1200" dirty="0" smtClean="0">
+                <a:solidFill>
+                  <a:schemeClr val="tx1"/>
+                </a:solidFill>
+                <a:effectLst/>
+                <a:latin typeface="+mn-lt"/>
+                <a:ea typeface="+mn-ea"/>
+                <a:cs typeface="+mn-cs"/>
+              </a:rPr>
+              <a:t>CRE</a:t>
+            </a:r>
+            <a:r>
+              <a:rPr lang="zh-CN" altLang="en-US" sz="1400" b="0" i="0" kern="1200" dirty="0" smtClean="0">
+                <a:solidFill>
+                  <a:schemeClr val="tx1"/>
+                </a:solidFill>
+                <a:effectLst/>
+                <a:latin typeface="+mn-lt"/>
+                <a:ea typeface="+mn-ea"/>
+                <a:cs typeface="+mn-cs"/>
+              </a:rPr>
+              <a:t>）结合家族的磷酸化，同时激活转录因子</a:t>
+            </a:r>
+            <a:r>
+              <a:rPr lang="en-US" altLang="zh-CN" sz="1400" b="0" i="0" kern="1200" dirty="0" smtClean="0">
+                <a:solidFill>
+                  <a:schemeClr val="tx1"/>
+                </a:solidFill>
+                <a:effectLst/>
+                <a:latin typeface="+mn-lt"/>
+                <a:ea typeface="+mn-ea"/>
+                <a:cs typeface="+mn-cs"/>
+              </a:rPr>
+              <a:t>1</a:t>
+            </a:r>
+            <a:r>
+              <a:rPr lang="zh-CN" altLang="en-US" sz="1400" b="0" i="0" kern="1200" dirty="0" smtClean="0">
+                <a:solidFill>
+                  <a:schemeClr val="tx1"/>
+                </a:solidFill>
+                <a:effectLst/>
+                <a:latin typeface="+mn-lt"/>
+                <a:ea typeface="+mn-ea"/>
+                <a:cs typeface="+mn-cs"/>
+              </a:rPr>
+              <a:t>（</a:t>
+            </a:r>
+            <a:r>
+              <a:rPr lang="en-US" altLang="zh-CN" sz="1400" b="0" i="0" kern="1200" dirty="0" smtClean="0">
+                <a:solidFill>
+                  <a:schemeClr val="tx1"/>
+                </a:solidFill>
+                <a:effectLst/>
+                <a:latin typeface="+mn-lt"/>
+                <a:ea typeface="+mn-ea"/>
+                <a:cs typeface="+mn-cs"/>
+              </a:rPr>
+              <a:t>ATF-1</a:t>
+            </a:r>
+            <a:r>
+              <a:rPr lang="zh-CN" altLang="en-US" sz="1400" b="0" i="0" kern="1200" dirty="0" smtClean="0">
+                <a:solidFill>
+                  <a:schemeClr val="tx1"/>
+                </a:solidFill>
+                <a:effectLst/>
+                <a:latin typeface="+mn-lt"/>
+                <a:ea typeface="+mn-ea"/>
+                <a:cs typeface="+mn-cs"/>
+              </a:rPr>
+              <a:t>）。在特定细胞如巨噬细胞中，这些因子如</a:t>
+            </a:r>
+            <a:r>
+              <a:rPr lang="en-US" altLang="zh-CN" sz="1400" b="0" i="0" kern="1200" dirty="0" smtClean="0">
+                <a:solidFill>
+                  <a:schemeClr val="tx1"/>
+                </a:solidFill>
+                <a:effectLst/>
+                <a:latin typeface="+mn-lt"/>
+                <a:ea typeface="+mn-ea"/>
+                <a:cs typeface="+mn-cs"/>
+              </a:rPr>
+              <a:t>IL-10</a:t>
+            </a:r>
+            <a:r>
+              <a:rPr lang="zh-CN" altLang="en-US" sz="1400" b="0" i="0" kern="1200" dirty="0" smtClean="0">
+                <a:solidFill>
+                  <a:schemeClr val="tx1"/>
+                </a:solidFill>
+                <a:effectLst/>
+                <a:latin typeface="+mn-lt"/>
+                <a:ea typeface="+mn-ea"/>
+                <a:cs typeface="+mn-cs"/>
+              </a:rPr>
+              <a:t>会</a:t>
+            </a:r>
+            <a:r>
+              <a:rPr lang="zh-CN" altLang="en-US" sz="1400" b="0" i="0" kern="1200" dirty="0" smtClean="0">
+                <a:solidFill>
+                  <a:schemeClr val="tx1"/>
+                </a:solidFill>
+                <a:effectLst/>
+                <a:latin typeface="+mn-lt"/>
+                <a:ea typeface="+mn-ea"/>
+                <a:cs typeface="+mn-cs"/>
+              </a:rPr>
+              <a:t>结合到</a:t>
+            </a:r>
+            <a:r>
+              <a:rPr lang="en-US" altLang="zh-CN" sz="1400" b="0" i="0" kern="1200" dirty="0" smtClean="0">
+                <a:solidFill>
+                  <a:schemeClr val="tx1"/>
+                </a:solidFill>
+                <a:effectLst/>
+                <a:latin typeface="+mn-lt"/>
+                <a:ea typeface="+mn-ea"/>
+                <a:cs typeface="+mn-cs"/>
+              </a:rPr>
+              <a:t>CRE</a:t>
+            </a:r>
+            <a:r>
+              <a:rPr lang="zh-CN" altLang="en-US" sz="1400" b="0" i="0" kern="1200" dirty="0" smtClean="0">
+                <a:solidFill>
+                  <a:schemeClr val="tx1"/>
+                </a:solidFill>
+                <a:effectLst/>
+                <a:latin typeface="+mn-lt"/>
+                <a:ea typeface="+mn-ea"/>
+                <a:cs typeface="+mn-cs"/>
+              </a:rPr>
+              <a:t>基因</a:t>
+            </a:r>
+            <a:r>
+              <a:rPr lang="zh-CN" altLang="en-US" sz="1400" b="0" i="0" kern="1200" dirty="0" smtClean="0">
+                <a:solidFill>
+                  <a:schemeClr val="tx1"/>
+                </a:solidFill>
+                <a:effectLst/>
+                <a:latin typeface="+mn-lt"/>
+                <a:ea typeface="+mn-ea"/>
+                <a:cs typeface="+mn-cs"/>
+              </a:rPr>
+              <a:t>启动子的结合位点上增加细胞基因的表达，</a:t>
+            </a:r>
+            <a:r>
+              <a:rPr lang="en-US" altLang="zh-CN" sz="1400" b="0" i="0" kern="1200" dirty="0" smtClean="0">
+                <a:solidFill>
+                  <a:schemeClr val="tx1"/>
+                </a:solidFill>
+                <a:effectLst/>
+                <a:latin typeface="+mn-lt"/>
+                <a:ea typeface="+mn-ea"/>
+                <a:cs typeface="+mn-cs"/>
+              </a:rPr>
+              <a:t>CRE</a:t>
+            </a:r>
+            <a:r>
+              <a:rPr lang="zh-CN" altLang="en-US" sz="1400" b="0" i="0" kern="1200" dirty="0" smtClean="0">
+                <a:solidFill>
+                  <a:schemeClr val="tx1"/>
+                </a:solidFill>
+                <a:effectLst/>
+                <a:latin typeface="+mn-lt"/>
+                <a:ea typeface="+mn-ea"/>
+                <a:cs typeface="+mn-cs"/>
+              </a:rPr>
+              <a:t>驱动</a:t>
+            </a:r>
+            <a:r>
+              <a:rPr lang="zh-CN" altLang="en-US" sz="1400" b="0" i="0" kern="1200" dirty="0" smtClean="0">
+                <a:solidFill>
+                  <a:schemeClr val="tx1"/>
+                </a:solidFill>
+                <a:effectLst/>
+                <a:latin typeface="+mn-lt"/>
+                <a:ea typeface="+mn-ea"/>
+                <a:cs typeface="+mn-cs"/>
+              </a:rPr>
+              <a:t>的转录激活会集合共激活因子如</a:t>
+            </a:r>
+            <a:r>
+              <a:rPr lang="en-US" altLang="zh-CN" sz="1400" b="0" i="0" kern="1200" dirty="0" smtClean="0">
+                <a:solidFill>
+                  <a:schemeClr val="tx1"/>
+                </a:solidFill>
+                <a:effectLst/>
+                <a:latin typeface="+mn-lt"/>
+                <a:ea typeface="+mn-ea"/>
+                <a:cs typeface="+mn-cs"/>
+              </a:rPr>
+              <a:t>CREB</a:t>
+            </a:r>
+            <a:r>
+              <a:rPr lang="zh-CN" altLang="en-US" sz="1400" b="0" i="0" kern="1200" dirty="0" smtClean="0">
+                <a:solidFill>
+                  <a:schemeClr val="tx1"/>
+                </a:solidFill>
+                <a:effectLst/>
+                <a:latin typeface="+mn-lt"/>
+                <a:ea typeface="+mn-ea"/>
+                <a:cs typeface="+mn-cs"/>
+              </a:rPr>
+              <a:t>结合蛋白</a:t>
+            </a:r>
+            <a:r>
+              <a:rPr lang="zh-CN" altLang="en-US" sz="1400" b="0" i="0" kern="1200" dirty="0" smtClean="0">
+                <a:solidFill>
+                  <a:schemeClr val="tx1"/>
+                </a:solidFill>
+                <a:effectLst/>
+                <a:latin typeface="+mn-lt"/>
+                <a:ea typeface="+mn-ea"/>
+                <a:cs typeface="+mn-cs"/>
+              </a:rPr>
+              <a:t>（</a:t>
+            </a:r>
+            <a:r>
+              <a:rPr lang="en-US" altLang="zh-CN" sz="1400" b="0" i="0" kern="1200" dirty="0" smtClean="0">
+                <a:solidFill>
+                  <a:schemeClr val="tx1"/>
+                </a:solidFill>
+                <a:effectLst/>
+                <a:latin typeface="+mn-lt"/>
+                <a:ea typeface="+mn-ea"/>
+                <a:cs typeface="+mn-cs"/>
+              </a:rPr>
+              <a:t>CBP</a:t>
+            </a:r>
+            <a:r>
+              <a:rPr lang="zh-CN" altLang="en-US" sz="1400" b="0" i="0" kern="1200" dirty="0" smtClean="0">
+                <a:solidFill>
+                  <a:schemeClr val="tx1"/>
+                </a:solidFill>
+                <a:effectLst/>
+                <a:latin typeface="+mn-lt"/>
+                <a:ea typeface="+mn-ea"/>
+                <a:cs typeface="+mn-cs"/>
+              </a:rPr>
+              <a:t>）、同源蛋白</a:t>
+            </a:r>
+            <a:r>
+              <a:rPr lang="en-US" altLang="zh-CN" sz="1400" b="0" i="0" kern="1200" dirty="0" smtClean="0">
+                <a:solidFill>
+                  <a:schemeClr val="tx1"/>
+                </a:solidFill>
+                <a:effectLst/>
+                <a:latin typeface="+mn-lt"/>
+                <a:ea typeface="+mn-ea"/>
+                <a:cs typeface="+mn-cs"/>
+              </a:rPr>
+              <a:t>p300</a:t>
+            </a:r>
+            <a:r>
+              <a:rPr lang="zh-CN" altLang="en-US" sz="1400" b="0" i="0" kern="1200" dirty="0" smtClean="0">
+                <a:solidFill>
+                  <a:schemeClr val="tx1"/>
+                </a:solidFill>
+                <a:effectLst/>
+                <a:latin typeface="+mn-lt"/>
+                <a:ea typeface="+mn-ea"/>
+                <a:cs typeface="+mn-cs"/>
+              </a:rPr>
+              <a:t>等</a:t>
+            </a:r>
+            <a:r>
+              <a:rPr lang="zh-CN" altLang="en-US" sz="1400" b="0" i="0" kern="1200" dirty="0" smtClean="0">
+                <a:solidFill>
+                  <a:schemeClr val="tx1"/>
+                </a:solidFill>
+                <a:effectLst/>
+                <a:latin typeface="+mn-lt"/>
+                <a:ea typeface="+mn-ea"/>
+                <a:cs typeface="+mn-cs"/>
+              </a:rPr>
+              <a:t>。从</a:t>
+            </a:r>
+            <a:r>
+              <a:rPr lang="en-US" altLang="zh-CN" sz="1400" b="0" i="0" kern="1200" dirty="0" smtClean="0">
+                <a:solidFill>
+                  <a:schemeClr val="tx1"/>
+                </a:solidFill>
+                <a:effectLst/>
+                <a:latin typeface="+mn-lt"/>
+                <a:ea typeface="+mn-ea"/>
+                <a:cs typeface="+mn-cs"/>
+              </a:rPr>
               <a:t>NF-</a:t>
             </a:r>
             <a:r>
@@ -5907,7 +6966,7 @@
                 <a:ea typeface="+mn-ea"/>
                 <a:cs typeface="+mn-cs"/>
               </a:rPr>
-              <a:t>）的激活以及促炎介质的表达，如</a:t>
+              <a:t>集合来的</a:t>
             </a:r>
             <a:r>
               <a:rPr lang="en-US" altLang="zh-CN" sz="1400" b="0" i="0" kern="1200" dirty="0" smtClean="0">
@@ -5919,6 +6978,162 @@
                 <a:ea typeface="+mn-ea"/>
                 <a:cs typeface="+mn-cs"/>
               </a:rPr>
+              <a:t>CBP</a:t>
+            </a:r>
+            <a:r>
+              <a:rPr lang="zh-CN" altLang="en-US" sz="1400" b="0" i="0" kern="1200" dirty="0" smtClean="0">
+                <a:solidFill>
+                  <a:schemeClr val="tx1"/>
+                </a:solidFill>
+                <a:effectLst/>
+                <a:latin typeface="+mn-lt"/>
+                <a:ea typeface="+mn-ea"/>
+                <a:cs typeface="+mn-cs"/>
+              </a:rPr>
+              <a:t>和</a:t>
+            </a:r>
+            <a:r>
+              <a:rPr lang="en-US" altLang="zh-CN" sz="1400" b="0" i="0" kern="1200" dirty="0" smtClean="0">
+                <a:solidFill>
+                  <a:schemeClr val="tx1"/>
+                </a:solidFill>
+                <a:effectLst/>
+                <a:latin typeface="+mn-lt"/>
+                <a:ea typeface="+mn-ea"/>
+                <a:cs typeface="+mn-cs"/>
+              </a:rPr>
+              <a:t>p300</a:t>
+            </a:r>
+            <a:r>
+              <a:rPr lang="zh-CN" altLang="en-US" sz="1400" b="0" i="0" kern="1200" dirty="0" smtClean="0">
+                <a:solidFill>
+                  <a:schemeClr val="tx1"/>
+                </a:solidFill>
+                <a:effectLst/>
+                <a:latin typeface="+mn-lt"/>
+                <a:ea typeface="+mn-ea"/>
+                <a:cs typeface="+mn-cs"/>
+              </a:rPr>
+              <a:t>会</a:t>
+            </a:r>
+            <a:r>
+              <a:rPr lang="zh-CN" altLang="en-US" sz="1400" b="0" i="0" kern="1200" dirty="0" smtClean="0">
+                <a:solidFill>
+                  <a:schemeClr val="tx1"/>
+                </a:solidFill>
+                <a:effectLst/>
+                <a:latin typeface="+mn-lt"/>
+                <a:ea typeface="+mn-ea"/>
+                <a:cs typeface="+mn-cs"/>
+              </a:rPr>
+              <a:t>抑制</a:t>
+            </a:r>
+            <a:r>
+              <a:rPr lang="en-US" altLang="zh-CN" sz="1400" b="0" i="0" kern="1200" dirty="0" smtClean="0">
+                <a:solidFill>
+                  <a:schemeClr val="tx1"/>
+                </a:solidFill>
+                <a:effectLst/>
+                <a:latin typeface="+mn-lt"/>
+                <a:ea typeface="+mn-ea"/>
+                <a:cs typeface="+mn-cs"/>
+              </a:rPr>
+              <a:t>NF-</a:t>
+            </a:r>
+            <a:r>
+              <a:rPr lang="en-US" altLang="zh-CN" sz="1400" b="0" i="0" kern="1200" dirty="0" err="1" smtClean="0">
+                <a:solidFill>
+                  <a:schemeClr val="tx1"/>
+                </a:solidFill>
+                <a:effectLst/>
+                <a:latin typeface="+mn-lt"/>
+                <a:ea typeface="+mn-ea"/>
+                <a:cs typeface="+mn-cs"/>
+              </a:rPr>
+              <a:t>κB</a:t>
+            </a:r>
+            <a:r>
+              <a:rPr lang="zh-CN" altLang="en-US" sz="1400" b="0" i="0" kern="1200" dirty="0" smtClean="0">
+                <a:solidFill>
+                  <a:schemeClr val="tx1"/>
+                </a:solidFill>
+                <a:effectLst/>
+                <a:latin typeface="+mn-lt"/>
+                <a:ea typeface="+mn-ea"/>
+                <a:cs typeface="+mn-cs"/>
+              </a:rPr>
+              <a:t>的</a:t>
+            </a:r>
+            <a:r>
+              <a:rPr lang="zh-CN" altLang="en-US" sz="1400" b="0" i="0" kern="1200" dirty="0" smtClean="0">
+                <a:solidFill>
+                  <a:schemeClr val="tx1"/>
+                </a:solidFill>
+                <a:effectLst/>
+                <a:latin typeface="+mn-lt"/>
+                <a:ea typeface="+mn-ea"/>
+                <a:cs typeface="+mn-cs"/>
+              </a:rPr>
+              <a:t>转录活性，降低</a:t>
+            </a:r>
+            <a:r>
+              <a:rPr lang="en-US" altLang="zh-CN" sz="1400" b="0" i="0" kern="1200" dirty="0" smtClean="0">
+                <a:solidFill>
+                  <a:schemeClr val="tx1"/>
+                </a:solidFill>
+                <a:effectLst/>
+                <a:latin typeface="+mn-lt"/>
+                <a:ea typeface="+mn-ea"/>
+                <a:cs typeface="+mn-cs"/>
+              </a:rPr>
+              <a:t>NF-</a:t>
+            </a:r>
+            <a:r>
+              <a:rPr lang="en-US" altLang="zh-CN" sz="1400" b="0" i="0" kern="1200" dirty="0" err="1" smtClean="0">
+                <a:solidFill>
+                  <a:schemeClr val="tx1"/>
+                </a:solidFill>
+                <a:effectLst/>
+                <a:latin typeface="+mn-lt"/>
+                <a:ea typeface="+mn-ea"/>
+                <a:cs typeface="+mn-cs"/>
+              </a:rPr>
+              <a:t>κB</a:t>
+            </a:r>
+            <a:r>
+              <a:rPr lang="zh-CN" altLang="en-US" sz="1400" b="0" i="0" kern="1200" dirty="0" smtClean="0">
+                <a:solidFill>
+                  <a:schemeClr val="tx1"/>
+                </a:solidFill>
+                <a:effectLst/>
+                <a:latin typeface="+mn-lt"/>
+                <a:ea typeface="+mn-ea"/>
+                <a:cs typeface="+mn-cs"/>
+              </a:rPr>
+              <a:t>依赖性</a:t>
+            </a:r>
+            <a:r>
+              <a:rPr lang="zh-CN" altLang="en-US" sz="1400" b="0" i="0" kern="1200" dirty="0" smtClean="0">
+                <a:solidFill>
+                  <a:schemeClr val="tx1"/>
+                </a:solidFill>
+                <a:effectLst/>
+                <a:latin typeface="+mn-lt"/>
+                <a:ea typeface="+mn-ea"/>
+                <a:cs typeface="+mn-cs"/>
+              </a:rPr>
+              <a:t>基因的表达，从而导致</a:t>
+            </a:r>
+            <a:r>
+              <a:rPr lang="en-US" altLang="zh-CN" sz="1400" b="0" i="0" kern="1200" dirty="0" smtClean="0">
+                <a:solidFill>
+                  <a:schemeClr val="tx1"/>
+                </a:solidFill>
+                <a:effectLst/>
+                <a:latin typeface="+mn-lt"/>
+                <a:ea typeface="+mn-ea"/>
+                <a:cs typeface="+mn-cs"/>
+              </a:rPr>
               <a:t>IL-23</a:t>
             </a:r>
             <a:r>
@@ -5943,7 +7158,7 @@
                 <a:ea typeface="+mn-ea"/>
                 <a:cs typeface="+mn-cs"/>
               </a:rPr>
-              <a:t>TNF-α </a:t>
+              <a:t>TNF-α</a:t>
             </a:r>
             <a:r>
               <a:rPr lang="zh-CN" altLang="en-US" sz="1400" b="0" i="0" kern="1200" dirty="0" smtClean="0">
@@ -5979,19 +7194,7 @@
                 <a:ea typeface="+mn-ea"/>
                 <a:cs typeface="+mn-cs"/>
               </a:rPr>
-              <a:t>。来源于</a:t>
-            </a:r>
-            <a:r>
-              <a:rPr lang="en-US" altLang="zh-CN" sz="1400" b="0" i="0" kern="1200" dirty="0" smtClean="0">
-                <a:solidFill>
-                  <a:schemeClr val="tx1"/>
-                </a:solidFill>
-                <a:effectLst/>
-                <a:latin typeface="+mn-lt"/>
-                <a:ea typeface="+mn-ea"/>
-                <a:cs typeface="+mn-cs"/>
-              </a:rPr>
-              <a:t>G </a:t>
+              <a:t>的</a:t>
             </a:r>
             <a:r>
               <a:rPr lang="zh-CN" altLang="en-US" sz="1400" b="0" i="0" kern="1200" dirty="0" smtClean="0">
@@ -6003,919 +7206,7 @@
                 <a:ea typeface="+mn-ea"/>
                 <a:cs typeface="+mn-cs"/>
               </a:rPr>
-              <a:t>蛋白偶联受体（</a:t>
-            </a:r>
-            <a:r>
-              <a:rPr lang="en-US" altLang="zh-CN" sz="1400" b="0" i="0" kern="1200" dirty="0" smtClean="0">
-                <a:solidFill>
-                  <a:schemeClr val="tx1"/>
-                </a:solidFill>
-                <a:effectLst/>
-                <a:latin typeface="+mn-lt"/>
-                <a:ea typeface="+mn-ea"/>
-                <a:cs typeface="+mn-cs"/>
-              </a:rPr>
-              <a:t>GPCRs</a:t>
-            </a:r>
-            <a:r>
-              <a:rPr lang="zh-CN" altLang="en-US" sz="1400" b="0" i="0" kern="1200" dirty="0" smtClean="0">
-                <a:solidFill>
-                  <a:schemeClr val="tx1"/>
-                </a:solidFill>
-                <a:effectLst/>
-                <a:latin typeface="+mn-lt"/>
-                <a:ea typeface="+mn-ea"/>
-                <a:cs typeface="+mn-cs"/>
-              </a:rPr>
-              <a:t>）如前列腺素结合蛋白的信号通过刺激</a:t>
-            </a:r>
-            <a:r>
-              <a:rPr lang="en-US" altLang="zh-CN" sz="1400" b="0" i="0" kern="1200" dirty="0" smtClean="0">
-                <a:solidFill>
-                  <a:schemeClr val="tx1"/>
-                </a:solidFill>
-                <a:effectLst/>
-                <a:latin typeface="+mn-lt"/>
-                <a:ea typeface="+mn-ea"/>
-                <a:cs typeface="+mn-cs"/>
-              </a:rPr>
-              <a:t>G </a:t>
-            </a:r>
-            <a:r>
-              <a:rPr lang="zh-CN" altLang="en-US" sz="1400" b="0" i="0" kern="1200" dirty="0" smtClean="0">
-                <a:solidFill>
-                  <a:schemeClr val="tx1"/>
-                </a:solidFill>
-                <a:effectLst/>
-                <a:latin typeface="+mn-lt"/>
-                <a:ea typeface="+mn-ea"/>
-                <a:cs typeface="+mn-cs"/>
-              </a:rPr>
-              <a:t>蛋白</a:t>
-            </a:r>
-            <a:r>
-              <a:rPr lang="en-US" altLang="zh-CN" sz="1400" b="0" i="0" kern="1200" dirty="0" smtClean="0">
-                <a:solidFill>
-                  <a:schemeClr val="tx1"/>
-                </a:solidFill>
-                <a:effectLst/>
-                <a:latin typeface="+mn-lt"/>
-                <a:ea typeface="+mn-ea"/>
-                <a:cs typeface="+mn-cs"/>
-              </a:rPr>
-              <a:t>α </a:t>
-            </a:r>
-            <a:r>
-              <a:rPr lang="zh-CN" altLang="en-US" sz="1400" b="0" i="0" kern="1200" dirty="0" smtClean="0">
-                <a:solidFill>
-                  <a:schemeClr val="tx1"/>
-                </a:solidFill>
-                <a:effectLst/>
-                <a:latin typeface="+mn-lt"/>
-                <a:ea typeface="+mn-ea"/>
-                <a:cs typeface="+mn-cs"/>
-              </a:rPr>
-              <a:t>亚基（</a:t>
-            </a:r>
-            <a:r>
-              <a:rPr lang="en-US" altLang="zh-CN" sz="1400" b="0" i="0" kern="1200" dirty="0" smtClean="0">
-                <a:solidFill>
-                  <a:schemeClr val="tx1"/>
-                </a:solidFill>
-                <a:effectLst/>
-                <a:latin typeface="+mn-lt"/>
-                <a:ea typeface="+mn-ea"/>
-                <a:cs typeface="+mn-cs"/>
-              </a:rPr>
-              <a:t>Gas</a:t>
-            </a:r>
-            <a:r>
-              <a:rPr lang="zh-CN" altLang="en-US" sz="1400" b="0" i="0" kern="1200" dirty="0" smtClean="0">
-                <a:solidFill>
-                  <a:schemeClr val="tx1"/>
-                </a:solidFill>
-                <a:effectLst/>
-                <a:latin typeface="+mn-lt"/>
-                <a:ea typeface="+mn-ea"/>
-                <a:cs typeface="+mn-cs"/>
-              </a:rPr>
-              <a:t>）来激活腺苷酸环化酶（</a:t>
-            </a:r>
-            <a:r>
-              <a:rPr lang="en-US" altLang="zh-CN" sz="1400" b="0" i="0" kern="1200" dirty="0" smtClean="0">
-                <a:solidFill>
-                  <a:schemeClr val="tx1"/>
-                </a:solidFill>
-                <a:effectLst/>
-                <a:latin typeface="+mn-lt"/>
-                <a:ea typeface="+mn-ea"/>
-                <a:cs typeface="+mn-cs"/>
-              </a:rPr>
-              <a:t>AC</a:t>
-            </a:r>
-            <a:r>
-              <a:rPr lang="zh-CN" altLang="en-US" sz="1400" b="0" i="0" kern="1200" dirty="0" smtClean="0">
-                <a:solidFill>
-                  <a:schemeClr val="tx1"/>
-                </a:solidFill>
-                <a:effectLst/>
-                <a:latin typeface="+mn-lt"/>
-                <a:ea typeface="+mn-ea"/>
-                <a:cs typeface="+mn-cs"/>
-              </a:rPr>
-              <a:t>），从而产生</a:t>
-            </a:r>
-            <a:r>
-              <a:rPr lang="en-US" altLang="zh-CN" sz="1400" b="0" i="0" kern="1200" dirty="0" err="1" smtClean="0">
-                <a:solidFill>
-                  <a:schemeClr val="tx1"/>
-                </a:solidFill>
-                <a:effectLst/>
-                <a:latin typeface="+mn-lt"/>
-                <a:ea typeface="+mn-ea"/>
-                <a:cs typeface="+mn-cs"/>
-              </a:rPr>
-              <a:t>cAMP</a:t>
-            </a:r>
-            <a:r>
-              <a:rPr lang="zh-CN" altLang="en-US" sz="1400" b="0" i="0" kern="1200" dirty="0" smtClean="0">
-                <a:solidFill>
-                  <a:schemeClr val="tx1"/>
-                </a:solidFill>
-                <a:effectLst/>
-                <a:latin typeface="+mn-lt"/>
-                <a:ea typeface="+mn-ea"/>
-                <a:cs typeface="+mn-cs"/>
-              </a:rPr>
-              <a:t>。在白细胞如巨噬细胞和树突细胞中，</a:t>
-            </a:r>
-            <a:r>
-              <a:rPr lang="en-US" altLang="zh-CN" sz="1400" b="0" i="0" kern="1200" dirty="0" err="1" smtClean="0">
-                <a:solidFill>
-                  <a:schemeClr val="tx1"/>
-                </a:solidFill>
-                <a:effectLst/>
-                <a:latin typeface="+mn-lt"/>
-                <a:ea typeface="+mn-ea"/>
-                <a:cs typeface="+mn-cs"/>
-              </a:rPr>
-              <a:t>cAMP</a:t>
-            </a:r>
-            <a:r>
-              <a:rPr lang="en-US" altLang="zh-CN" sz="1400" b="0" i="0" kern="1200" dirty="0" smtClean="0">
-                <a:solidFill>
-                  <a:schemeClr val="tx1"/>
-                </a:solidFill>
-                <a:effectLst/>
-                <a:latin typeface="+mn-lt"/>
-                <a:ea typeface="+mn-ea"/>
-                <a:cs typeface="+mn-cs"/>
-              </a:rPr>
-              <a:t> </a:t>
-            </a:r>
-            <a:r>
-              <a:rPr lang="zh-CN" altLang="en-US" sz="1400" b="0" i="0" kern="1200" dirty="0" smtClean="0">
-                <a:solidFill>
-                  <a:schemeClr val="tx1"/>
-                </a:solidFill>
-                <a:effectLst/>
-                <a:latin typeface="+mn-lt"/>
-                <a:ea typeface="+mn-ea"/>
-                <a:cs typeface="+mn-cs"/>
-              </a:rPr>
-              <a:t>会被</a:t>
-            </a:r>
-            <a:r>
-              <a:rPr lang="en-US" altLang="zh-CN" sz="1400" b="0" i="0" kern="1200" dirty="0" smtClean="0">
-                <a:solidFill>
-                  <a:schemeClr val="tx1"/>
-                </a:solidFill>
-                <a:effectLst/>
-                <a:latin typeface="+mn-lt"/>
-                <a:ea typeface="+mn-ea"/>
-                <a:cs typeface="+mn-cs"/>
-              </a:rPr>
-              <a:t>PDE-4 </a:t>
-            </a:r>
-            <a:r>
-              <a:rPr lang="zh-CN" altLang="en-US" sz="1400" b="0" i="0" kern="1200" dirty="0" smtClean="0">
-                <a:solidFill>
-                  <a:schemeClr val="tx1"/>
-                </a:solidFill>
-                <a:effectLst/>
-                <a:latin typeface="+mn-lt"/>
-                <a:ea typeface="+mn-ea"/>
-                <a:cs typeface="+mn-cs"/>
-              </a:rPr>
-              <a:t>水解成</a:t>
-            </a:r>
-            <a:r>
-              <a:rPr lang="en-US" altLang="zh-CN" sz="1400" b="0" i="0" kern="1200" dirty="0" smtClean="0">
-                <a:solidFill>
-                  <a:schemeClr val="tx1"/>
-                </a:solidFill>
-                <a:effectLst/>
-                <a:latin typeface="+mn-lt"/>
-                <a:ea typeface="+mn-ea"/>
-                <a:cs typeface="+mn-cs"/>
-              </a:rPr>
-              <a:t>AMP</a:t>
-            </a:r>
-            <a:r>
-              <a:rPr lang="zh-CN" altLang="en-US" sz="1400" b="0" i="0" kern="1200" dirty="0" smtClean="0">
-                <a:solidFill>
-                  <a:schemeClr val="tx1"/>
-                </a:solidFill>
-                <a:effectLst/>
-                <a:latin typeface="+mn-lt"/>
-                <a:ea typeface="+mn-ea"/>
-                <a:cs typeface="+mn-cs"/>
-              </a:rPr>
-              <a:t>。阿普司特作为</a:t>
-            </a:r>
-            <a:r>
-              <a:rPr lang="en-US" altLang="zh-CN" sz="1400" b="0" i="0" kern="1200" dirty="0" smtClean="0">
-                <a:solidFill>
-                  <a:schemeClr val="tx1"/>
-                </a:solidFill>
-                <a:effectLst/>
-                <a:latin typeface="+mn-lt"/>
-                <a:ea typeface="+mn-ea"/>
-                <a:cs typeface="+mn-cs"/>
-              </a:rPr>
-              <a:t>PDE-4 </a:t>
-            </a:r>
-            <a:r>
-              <a:rPr lang="zh-CN" altLang="en-US" sz="1400" b="0" i="0" kern="1200" dirty="0" smtClean="0">
-                <a:solidFill>
-                  <a:schemeClr val="tx1"/>
-                </a:solidFill>
-                <a:effectLst/>
-                <a:latin typeface="+mn-lt"/>
-                <a:ea typeface="+mn-ea"/>
-                <a:cs typeface="+mn-cs"/>
-              </a:rPr>
-              <a:t>的抑制剂能增加细胞内</a:t>
-            </a:r>
-            <a:r>
-              <a:rPr lang="en-US" altLang="zh-CN" sz="1400" b="0" i="0" kern="1200" dirty="0" err="1" smtClean="0">
-                <a:solidFill>
-                  <a:schemeClr val="tx1"/>
-                </a:solidFill>
-                <a:effectLst/>
-                <a:latin typeface="+mn-lt"/>
-                <a:ea typeface="+mn-ea"/>
-                <a:cs typeface="+mn-cs"/>
-              </a:rPr>
-              <a:t>cAMP</a:t>
-            </a:r>
-            <a:r>
-              <a:rPr lang="en-US" altLang="zh-CN" sz="1400" b="0" i="0" kern="1200" dirty="0" smtClean="0">
-                <a:solidFill>
-                  <a:schemeClr val="tx1"/>
-                </a:solidFill>
-                <a:effectLst/>
-                <a:latin typeface="+mn-lt"/>
-                <a:ea typeface="+mn-ea"/>
-                <a:cs typeface="+mn-cs"/>
-              </a:rPr>
-              <a:t> </a:t>
-            </a:r>
-            <a:r>
-              <a:rPr lang="zh-CN" altLang="en-US" sz="1400" b="0" i="0" kern="1200" dirty="0" smtClean="0">
-                <a:solidFill>
-                  <a:schemeClr val="tx1"/>
-                </a:solidFill>
-                <a:effectLst/>
-                <a:latin typeface="+mn-lt"/>
-                <a:ea typeface="+mn-ea"/>
-                <a:cs typeface="+mn-cs"/>
-              </a:rPr>
-              <a:t>的水平，从而激活</a:t>
-            </a:r>
-            <a:r>
-              <a:rPr lang="en-US" altLang="zh-CN" sz="1400" b="0" i="0" kern="1200" dirty="0" err="1" smtClean="0">
-                <a:solidFill>
-                  <a:schemeClr val="tx1"/>
-                </a:solidFill>
-                <a:effectLst/>
-                <a:latin typeface="+mn-lt"/>
-                <a:ea typeface="+mn-ea"/>
-                <a:cs typeface="+mn-cs"/>
-              </a:rPr>
-              <a:t>cAMP</a:t>
-            </a:r>
-            <a:r>
-              <a:rPr lang="en-US" altLang="zh-CN" sz="1400" b="0" i="0" kern="1200" dirty="0" smtClean="0">
-                <a:solidFill>
-                  <a:schemeClr val="tx1"/>
-                </a:solidFill>
-                <a:effectLst/>
-                <a:latin typeface="+mn-lt"/>
-                <a:ea typeface="+mn-ea"/>
-                <a:cs typeface="+mn-cs"/>
-              </a:rPr>
-              <a:t> </a:t>
-            </a:r>
-            <a:r>
-              <a:rPr lang="zh-CN" altLang="en-US" sz="1400" b="0" i="0" kern="1200" dirty="0" smtClean="0">
-                <a:solidFill>
-                  <a:schemeClr val="tx1"/>
-                </a:solidFill>
-                <a:effectLst/>
-                <a:latin typeface="+mn-lt"/>
-                <a:ea typeface="+mn-ea"/>
-                <a:cs typeface="+mn-cs"/>
-              </a:rPr>
-              <a:t>依赖性蛋白激酶</a:t>
-            </a:r>
-            <a:r>
-              <a:rPr lang="en-US" altLang="zh-CN" sz="1400" b="0" i="0" kern="1200" dirty="0" smtClean="0">
-                <a:solidFill>
-                  <a:schemeClr val="tx1"/>
-                </a:solidFill>
-                <a:effectLst/>
-                <a:latin typeface="+mn-lt"/>
-                <a:ea typeface="+mn-ea"/>
-                <a:cs typeface="+mn-cs"/>
-              </a:rPr>
-              <a:t>A</a:t>
-            </a:r>
-            <a:r>
-              <a:rPr lang="zh-CN" altLang="en-US" sz="1400" b="0" i="0" kern="1200" dirty="0" smtClean="0">
-                <a:solidFill>
-                  <a:schemeClr val="tx1"/>
-                </a:solidFill>
-                <a:effectLst/>
-                <a:latin typeface="+mn-lt"/>
-                <a:ea typeface="+mn-ea"/>
-                <a:cs typeface="+mn-cs"/>
-              </a:rPr>
-              <a:t>（</a:t>
-            </a:r>
-            <a:r>
-              <a:rPr lang="en-US" altLang="zh-CN" sz="1400" b="0" i="0" kern="1200" dirty="0" smtClean="0">
-                <a:solidFill>
-                  <a:schemeClr val="tx1"/>
-                </a:solidFill>
-                <a:effectLst/>
-                <a:latin typeface="+mn-lt"/>
-                <a:ea typeface="+mn-ea"/>
-                <a:cs typeface="+mn-cs"/>
-              </a:rPr>
-              <a:t>PKA</a:t>
-            </a:r>
-            <a:r>
-              <a:rPr lang="zh-CN" altLang="en-US" sz="1400" b="0" i="0" kern="1200" dirty="0" smtClean="0">
-                <a:solidFill>
-                  <a:schemeClr val="tx1"/>
-                </a:solidFill>
-                <a:effectLst/>
-                <a:latin typeface="+mn-lt"/>
-                <a:ea typeface="+mn-ea"/>
-                <a:cs typeface="+mn-cs"/>
-              </a:rPr>
-              <a:t>），同时激活环核苷酸</a:t>
-            </a:r>
-            <a:r>
-              <a:rPr lang="en-US" altLang="zh-CN" sz="1400" b="0" i="0" kern="1200" dirty="0" smtClean="0">
-                <a:solidFill>
-                  <a:schemeClr val="tx1"/>
-                </a:solidFill>
-                <a:effectLst/>
-                <a:latin typeface="+mn-lt"/>
-                <a:ea typeface="+mn-ea"/>
-                <a:cs typeface="+mn-cs"/>
-              </a:rPr>
-              <a:t>–</a:t>
-            </a:r>
-            <a:r>
-              <a:rPr lang="zh-CN" altLang="en-US" sz="1400" b="0" i="0" kern="1200" dirty="0" smtClean="0">
-                <a:solidFill>
-                  <a:schemeClr val="tx1"/>
-                </a:solidFill>
-                <a:effectLst/>
-                <a:latin typeface="+mn-lt"/>
-                <a:ea typeface="+mn-ea"/>
-                <a:cs typeface="+mn-cs"/>
-              </a:rPr>
-              <a:t>门控离子通道，</a:t>
-            </a:r>
-            <a:r>
-              <a:rPr lang="en-US" altLang="zh-CN" sz="1400" b="0" i="0" kern="1200" dirty="0" smtClean="0">
-                <a:solidFill>
-                  <a:schemeClr val="tx1"/>
-                </a:solidFill>
-                <a:effectLst/>
-                <a:latin typeface="+mn-lt"/>
-                <a:ea typeface="+mn-ea"/>
-                <a:cs typeface="+mn-cs"/>
-              </a:rPr>
-              <a:t>PKA</a:t>
-            </a:r>
-            <a:r>
-              <a:rPr lang="zh-CN" altLang="en-US" sz="1400" b="0" i="0" kern="1200" dirty="0" smtClean="0">
-                <a:solidFill>
-                  <a:schemeClr val="tx1"/>
-                </a:solidFill>
-                <a:effectLst/>
-                <a:latin typeface="+mn-lt"/>
-                <a:ea typeface="+mn-ea"/>
-                <a:cs typeface="+mn-cs"/>
-              </a:rPr>
-              <a:t>的活化导致转录因子中</a:t>
-            </a:r>
-            <a:r>
-              <a:rPr lang="en-US" altLang="zh-CN" sz="1400" b="0" i="0" kern="1200" dirty="0" err="1" smtClean="0">
-                <a:solidFill>
-                  <a:schemeClr val="tx1"/>
-                </a:solidFill>
-                <a:effectLst/>
-                <a:latin typeface="+mn-lt"/>
-                <a:ea typeface="+mn-ea"/>
-                <a:cs typeface="+mn-cs"/>
-              </a:rPr>
-              <a:t>cAMP</a:t>
-            </a:r>
-            <a:r>
-              <a:rPr lang="zh-CN" altLang="en-US" sz="1400" b="0" i="0" kern="1200" dirty="0" smtClean="0">
-                <a:solidFill>
-                  <a:schemeClr val="tx1"/>
-                </a:solidFill>
-                <a:effectLst/>
-                <a:latin typeface="+mn-lt"/>
-                <a:ea typeface="+mn-ea"/>
-                <a:cs typeface="+mn-cs"/>
-              </a:rPr>
-              <a:t>反应元件（</a:t>
-            </a:r>
-            <a:r>
-              <a:rPr lang="en-US" altLang="zh-CN" sz="1400" b="0" i="0" kern="1200" dirty="0" smtClean="0">
-                <a:solidFill>
-                  <a:schemeClr val="tx1"/>
-                </a:solidFill>
-                <a:effectLst/>
-                <a:latin typeface="+mn-lt"/>
-                <a:ea typeface="+mn-ea"/>
-                <a:cs typeface="+mn-cs"/>
-              </a:rPr>
-              <a:t>CRE</a:t>
-            </a:r>
-            <a:r>
-              <a:rPr lang="zh-CN" altLang="en-US" sz="1400" b="0" i="0" kern="1200" dirty="0" smtClean="0">
-                <a:solidFill>
-                  <a:schemeClr val="tx1"/>
-                </a:solidFill>
-                <a:effectLst/>
-                <a:latin typeface="+mn-lt"/>
-                <a:ea typeface="+mn-ea"/>
-                <a:cs typeface="+mn-cs"/>
-              </a:rPr>
-              <a:t>）结合家族的磷酸化，同时激活转录因子</a:t>
-            </a:r>
-            <a:r>
-              <a:rPr lang="en-US" altLang="zh-CN" sz="1400" b="0" i="0" kern="1200" dirty="0" smtClean="0">
-                <a:solidFill>
-                  <a:schemeClr val="tx1"/>
-                </a:solidFill>
-                <a:effectLst/>
-                <a:latin typeface="+mn-lt"/>
-                <a:ea typeface="+mn-ea"/>
-                <a:cs typeface="+mn-cs"/>
-              </a:rPr>
-              <a:t>1</a:t>
-            </a:r>
-            <a:r>
-              <a:rPr lang="zh-CN" altLang="en-US" sz="1400" b="0" i="0" kern="1200" dirty="0" smtClean="0">
-                <a:solidFill>
-                  <a:schemeClr val="tx1"/>
-                </a:solidFill>
-                <a:effectLst/>
-                <a:latin typeface="+mn-lt"/>
-                <a:ea typeface="+mn-ea"/>
-                <a:cs typeface="+mn-cs"/>
-              </a:rPr>
-              <a:t>（</a:t>
-            </a:r>
-            <a:r>
-              <a:rPr lang="en-US" altLang="zh-CN" sz="1400" b="0" i="0" kern="1200" dirty="0" smtClean="0">
-                <a:solidFill>
-                  <a:schemeClr val="tx1"/>
-                </a:solidFill>
-                <a:effectLst/>
-                <a:latin typeface="+mn-lt"/>
-                <a:ea typeface="+mn-ea"/>
-                <a:cs typeface="+mn-cs"/>
-              </a:rPr>
-              <a:t>ATF-1</a:t>
-            </a:r>
-            <a:r>
-              <a:rPr lang="zh-CN" altLang="en-US" sz="1400" b="0" i="0" kern="1200" dirty="0" smtClean="0">
-                <a:solidFill>
-                  <a:schemeClr val="tx1"/>
-                </a:solidFill>
-                <a:effectLst/>
-                <a:latin typeface="+mn-lt"/>
-                <a:ea typeface="+mn-ea"/>
-                <a:cs typeface="+mn-cs"/>
-              </a:rPr>
-              <a:t>）。在特定细胞如巨噬细胞中，这些因子如</a:t>
-            </a:r>
-            <a:r>
-              <a:rPr lang="en-US" altLang="zh-CN" sz="1400" b="0" i="0" kern="1200" dirty="0" smtClean="0">
-                <a:solidFill>
-                  <a:schemeClr val="tx1"/>
-                </a:solidFill>
-                <a:effectLst/>
-                <a:latin typeface="+mn-lt"/>
-                <a:ea typeface="+mn-ea"/>
-                <a:cs typeface="+mn-cs"/>
-              </a:rPr>
-              <a:t>IL-10 </a:t>
-            </a:r>
-            <a:r>
-              <a:rPr lang="zh-CN" altLang="en-US" sz="1400" b="0" i="0" kern="1200" dirty="0" smtClean="0">
-                <a:solidFill>
-                  <a:schemeClr val="tx1"/>
-                </a:solidFill>
-                <a:effectLst/>
-                <a:latin typeface="+mn-lt"/>
-                <a:ea typeface="+mn-ea"/>
-                <a:cs typeface="+mn-cs"/>
-              </a:rPr>
-              <a:t>会结合到</a:t>
-            </a:r>
-            <a:r>
-              <a:rPr lang="en-US" altLang="zh-CN" sz="1400" b="0" i="0" kern="1200" dirty="0" smtClean="0">
-                <a:solidFill>
-                  <a:schemeClr val="tx1"/>
-                </a:solidFill>
-                <a:effectLst/>
-                <a:latin typeface="+mn-lt"/>
-                <a:ea typeface="+mn-ea"/>
-                <a:cs typeface="+mn-cs"/>
-              </a:rPr>
-              <a:t>CRE </a:t>
-            </a:r>
-            <a:r>
-              <a:rPr lang="zh-CN" altLang="en-US" sz="1400" b="0" i="0" kern="1200" dirty="0" smtClean="0">
-                <a:solidFill>
-                  <a:schemeClr val="tx1"/>
-                </a:solidFill>
-                <a:effectLst/>
-                <a:latin typeface="+mn-lt"/>
-                <a:ea typeface="+mn-ea"/>
-                <a:cs typeface="+mn-cs"/>
-              </a:rPr>
-              <a:t>基因启动子的结合位点上增加细胞基因的表达，</a:t>
-            </a:r>
-            <a:r>
-              <a:rPr lang="en-US" altLang="zh-CN" sz="1400" b="0" i="0" kern="1200" dirty="0" smtClean="0">
-                <a:solidFill>
-                  <a:schemeClr val="tx1"/>
-                </a:solidFill>
-                <a:effectLst/>
-                <a:latin typeface="+mn-lt"/>
-                <a:ea typeface="+mn-ea"/>
-                <a:cs typeface="+mn-cs"/>
-              </a:rPr>
-              <a:t>CRE </a:t>
-            </a:r>
-            <a:r>
-              <a:rPr lang="zh-CN" altLang="en-US" sz="1400" b="0" i="0" kern="1200" dirty="0" smtClean="0">
-                <a:solidFill>
-                  <a:schemeClr val="tx1"/>
-                </a:solidFill>
-                <a:effectLst/>
-                <a:latin typeface="+mn-lt"/>
-                <a:ea typeface="+mn-ea"/>
-                <a:cs typeface="+mn-cs"/>
-              </a:rPr>
-              <a:t>驱动的转录激活会集合共激活因子如</a:t>
-            </a:r>
-            <a:r>
-              <a:rPr lang="en-US" altLang="zh-CN" sz="1400" b="0" i="0" kern="1200" dirty="0" smtClean="0">
-                <a:solidFill>
-                  <a:schemeClr val="tx1"/>
-                </a:solidFill>
-                <a:effectLst/>
-                <a:latin typeface="+mn-lt"/>
-                <a:ea typeface="+mn-ea"/>
-                <a:cs typeface="+mn-cs"/>
-              </a:rPr>
-              <a:t>CREB </a:t>
-            </a:r>
-            <a:r>
-              <a:rPr lang="zh-CN" altLang="en-US" sz="1400" b="0" i="0" kern="1200" dirty="0" smtClean="0">
-                <a:solidFill>
-                  <a:schemeClr val="tx1"/>
-                </a:solidFill>
-                <a:effectLst/>
-                <a:latin typeface="+mn-lt"/>
-                <a:ea typeface="+mn-ea"/>
-                <a:cs typeface="+mn-cs"/>
-              </a:rPr>
-              <a:t>结合蛋白（</a:t>
-            </a:r>
-            <a:r>
-              <a:rPr lang="en-US" altLang="zh-CN" sz="1400" b="0" i="0" kern="1200" dirty="0" smtClean="0">
-                <a:solidFill>
-                  <a:schemeClr val="tx1"/>
-                </a:solidFill>
-                <a:effectLst/>
-                <a:latin typeface="+mn-lt"/>
-                <a:ea typeface="+mn-ea"/>
-                <a:cs typeface="+mn-cs"/>
-              </a:rPr>
-              <a:t>CBP</a:t>
-            </a:r>
-            <a:r>
-              <a:rPr lang="zh-CN" altLang="en-US" sz="1400" b="0" i="0" kern="1200" dirty="0" smtClean="0">
-                <a:solidFill>
-                  <a:schemeClr val="tx1"/>
-                </a:solidFill>
-                <a:effectLst/>
-                <a:latin typeface="+mn-lt"/>
-                <a:ea typeface="+mn-ea"/>
-                <a:cs typeface="+mn-cs"/>
-              </a:rPr>
-              <a:t>）、同源蛋白</a:t>
-            </a:r>
-            <a:r>
-              <a:rPr lang="en-US" altLang="zh-CN" sz="1400" b="0" i="0" kern="1200" dirty="0" smtClean="0">
-                <a:solidFill>
-                  <a:schemeClr val="tx1"/>
-                </a:solidFill>
-                <a:effectLst/>
-                <a:latin typeface="+mn-lt"/>
-                <a:ea typeface="+mn-ea"/>
-                <a:cs typeface="+mn-cs"/>
-              </a:rPr>
-              <a:t>p300 </a:t>
-            </a:r>
-            <a:r>
-              <a:rPr lang="zh-CN" altLang="en-US" sz="1400" b="0" i="0" kern="1200" dirty="0" smtClean="0">
-                <a:solidFill>
-                  <a:schemeClr val="tx1"/>
-                </a:solidFill>
-                <a:effectLst/>
-                <a:latin typeface="+mn-lt"/>
-                <a:ea typeface="+mn-ea"/>
-                <a:cs typeface="+mn-cs"/>
-              </a:rPr>
-              <a:t>等。从</a:t>
-            </a:r>
-            <a:r>
-              <a:rPr lang="en-US" altLang="zh-CN" sz="1400" b="0" i="0" kern="1200" dirty="0" smtClean="0">
-                <a:solidFill>
-                  <a:schemeClr val="tx1"/>
-                </a:solidFill>
-                <a:effectLst/>
-                <a:latin typeface="+mn-lt"/>
-                <a:ea typeface="+mn-ea"/>
-                <a:cs typeface="+mn-cs"/>
-              </a:rPr>
-              <a:t>NF-</a:t>
-            </a:r>
-            <a:r>
-              <a:rPr lang="en-US" altLang="zh-CN" sz="1400" b="0" i="0" kern="1200" dirty="0" err="1" smtClean="0">
-                <a:solidFill>
-                  <a:schemeClr val="tx1"/>
-                </a:solidFill>
-                <a:effectLst/>
-                <a:latin typeface="+mn-lt"/>
-                <a:ea typeface="+mn-ea"/>
-                <a:cs typeface="+mn-cs"/>
-              </a:rPr>
-              <a:t>κB</a:t>
-            </a:r>
-            <a:r>
-              <a:rPr lang="zh-CN" altLang="en-US" sz="1400" b="0" i="0" kern="1200" dirty="0" smtClean="0">
-                <a:solidFill>
-                  <a:schemeClr val="tx1"/>
-                </a:solidFill>
-                <a:effectLst/>
-                <a:latin typeface="+mn-lt"/>
-                <a:ea typeface="+mn-ea"/>
-                <a:cs typeface="+mn-cs"/>
-              </a:rPr>
-              <a:t>集合来的</a:t>
-            </a:r>
-            <a:r>
-              <a:rPr lang="en-US" altLang="zh-CN" sz="1400" b="0" i="0" kern="1200" dirty="0" smtClean="0">
-                <a:solidFill>
-                  <a:schemeClr val="tx1"/>
-                </a:solidFill>
-                <a:effectLst/>
-                <a:latin typeface="+mn-lt"/>
-                <a:ea typeface="+mn-ea"/>
-                <a:cs typeface="+mn-cs"/>
-              </a:rPr>
-              <a:t>CBP </a:t>
-            </a:r>
-            <a:r>
-              <a:rPr lang="zh-CN" altLang="en-US" sz="1400" b="0" i="0" kern="1200" dirty="0" smtClean="0">
-                <a:solidFill>
-                  <a:schemeClr val="tx1"/>
-                </a:solidFill>
-                <a:effectLst/>
-                <a:latin typeface="+mn-lt"/>
-                <a:ea typeface="+mn-ea"/>
-                <a:cs typeface="+mn-cs"/>
-              </a:rPr>
-              <a:t>和</a:t>
-            </a:r>
-            <a:r>
-              <a:rPr lang="en-US" altLang="zh-CN" sz="1400" b="0" i="0" kern="1200" dirty="0" smtClean="0">
-                <a:solidFill>
-                  <a:schemeClr val="tx1"/>
-                </a:solidFill>
-                <a:effectLst/>
-                <a:latin typeface="+mn-lt"/>
-                <a:ea typeface="+mn-ea"/>
-                <a:cs typeface="+mn-cs"/>
-              </a:rPr>
-              <a:t>p300 </a:t>
-            </a:r>
-            <a:r>
-              <a:rPr lang="zh-CN" altLang="en-US" sz="1400" b="0" i="0" kern="1200" dirty="0" smtClean="0">
-                <a:solidFill>
-                  <a:schemeClr val="tx1"/>
-                </a:solidFill>
-                <a:effectLst/>
-                <a:latin typeface="+mn-lt"/>
-                <a:ea typeface="+mn-ea"/>
-                <a:cs typeface="+mn-cs"/>
-              </a:rPr>
-              <a:t>会抑制</a:t>
-            </a:r>
-            <a:r>
-              <a:rPr lang="en-US" altLang="zh-CN" sz="1400" b="0" i="0" kern="1200" dirty="0" smtClean="0">
-                <a:solidFill>
-                  <a:schemeClr val="tx1"/>
-                </a:solidFill>
-                <a:effectLst/>
-                <a:latin typeface="+mn-lt"/>
-                <a:ea typeface="+mn-ea"/>
-                <a:cs typeface="+mn-cs"/>
-              </a:rPr>
-              <a:t>NF-</a:t>
-            </a:r>
-            <a:r>
-              <a:rPr lang="en-US" altLang="zh-CN" sz="1400" b="0" i="0" kern="1200" dirty="0" err="1" smtClean="0">
-                <a:solidFill>
-                  <a:schemeClr val="tx1"/>
-                </a:solidFill>
-                <a:effectLst/>
-                <a:latin typeface="+mn-lt"/>
-                <a:ea typeface="+mn-ea"/>
-                <a:cs typeface="+mn-cs"/>
-              </a:rPr>
-              <a:t>κB</a:t>
-            </a:r>
-            <a:r>
-              <a:rPr lang="en-US" altLang="zh-CN" sz="1400" b="0" i="0" kern="1200" dirty="0" smtClean="0">
-                <a:solidFill>
-                  <a:schemeClr val="tx1"/>
-                </a:solidFill>
-                <a:effectLst/>
-                <a:latin typeface="+mn-lt"/>
-                <a:ea typeface="+mn-ea"/>
-                <a:cs typeface="+mn-cs"/>
-              </a:rPr>
-              <a:t> </a:t>
-            </a:r>
-            <a:r>
-              <a:rPr lang="zh-CN" altLang="en-US" sz="1400" b="0" i="0" kern="1200" dirty="0" smtClean="0">
-                <a:solidFill>
-                  <a:schemeClr val="tx1"/>
-                </a:solidFill>
-                <a:effectLst/>
-                <a:latin typeface="+mn-lt"/>
-                <a:ea typeface="+mn-ea"/>
-                <a:cs typeface="+mn-cs"/>
-              </a:rPr>
-              <a:t>的转录活性，降低</a:t>
-            </a:r>
-            <a:r>
-              <a:rPr lang="en-US" altLang="zh-CN" sz="1400" b="0" i="0" kern="1200" dirty="0" smtClean="0">
-                <a:solidFill>
-                  <a:schemeClr val="tx1"/>
-                </a:solidFill>
-                <a:effectLst/>
-                <a:latin typeface="+mn-lt"/>
-                <a:ea typeface="+mn-ea"/>
-                <a:cs typeface="+mn-cs"/>
-              </a:rPr>
-              <a:t>NF-</a:t>
-            </a:r>
-            <a:r>
-              <a:rPr lang="en-US" altLang="zh-CN" sz="1400" b="0" i="0" kern="1200" dirty="0" err="1" smtClean="0">
-                <a:solidFill>
-                  <a:schemeClr val="tx1"/>
-                </a:solidFill>
-                <a:effectLst/>
-                <a:latin typeface="+mn-lt"/>
-                <a:ea typeface="+mn-ea"/>
-                <a:cs typeface="+mn-cs"/>
-              </a:rPr>
-              <a:t>κB</a:t>
-            </a:r>
-            <a:r>
-              <a:rPr lang="en-US" altLang="zh-CN" sz="1400" b="0" i="0" kern="1200" dirty="0" smtClean="0">
-                <a:solidFill>
-                  <a:schemeClr val="tx1"/>
-                </a:solidFill>
-                <a:effectLst/>
-                <a:latin typeface="+mn-lt"/>
-                <a:ea typeface="+mn-ea"/>
-                <a:cs typeface="+mn-cs"/>
-              </a:rPr>
-              <a:t> </a:t>
-            </a:r>
-            <a:r>
-              <a:rPr lang="zh-CN" altLang="en-US" sz="1400" b="0" i="0" kern="1200" dirty="0" smtClean="0">
-                <a:solidFill>
-                  <a:schemeClr val="tx1"/>
-                </a:solidFill>
-                <a:effectLst/>
-                <a:latin typeface="+mn-lt"/>
-                <a:ea typeface="+mn-ea"/>
-                <a:cs typeface="+mn-cs"/>
-              </a:rPr>
-              <a:t>依赖性基因的表达，从而导致</a:t>
-            </a:r>
-            <a:r>
-              <a:rPr lang="en-US" altLang="zh-CN" sz="1400" b="0" i="0" kern="1200" dirty="0" smtClean="0">
-                <a:solidFill>
-                  <a:schemeClr val="tx1"/>
-                </a:solidFill>
-                <a:effectLst/>
-                <a:latin typeface="+mn-lt"/>
-                <a:ea typeface="+mn-ea"/>
-                <a:cs typeface="+mn-cs"/>
-              </a:rPr>
-              <a:t>IL-23</a:t>
-            </a:r>
-            <a:r>
-              <a:rPr lang="zh-CN" altLang="en-US" sz="1400" b="0" i="0" kern="1200" dirty="0" smtClean="0">
-                <a:solidFill>
-                  <a:schemeClr val="tx1"/>
-                </a:solidFill>
-                <a:effectLst/>
-                <a:latin typeface="+mn-lt"/>
-                <a:ea typeface="+mn-ea"/>
-                <a:cs typeface="+mn-cs"/>
-              </a:rPr>
-              <a:t>、</a:t>
-            </a:r>
-            <a:r>
-              <a:rPr lang="en-US" altLang="zh-CN" sz="1400" b="0" i="0" kern="1200" dirty="0" smtClean="0">
-                <a:solidFill>
-                  <a:schemeClr val="tx1"/>
-                </a:solidFill>
-                <a:effectLst/>
-                <a:latin typeface="+mn-lt"/>
-                <a:ea typeface="+mn-ea"/>
-                <a:cs typeface="+mn-cs"/>
-              </a:rPr>
-              <a:t>TNF-α </a:t>
-            </a:r>
-            <a:r>
-              <a:rPr lang="zh-CN" altLang="en-US" sz="1400" b="0" i="0" kern="1200" dirty="0" smtClean="0">
-                <a:solidFill>
-                  <a:schemeClr val="tx1"/>
-                </a:solidFill>
-                <a:effectLst/>
-                <a:latin typeface="+mn-lt"/>
-                <a:ea typeface="+mn-ea"/>
-                <a:cs typeface="+mn-cs"/>
-              </a:rPr>
-              <a:t>和</a:t>
-            </a:r>
-            <a:r>
-              <a:rPr lang="en-US" altLang="zh-CN" sz="1400" b="0" i="0" kern="1200" dirty="0" smtClean="0">
-                <a:solidFill>
-                  <a:schemeClr val="tx1"/>
-                </a:solidFill>
-                <a:effectLst/>
-                <a:latin typeface="+mn-lt"/>
-                <a:ea typeface="+mn-ea"/>
-                <a:cs typeface="+mn-cs"/>
-              </a:rPr>
-              <a:t>IFN-g </a:t>
-            </a:r>
-            <a:r>
-              <a:rPr lang="zh-CN" altLang="en-US" sz="1400" b="0" i="0" kern="1200" dirty="0" smtClean="0">
-                <a:solidFill>
-                  <a:schemeClr val="tx1"/>
-                </a:solidFill>
-                <a:effectLst/>
-                <a:latin typeface="+mn-lt"/>
-                <a:ea typeface="+mn-ea"/>
-                <a:cs typeface="+mn-cs"/>
-              </a:rPr>
-              <a:t>的降低。炎症反应的应答降低会使免疫细胞的炎性浸润降低，同时减少角质形成细胞和滑膜细胞的增殖激活，降低银屑病的表皮增厚以及关节炎中的滑膜损害。</a:t>
+              <a:t>降低。炎症反应的应答降低会使免疫细胞的炎性浸润降低，同时减少角质形成细胞和滑膜细胞的增殖激活，降低银屑病的表皮增厚以及关节炎中的滑膜损害。</a:t>
             </a:r>
             <a:endParaRPr lang="zh-CN" altLang="zh-CN" sz="1000" dirty="0" smtClean="0">
               <a:effectLst/>
@@ -7107,7 +7398,7 @@
         </p:nvSpPr>
         <p:spPr>
           <a:xfrm>
-            <a:off x="623888" y="2650603"/>
+            <a:off x="623888" y="692594"/>
             <a:ext cx="8520112" cy="1938861"/>
           </a:xfrm>
           <a:prstGeom prst="rect">
@@ -7158,7 +7449,12 @@
             <p:ph type="title"/>
           </p:nvPr>
         </p:nvSpPr>
-        <p:spPr/>
+        <p:spPr>
+          <a:xfrm>
+            <a:off x="623888" y="-248270"/>
+            <a:ext cx="7886700" cy="2852737"/>
+          </a:xfrm>
+        </p:spPr>
         <p:txBody>
           <a:bodyPr/>
           <a:lstStyle/>
@@ -8208,14 +8504,21 @@
                 <a:latin typeface="微软雅黑" panose="020B0503020204020204" pitchFamily="34" charset="-122"/>
                 <a:ea typeface="微软雅黑" panose="020B0503020204020204" pitchFamily="34" charset="-122"/>
               </a:rPr>
-              <a:t>; </a:t>
+              <a:t>;</a:t>
             </a:r>
             <a:r>
               <a:rPr lang="zh-CN" altLang="en-US" sz="2000" dirty="0" smtClean="0">
                 <a:latin typeface="微软雅黑" panose="020B0503020204020204" pitchFamily="34" charset="-122"/>
                 <a:ea typeface="微软雅黑" panose="020B0503020204020204" pitchFamily="34" charset="-122"/>
               </a:rPr>
-              <a:t>吡啶环与苯丙氨酸产生</a:t>
+              <a:t>吡啶</a:t>
+            </a:r>
+            <a:r>
+              <a:rPr lang="zh-CN" altLang="en-US" sz="2000" dirty="0" smtClean="0">
+                <a:latin typeface="微软雅黑" panose="020B0503020204020204" pitchFamily="34" charset="-122"/>
+                <a:ea typeface="微软雅黑" panose="020B0503020204020204" pitchFamily="34" charset="-122"/>
+              </a:rPr>
+              <a:t>环与苯丙氨酸产生</a:t>
             </a:r>
             <a:r>
               <a:rPr lang="en-US" altLang="zh-CN" sz="2000" dirty="0" smtClean="0">
@@ -8229,21 +8532,28 @@
                 <a:latin typeface="微软雅黑" panose="020B0503020204020204" pitchFamily="34" charset="-122"/>
                 <a:ea typeface="微软雅黑" panose="020B0503020204020204" pitchFamily="34" charset="-122"/>
               </a:rPr>
-              <a:t>－ </a:t>
+              <a:t>－</a:t>
             </a:r>
             <a:r>
               <a:rPr lang="en-US" altLang="zh-CN" sz="2000" dirty="0" smtClean="0">
                 <a:latin typeface="微软雅黑" panose="020B0503020204020204" pitchFamily="34" charset="-122"/>
                 <a:ea typeface="微软雅黑" panose="020B0503020204020204" pitchFamily="34" charset="-122"/>
               </a:rPr>
-              <a:t>π </a:t>
+              <a:t>π</a:t>
             </a:r>
             <a:r>
               <a:rPr lang="zh-CN" altLang="en-US" sz="2000" dirty="0" smtClean="0">
                 <a:latin typeface="微软雅黑" panose="020B0503020204020204" pitchFamily="34" charset="-122"/>
                 <a:ea typeface="微软雅黑" panose="020B0503020204020204" pitchFamily="34" charset="-122"/>
               </a:rPr>
-              <a:t>共轭作用。</a:t>
+              <a:t>共轭</a:t>
+            </a:r>
+            <a:r>
+              <a:rPr lang="zh-CN" altLang="en-US" sz="2000" dirty="0" smtClean="0">
+                <a:latin typeface="微软雅黑" panose="020B0503020204020204" pitchFamily="34" charset="-122"/>
+                <a:ea typeface="微软雅黑" panose="020B0503020204020204" pitchFamily="34" charset="-122"/>
+              </a:rPr>
+              <a:t>作用。</a:t>
             </a:r>
             <a:endParaRPr lang="en-US" altLang="zh-CN" sz="2000" dirty="0" smtClean="0">
               <a:latin typeface="微软雅黑" panose="020B0503020204020204" pitchFamily="34" charset="-122"/>
@@ -8260,35 +8570,49 @@
                 <a:latin typeface="微软雅黑" panose="020B0503020204020204" pitchFamily="34" charset="-122"/>
                 <a:ea typeface="微软雅黑" panose="020B0503020204020204" pitchFamily="34" charset="-122"/>
               </a:rPr>
-              <a:t>A </a:t>
+              <a:t>A</a:t>
             </a:r>
             <a:r>
               <a:rPr lang="zh-CN" altLang="en-US" sz="2000" dirty="0" smtClean="0">
                 <a:latin typeface="微软雅黑" panose="020B0503020204020204" pitchFamily="34" charset="-122"/>
                 <a:ea typeface="微软雅黑" panose="020B0503020204020204" pitchFamily="34" charset="-122"/>
               </a:rPr>
-              <a:t>环与酶的</a:t>
+              <a:t>环</a:t>
+            </a:r>
+            <a:r>
+              <a:rPr lang="zh-CN" altLang="en-US" sz="2000" dirty="0" smtClean="0">
+                <a:latin typeface="微软雅黑" panose="020B0503020204020204" pitchFamily="34" charset="-122"/>
+                <a:ea typeface="微软雅黑" panose="020B0503020204020204" pitchFamily="34" charset="-122"/>
+              </a:rPr>
+              <a:t>与酶的</a:t>
             </a:r>
             <a:r>
               <a:rPr lang="en-US" altLang="zh-CN" sz="2000" dirty="0" smtClean="0">
                 <a:latin typeface="微软雅黑" panose="020B0503020204020204" pitchFamily="34" charset="-122"/>
                 <a:ea typeface="微软雅黑" panose="020B0503020204020204" pitchFamily="34" charset="-122"/>
               </a:rPr>
-              <a:t>M </a:t>
+              <a:t>M</a:t>
             </a:r>
             <a:r>
               <a:rPr lang="zh-CN" altLang="en-US" sz="2000" dirty="0" smtClean="0">
                 <a:latin typeface="微软雅黑" panose="020B0503020204020204" pitchFamily="34" charset="-122"/>
                 <a:ea typeface="微软雅黑" panose="020B0503020204020204" pitchFamily="34" charset="-122"/>
               </a:rPr>
-              <a:t>区产生亲水作用</a:t>
+              <a:t>区</a:t>
+            </a:r>
+            <a:r>
+              <a:rPr lang="zh-CN" altLang="en-US" sz="2000" dirty="0" smtClean="0">
+                <a:latin typeface="微软雅黑" panose="020B0503020204020204" pitchFamily="34" charset="-122"/>
+                <a:ea typeface="微软雅黑" panose="020B0503020204020204" pitchFamily="34" charset="-122"/>
+              </a:rPr>
+              <a:t>产生亲水作用</a:t>
             </a:r>
             <a:r>
               <a:rPr lang="en-US" altLang="zh-CN" sz="2000" dirty="0" smtClean="0">
                 <a:latin typeface="微软雅黑" panose="020B0503020204020204" pitchFamily="34" charset="-122"/>
                 <a:ea typeface="微软雅黑" panose="020B0503020204020204" pitchFamily="34" charset="-122"/>
               </a:rPr>
-              <a:t>; A</a:t>
+              <a:t>;A</a:t>
             </a:r>
             <a:r>
               <a:rPr lang="zh-CN" altLang="en-US" sz="2000" dirty="0" smtClean="0">
@@ -8347,28 +8671,42 @@
                 <a:latin typeface="微软雅黑" panose="020B0503020204020204" pitchFamily="34" charset="-122"/>
                 <a:ea typeface="微软雅黑" panose="020B0503020204020204" pitchFamily="34" charset="-122"/>
               </a:rPr>
-              <a:t>M </a:t>
+              <a:t>M</a:t>
             </a:r>
             <a:r>
               <a:rPr lang="zh-CN" altLang="en-US" sz="2000" dirty="0" smtClean="0">
                 <a:latin typeface="微软雅黑" panose="020B0503020204020204" pitchFamily="34" charset="-122"/>
                 <a:ea typeface="微软雅黑" panose="020B0503020204020204" pitchFamily="34" charset="-122"/>
               </a:rPr>
-              <a:t>区作用；连接基团的碳链长度为</a:t>
+              <a:t>区</a:t>
+            </a:r>
+            <a:r>
+              <a:rPr lang="zh-CN" altLang="en-US" sz="2000" dirty="0" smtClean="0">
+                <a:latin typeface="微软雅黑" panose="020B0503020204020204" pitchFamily="34" charset="-122"/>
+                <a:ea typeface="微软雅黑" panose="020B0503020204020204" pitchFamily="34" charset="-122"/>
+              </a:rPr>
+              <a:t>作用；连接基团的碳链长度为</a:t>
             </a:r>
             <a:r>
               <a:rPr lang="en-US" altLang="zh-CN" sz="2000" dirty="0" smtClean="0">
                 <a:latin typeface="微软雅黑" panose="020B0503020204020204" pitchFamily="34" charset="-122"/>
                 <a:ea typeface="微软雅黑" panose="020B0503020204020204" pitchFamily="34" charset="-122"/>
               </a:rPr>
-              <a:t>3 </a:t>
+              <a:t>3</a:t>
             </a:r>
             <a:r>
               <a:rPr lang="zh-CN" altLang="en-US" sz="2000" dirty="0" smtClean="0">
                 <a:latin typeface="微软雅黑" panose="020B0503020204020204" pitchFamily="34" charset="-122"/>
                 <a:ea typeface="微软雅黑" panose="020B0503020204020204" pitchFamily="34" charset="-122"/>
               </a:rPr>
-              <a:t>时活性较强。</a:t>
+              <a:t>时</a:t>
+            </a:r>
+            <a:r>
+              <a:rPr lang="zh-CN" altLang="en-US" sz="2000" dirty="0" smtClean="0">
+                <a:latin typeface="微软雅黑" panose="020B0503020204020204" pitchFamily="34" charset="-122"/>
+                <a:ea typeface="微软雅黑" panose="020B0503020204020204" pitchFamily="34" charset="-122"/>
+              </a:rPr>
+              <a:t>活性较强。</a:t>
             </a:r>
             <a:endParaRPr lang="en-US" altLang="zh-CN" sz="2000" dirty="0" smtClean="0">
               <a:latin typeface="微软雅黑" panose="020B0503020204020204" pitchFamily="34" charset="-122"/>
@@ -8385,42 +8723,63 @@
                 <a:latin typeface="微软雅黑" panose="020B0503020204020204" pitchFamily="34" charset="-122"/>
                 <a:ea typeface="微软雅黑" panose="020B0503020204020204" pitchFamily="34" charset="-122"/>
               </a:rPr>
-              <a:t>X </a:t>
+              <a:t>X</a:t>
             </a:r>
             <a:r>
               <a:rPr lang="zh-CN" altLang="en-US" sz="2000" dirty="0" smtClean="0">
                 <a:latin typeface="微软雅黑" panose="020B0503020204020204" pitchFamily="34" charset="-122"/>
                 <a:ea typeface="微软雅黑" panose="020B0503020204020204" pitchFamily="34" charset="-122"/>
               </a:rPr>
-              <a:t>不能是氢键供体</a:t>
+              <a:t>不能</a:t>
+            </a:r>
+            <a:r>
+              <a:rPr lang="zh-CN" altLang="en-US" sz="2000" dirty="0" smtClean="0">
+                <a:latin typeface="微软雅黑" panose="020B0503020204020204" pitchFamily="34" charset="-122"/>
+                <a:ea typeface="微软雅黑" panose="020B0503020204020204" pitchFamily="34" charset="-122"/>
+              </a:rPr>
+              <a:t>是氢键供体</a:t>
             </a:r>
             <a:r>
               <a:rPr lang="en-US" altLang="zh-CN" sz="2000" dirty="0" smtClean="0">
                 <a:latin typeface="微软雅黑" panose="020B0503020204020204" pitchFamily="34" charset="-122"/>
                 <a:ea typeface="微软雅黑" panose="020B0503020204020204" pitchFamily="34" charset="-122"/>
               </a:rPr>
-              <a:t>( </a:t>
+              <a:t>(</a:t>
             </a:r>
             <a:r>
               <a:rPr lang="zh-CN" altLang="en-US" sz="2000" dirty="0" smtClean="0">
                 <a:latin typeface="微软雅黑" panose="020B0503020204020204" pitchFamily="34" charset="-122"/>
                 <a:ea typeface="微软雅黑" panose="020B0503020204020204" pitchFamily="34" charset="-122"/>
               </a:rPr>
-              <a:t>如亚氨基</a:t>
+              <a:t>如</a:t>
+            </a:r>
+            <a:r>
+              <a:rPr lang="zh-CN" altLang="en-US" sz="2000" dirty="0" smtClean="0">
+                <a:latin typeface="微软雅黑" panose="020B0503020204020204" pitchFamily="34" charset="-122"/>
+                <a:ea typeface="微软雅黑" panose="020B0503020204020204" pitchFamily="34" charset="-122"/>
+              </a:rPr>
+              <a:t>亚氨基</a:t>
             </a:r>
             <a:r>
               <a:rPr lang="en-US" altLang="zh-CN" sz="2000" dirty="0" smtClean="0">
                 <a:latin typeface="微软雅黑" panose="020B0503020204020204" pitchFamily="34" charset="-122"/>
                 <a:ea typeface="微软雅黑" panose="020B0503020204020204" pitchFamily="34" charset="-122"/>
               </a:rPr>
-              <a:t>) </a:t>
+              <a:t>)</a:t>
             </a:r>
             <a:r>
               <a:rPr lang="zh-CN" altLang="en-US" sz="2000" dirty="0" smtClean="0">
                 <a:latin typeface="微软雅黑" panose="020B0503020204020204" pitchFamily="34" charset="-122"/>
                 <a:ea typeface="微软雅黑" panose="020B0503020204020204" pitchFamily="34" charset="-122"/>
               </a:rPr>
-              <a:t>，可为氧或硫。</a:t>
+              <a:t>，</a:t>
+            </a:r>
+            <a:r>
+              <a:rPr lang="zh-CN" altLang="en-US" sz="2000" dirty="0" smtClean="0">
+                <a:latin typeface="微软雅黑" panose="020B0503020204020204" pitchFamily="34" charset="-122"/>
+                <a:ea typeface="微软雅黑" panose="020B0503020204020204" pitchFamily="34" charset="-122"/>
+              </a:rPr>
+              <a:t>可为氧或硫。</a:t>
             </a:r>
             <a:endParaRPr lang="zh-CN" altLang="en-US" sz="2000" dirty="0"/>
           </a:p>
@@ -8648,7 +9007,7 @@
         <p:spPr>
           <a:xfrm>
             <a:off x="4572000" y="1145811"/>
-            <a:ext cx="3943350" cy="4566378"/>
+            <a:ext cx="3943350" cy="4261679"/>
           </a:xfrm>
         </p:spPr>
         <p:txBody>
@@ -8687,14 +9046,21 @@
                 <a:latin typeface="微软雅黑" panose="020B0503020204020204" pitchFamily="34" charset="-122"/>
                 <a:ea typeface="微软雅黑" panose="020B0503020204020204" pitchFamily="34" charset="-122"/>
               </a:rPr>
-              <a:t>Q2 </a:t>
+              <a:t>Q2</a:t>
             </a:r>
             <a:r>
               <a:rPr lang="zh-CN" altLang="en-US" sz="2200" dirty="0" smtClean="0">
                 <a:latin typeface="微软雅黑" panose="020B0503020204020204" pitchFamily="34" charset="-122"/>
                 <a:ea typeface="微软雅黑" panose="020B0503020204020204" pitchFamily="34" charset="-122"/>
               </a:rPr>
-              <a:t>口袋疏水结合；</a:t>
+              <a:t>口袋</a:t>
+            </a:r>
+            <a:r>
+              <a:rPr lang="zh-CN" altLang="en-US" sz="2200" dirty="0" smtClean="0">
+                <a:latin typeface="微软雅黑" panose="020B0503020204020204" pitchFamily="34" charset="-122"/>
+                <a:ea typeface="微软雅黑" panose="020B0503020204020204" pitchFamily="34" charset="-122"/>
+              </a:rPr>
+              <a:t>疏水结合；</a:t>
             </a:r>
             <a:endParaRPr lang="en-US" altLang="zh-CN" sz="2200" dirty="0" smtClean="0">
               <a:latin typeface="微软雅黑" panose="020B0503020204020204" pitchFamily="34" charset="-122"/>
@@ -8725,21 +9091,28 @@
                 <a:latin typeface="微软雅黑" panose="020B0503020204020204" pitchFamily="34" charset="-122"/>
                 <a:ea typeface="微软雅黑" panose="020B0503020204020204" pitchFamily="34" charset="-122"/>
               </a:rPr>
-              <a:t>－ </a:t>
+              <a:t>－</a:t>
             </a:r>
             <a:r>
               <a:rPr lang="en-US" altLang="zh-CN" sz="2200" dirty="0" smtClean="0">
                 <a:latin typeface="微软雅黑" panose="020B0503020204020204" pitchFamily="34" charset="-122"/>
                 <a:ea typeface="微软雅黑" panose="020B0503020204020204" pitchFamily="34" charset="-122"/>
               </a:rPr>
-              <a:t>π </a:t>
+              <a:t>π</a:t>
             </a:r>
             <a:r>
               <a:rPr lang="zh-CN" altLang="en-US" sz="2200" dirty="0" smtClean="0">
                 <a:latin typeface="微软雅黑" panose="020B0503020204020204" pitchFamily="34" charset="-122"/>
                 <a:ea typeface="微软雅黑" panose="020B0503020204020204" pitchFamily="34" charset="-122"/>
               </a:rPr>
-              <a:t>共轭作用。</a:t>
+              <a:t>共轭</a:t>
+            </a:r>
+            <a:r>
+              <a:rPr lang="zh-CN" altLang="en-US" sz="2200" dirty="0" smtClean="0">
+                <a:latin typeface="微软雅黑" panose="020B0503020204020204" pitchFamily="34" charset="-122"/>
+                <a:ea typeface="微软雅黑" panose="020B0503020204020204" pitchFamily="34" charset="-122"/>
+              </a:rPr>
+              <a:t>作用。</a:t>
             </a:r>
             <a:endParaRPr lang="en-US" altLang="zh-CN" sz="2200" dirty="0" smtClean="0">
               <a:latin typeface="微软雅黑" panose="020B0503020204020204" pitchFamily="34" charset="-122"/>
@@ -8756,28 +9129,42 @@
                 <a:latin typeface="微软雅黑" panose="020B0503020204020204" pitchFamily="34" charset="-122"/>
                 <a:ea typeface="微软雅黑" panose="020B0503020204020204" pitchFamily="34" charset="-122"/>
               </a:rPr>
-              <a:t>A </a:t>
+              <a:t>A</a:t>
             </a:r>
             <a:r>
               <a:rPr lang="zh-CN" altLang="en-US" sz="2200" dirty="0" smtClean="0">
                 <a:latin typeface="微软雅黑" panose="020B0503020204020204" pitchFamily="34" charset="-122"/>
                 <a:ea typeface="微软雅黑" panose="020B0503020204020204" pitchFamily="34" charset="-122"/>
               </a:rPr>
-              <a:t>与酶的</a:t>
+              <a:t>与</a:t>
+            </a:r>
+            <a:r>
+              <a:rPr lang="zh-CN" altLang="en-US" sz="2200" dirty="0" smtClean="0">
+                <a:latin typeface="微软雅黑" panose="020B0503020204020204" pitchFamily="34" charset="-122"/>
+                <a:ea typeface="微软雅黑" panose="020B0503020204020204" pitchFamily="34" charset="-122"/>
+              </a:rPr>
+              <a:t>酶的</a:t>
             </a:r>
             <a:r>
               <a:rPr lang="en-US" altLang="zh-CN" sz="2200" dirty="0" smtClean="0">
                 <a:latin typeface="微软雅黑" panose="020B0503020204020204" pitchFamily="34" charset="-122"/>
                 <a:ea typeface="微软雅黑" panose="020B0503020204020204" pitchFamily="34" charset="-122"/>
               </a:rPr>
-              <a:t>M </a:t>
+              <a:t>M</a:t>
             </a:r>
             <a:r>
               <a:rPr lang="zh-CN" altLang="en-US" sz="2200" dirty="0" smtClean="0">
                 <a:latin typeface="微软雅黑" panose="020B0503020204020204" pitchFamily="34" charset="-122"/>
                 <a:ea typeface="微软雅黑" panose="020B0503020204020204" pitchFamily="34" charset="-122"/>
               </a:rPr>
-              <a:t>区产生亲水作用；</a:t>
+              <a:t>区</a:t>
+            </a:r>
+            <a:r>
+              <a:rPr lang="zh-CN" altLang="en-US" sz="2200" dirty="0" smtClean="0">
+                <a:latin typeface="微软雅黑" panose="020B0503020204020204" pitchFamily="34" charset="-122"/>
+                <a:ea typeface="微软雅黑" panose="020B0503020204020204" pitchFamily="34" charset="-122"/>
+              </a:rPr>
+              <a:t>产生亲水作用；</a:t>
             </a:r>
             <a:endParaRPr lang="en-US" altLang="zh-CN" sz="2200" dirty="0" smtClean="0">
               <a:latin typeface="微软雅黑" panose="020B0503020204020204" pitchFamily="34" charset="-122"/>
@@ -8794,28 +9181,42 @@
                 <a:latin typeface="微软雅黑" panose="020B0503020204020204" pitchFamily="34" charset="-122"/>
                 <a:ea typeface="微软雅黑" panose="020B0503020204020204" pitchFamily="34" charset="-122"/>
               </a:rPr>
-              <a:t>C </a:t>
+              <a:t>C</a:t>
             </a:r>
             <a:r>
               <a:rPr lang="zh-CN" altLang="en-US" sz="2200" dirty="0" smtClean="0">
                 <a:latin typeface="微软雅黑" panose="020B0503020204020204" pitchFamily="34" charset="-122"/>
                 <a:ea typeface="微软雅黑" panose="020B0503020204020204" pitchFamily="34" charset="-122"/>
               </a:rPr>
-              <a:t>通过疏水力、氢键与酶的</a:t>
+              <a:t>通过</a:t>
+            </a:r>
+            <a:r>
+              <a:rPr lang="zh-CN" altLang="en-US" sz="2200" dirty="0" smtClean="0">
+                <a:latin typeface="微软雅黑" panose="020B0503020204020204" pitchFamily="34" charset="-122"/>
+                <a:ea typeface="微软雅黑" panose="020B0503020204020204" pitchFamily="34" charset="-122"/>
+              </a:rPr>
+              <a:t>疏水力、氢键与酶的</a:t>
             </a:r>
             <a:r>
               <a:rPr lang="en-US" altLang="zh-CN" sz="2200" dirty="0" smtClean="0">
                 <a:latin typeface="微软雅黑" panose="020B0503020204020204" pitchFamily="34" charset="-122"/>
                 <a:ea typeface="微软雅黑" panose="020B0503020204020204" pitchFamily="34" charset="-122"/>
               </a:rPr>
-              <a:t>S </a:t>
+              <a:t>S</a:t>
             </a:r>
             <a:r>
               <a:rPr lang="zh-CN" altLang="en-US" sz="2200" dirty="0" smtClean="0">
                 <a:latin typeface="微软雅黑" panose="020B0503020204020204" pitchFamily="34" charset="-122"/>
                 <a:ea typeface="微软雅黑" panose="020B0503020204020204" pitchFamily="34" charset="-122"/>
               </a:rPr>
-              <a:t>区作用。</a:t>
+              <a:t>区</a:t>
+            </a:r>
+            <a:r>
+              <a:rPr lang="zh-CN" altLang="en-US" sz="2200" dirty="0" smtClean="0">
+                <a:latin typeface="微软雅黑" panose="020B0503020204020204" pitchFamily="34" charset="-122"/>
+                <a:ea typeface="微软雅黑" panose="020B0503020204020204" pitchFamily="34" charset="-122"/>
+              </a:rPr>
+              <a:t>作用。</a:t>
             </a:r>
             <a:endParaRPr lang="en-US" altLang="zh-CN" sz="2200" dirty="0" smtClean="0">
               <a:latin typeface="微软雅黑" panose="020B0503020204020204" pitchFamily="34" charset="-122"/>

--- a/磷酸二酯酶抑制剂.pptx
+++ b/磷酸二酯酶抑制剂.pptx
@@ -5,7 +5,7 @@
     <p:sldMasterId id="2147483660" r:id="rId1"/>
   </p:sldMasterIdLst>
   <p:notesMasterIdLst>
-    <p:notesMasterId r:id="rId21"/>
+    <p:notesMasterId r:id="rId22"/>
   </p:notesMasterIdLst>
   <p:sldIdLst>
     <p:sldId id="256" r:id="rId2"/>
@@ -27,42 +27,43 @@
     <p:sldId id="274" r:id="rId18"/>
     <p:sldId id="287" r:id="rId19"/>
     <p:sldId id="288" r:id="rId20"/>
+    <p:sldId id="293" r:id="rId21"/>
   </p:sldIdLst>
   <p:sldSz cx="9144000" cy="6858000" type="screen4x3"/>
   <p:notesSz cx="6858000" cy="9144000"/>
   <p:embeddedFontLst>
     <p:embeddedFont>
+      <p:font typeface="Open Sans" panose="020B0606030504020204" pitchFamily="34" charset="0"/>
+      <p:regular r:id="rId23"/>
+      <p:bold r:id="rId24"/>
+      <p:italic r:id="rId25"/>
+      <p:boldItalic r:id="rId26"/>
+    </p:embeddedFont>
+    <p:embeddedFont>
       <p:font typeface="等线 Light" panose="02010600030101010101" pitchFamily="2" charset="-122"/>
-      <p:regular r:id="rId22"/>
+      <p:regular r:id="rId27"/>
     </p:embeddedFont>
     <p:embeddedFont>
       <p:font typeface="等线" panose="02010600030101010101" pitchFamily="2" charset="-122"/>
-      <p:regular r:id="rId23"/>
-      <p:bold r:id="rId24"/>
+      <p:regular r:id="rId28"/>
+      <p:bold r:id="rId29"/>
     </p:embeddedFont>
     <p:embeddedFont>
       <p:font typeface="Calibri Light" panose="020F0302020204030204" pitchFamily="34" charset="0"/>
-      <p:regular r:id="rId25"/>
-      <p:italic r:id="rId26"/>
-    </p:embeddedFont>
-    <p:embeddedFont>
-      <p:font typeface="Open Sans" panose="020B0606030504020204" pitchFamily="34" charset="0"/>
-      <p:regular r:id="rId27"/>
-      <p:bold r:id="rId28"/>
-      <p:italic r:id="rId29"/>
-      <p:boldItalic r:id="rId30"/>
+      <p:regular r:id="rId30"/>
+      <p:italic r:id="rId31"/>
     </p:embeddedFont>
     <p:embeddedFont>
       <p:font typeface="Calibri" panose="020F0502020204030204" pitchFamily="34" charset="0"/>
-      <p:regular r:id="rId31"/>
-      <p:bold r:id="rId32"/>
-      <p:italic r:id="rId33"/>
-      <p:boldItalic r:id="rId34"/>
+      <p:regular r:id="rId32"/>
+      <p:bold r:id="rId33"/>
+      <p:italic r:id="rId34"/>
+      <p:boldItalic r:id="rId35"/>
     </p:embeddedFont>
     <p:embeddedFont>
       <p:font typeface="微软雅黑" panose="020B0503020204020204" pitchFamily="34" charset="-122"/>
-      <p:regular r:id="rId35"/>
-      <p:bold r:id="rId36"/>
+      <p:regular r:id="rId36"/>
+      <p:bold r:id="rId37"/>
     </p:embeddedFont>
   </p:embeddedFontLst>
   <p:defaultTextStyle>
@@ -163,7 +164,7 @@
   <p:extLst>
     <p:ext uri="{EFAFB233-063F-42B5-8137-9DF3F51BA10A}">
       <p15:sldGuideLst xmlns:p15="http://schemas.microsoft.com/office/powerpoint/2012/main">
-        <p15:guide id="1" pos="2880" userDrawn="1">
+        <p15:guide id="1" pos="2903" userDrawn="1">
           <p15:clr>
             <a:srgbClr val="A4A3A4"/>
           </p15:clr>
@@ -802,6 +803,9 @@
   <p:clrMapOvr>
     <a:masterClrMapping/>
   </p:clrMapOvr>
+  <p:transition spd="slow">
+    <p:circle/>
+  </p:transition>
   <p:timing>
     <p:tnLst>
       <p:par>
@@ -979,6 +983,9 @@
   <p:clrMapOvr>
     <a:masterClrMapping/>
   </p:clrMapOvr>
+  <p:transition spd="slow">
+    <p:circle/>
+  </p:transition>
 </p:sldLayout>
 </file>
 
@@ -1159,6 +1166,9 @@
   <p:clrMapOvr>
     <a:masterClrMapping/>
   </p:clrMapOvr>
+  <p:transition spd="slow">
+    <p:circle/>
+  </p:transition>
 </p:sldLayout>
 </file>
 
@@ -1329,6 +1339,9 @@
   <p:clrMapOvr>
     <a:masterClrMapping/>
   </p:clrMapOvr>
+  <p:transition spd="slow">
+    <p:circle/>
+  </p:transition>
   <p:timing>
     <p:tnLst>
       <p:par>
@@ -1580,6 +1593,9 @@
   <p:clrMapOvr>
     <a:masterClrMapping/>
   </p:clrMapOvr>
+  <p:transition spd="slow">
+    <p:circle/>
+  </p:transition>
 </p:sldLayout>
 </file>
 
@@ -1812,6 +1828,9 @@
   <p:clrMapOvr>
     <a:masterClrMapping/>
   </p:clrMapOvr>
+  <p:transition spd="slow">
+    <p:circle/>
+  </p:transition>
 </p:sldLayout>
 </file>
 
@@ -2179,6 +2198,9 @@
   <p:clrMapOvr>
     <a:masterClrMapping/>
   </p:clrMapOvr>
+  <p:transition spd="slow">
+    <p:circle/>
+  </p:transition>
 </p:sldLayout>
 </file>
 
@@ -2297,6 +2319,9 @@
   <p:clrMapOvr>
     <a:masterClrMapping/>
   </p:clrMapOvr>
+  <p:transition spd="slow">
+    <p:circle/>
+  </p:transition>
 </p:sldLayout>
 </file>
 
@@ -2392,6 +2417,9 @@
   <p:clrMapOvr>
     <a:masterClrMapping/>
   </p:clrMapOvr>
+  <p:transition spd="slow">
+    <p:circle/>
+  </p:transition>
 </p:sldLayout>
 </file>
 
@@ -2669,6 +2697,9 @@
   <p:clrMapOvr>
     <a:masterClrMapping/>
   </p:clrMapOvr>
+  <p:transition spd="slow">
+    <p:circle/>
+  </p:transition>
 </p:sldLayout>
 </file>
 
@@ -2926,6 +2957,9 @@
   <p:clrMapOvr>
     <a:masterClrMapping/>
   </p:clrMapOvr>
+  <p:transition spd="slow">
+    <p:circle/>
+  </p:transition>
 </p:sldLayout>
 </file>
 
@@ -3196,6 +3230,9 @@
     <p:sldLayoutId id="2147483670" r:id="rId10"/>
     <p:sldLayoutId id="2147483671" r:id="rId11"/>
   </p:sldLayoutIdLst>
+  <p:transition spd="slow">
+    <p:circle/>
+  </p:transition>
   <p:timing>
     <p:tnLst>
       <p:par>
@@ -3900,18 +3937,9 @@
   <p:clrMapOvr>
     <a:masterClrMapping/>
   </p:clrMapOvr>
-  <mc:AlternateContent xmlns:mc="http://schemas.openxmlformats.org/markup-compatibility/2006" xmlns:p14="http://schemas.microsoft.com/office/powerpoint/2010/main">
-    <mc:Choice Requires="p14">
-      <p:transition spd="med" p14:dur="700">
-        <p:fade/>
-      </p:transition>
-    </mc:Choice>
-    <mc:Fallback xmlns="">
-      <p:transition spd="med">
-        <p:fade/>
-      </p:transition>
-    </mc:Fallback>
-  </mc:AlternateContent>
+  <p:transition spd="slow">
+    <p:circle/>
+  </p:transition>
   <p:timing>
     <p:tnLst>
       <p:par>
@@ -4505,7 +4533,7 @@
               <a:t>的浓度，</a:t>
             </a:r>
             <a:r>
-              <a:rPr lang="en-US" altLang="zh-CN" sz="1600" b="0" i="0" kern="1200" dirty="0" smtClean="0">
+              <a:rPr lang="en-US" altLang="zh-CN" sz="1600" b="1" i="0" kern="1200" dirty="0" smtClean="0">
                 <a:solidFill>
                   <a:schemeClr val="tx1"/>
                 </a:solidFill>
@@ -4516,6 +4544,61 @@
               <a:t>PDE-4</a:t>
             </a:r>
             <a:r>
+              <a:rPr lang="zh-CN" altLang="en-US" sz="1600" b="1" i="0" kern="1200" dirty="0" smtClean="0">
+                <a:solidFill>
+                  <a:schemeClr val="tx1"/>
+                </a:solidFill>
+                <a:effectLst/>
+                <a:latin typeface="微软雅黑" panose="020B0503020204020204" pitchFamily="34" charset="-122"/>
+                <a:ea typeface="微软雅黑" panose="020B0503020204020204" pitchFamily="34" charset="-122"/>
+              </a:rPr>
+              <a:t>促进了促炎介质的产生同时减少了抗炎介质的产生。</a:t>
+            </a:r>
+            <a:r>
+              <a:rPr lang="en-US" altLang="zh-CN" sz="1600" b="1" i="0" kern="1200" dirty="0" smtClean="0">
+                <a:solidFill>
+                  <a:schemeClr val="tx1"/>
+                </a:solidFill>
+                <a:effectLst/>
+                <a:latin typeface="微软雅黑" panose="020B0503020204020204" pitchFamily="34" charset="-122"/>
+                <a:ea typeface="微软雅黑" panose="020B0503020204020204" pitchFamily="34" charset="-122"/>
+              </a:rPr>
+              <a:t>PDE-4</a:t>
+            </a:r>
+            <a:r>
+              <a:rPr lang="zh-CN" altLang="en-US" sz="1600" b="1" i="0" kern="1200" dirty="0" smtClean="0">
+                <a:solidFill>
+                  <a:schemeClr val="tx1"/>
+                </a:solidFill>
+                <a:effectLst/>
+                <a:latin typeface="微软雅黑" panose="020B0503020204020204" pitchFamily="34" charset="-122"/>
+                <a:ea typeface="微软雅黑" panose="020B0503020204020204" pitchFamily="34" charset="-122"/>
+              </a:rPr>
+              <a:t>抑制剂能增加细胞内</a:t>
+            </a:r>
+            <a:r>
+              <a:rPr lang="en-US" altLang="zh-CN" sz="1600" b="1" i="0" kern="1200" dirty="0" err="1" smtClean="0">
+                <a:solidFill>
+                  <a:schemeClr val="tx1"/>
+                </a:solidFill>
+                <a:effectLst/>
+                <a:latin typeface="微软雅黑" panose="020B0503020204020204" pitchFamily="34" charset="-122"/>
+                <a:ea typeface="微软雅黑" panose="020B0503020204020204" pitchFamily="34" charset="-122"/>
+              </a:rPr>
+              <a:t>cAMP</a:t>
+            </a:r>
+            <a:r>
+              <a:rPr lang="zh-CN" altLang="en-US" sz="1600" b="1" i="0" kern="1200" dirty="0" smtClean="0">
+                <a:solidFill>
+                  <a:schemeClr val="tx1"/>
+                </a:solidFill>
+                <a:effectLst/>
+                <a:latin typeface="微软雅黑" panose="020B0503020204020204" pitchFamily="34" charset="-122"/>
+                <a:ea typeface="微软雅黑" panose="020B0503020204020204" pitchFamily="34" charset="-122"/>
+              </a:rPr>
+              <a:t>的浓度并优先阻断促炎细胞因子的产生</a:t>
+            </a:r>
+            <a:r>
               <a:rPr lang="zh-CN" altLang="en-US" sz="1600" b="0" i="0" kern="1200" dirty="0" smtClean="0">
                 <a:solidFill>
                   <a:schemeClr val="tx1"/>
@@ -4524,51 +4607,7 @@
                 <a:latin typeface="微软雅黑" panose="020B0503020204020204" pitchFamily="34" charset="-122"/>
                 <a:ea typeface="微软雅黑" panose="020B0503020204020204" pitchFamily="34" charset="-122"/>
               </a:rPr>
-              <a:t>促进了促炎介质的产生同时减少了抗炎介质的产生。</a:t>
-            </a:r>
-            <a:r>
-              <a:rPr lang="en-US" altLang="zh-CN" sz="1600" b="0" i="0" kern="1200" dirty="0" smtClean="0">
-                <a:solidFill>
-                  <a:schemeClr val="tx1"/>
-                </a:solidFill>
-                <a:effectLst/>
-                <a:latin typeface="微软雅黑" panose="020B0503020204020204" pitchFamily="34" charset="-122"/>
-                <a:ea typeface="微软雅黑" panose="020B0503020204020204" pitchFamily="34" charset="-122"/>
-              </a:rPr>
-              <a:t>PDE-4</a:t>
-            </a:r>
-            <a:r>
-              <a:rPr lang="zh-CN" altLang="en-US" sz="1600" b="0" i="0" kern="1200" dirty="0" smtClean="0">
-                <a:solidFill>
-                  <a:schemeClr val="tx1"/>
-                </a:solidFill>
-                <a:effectLst/>
-                <a:latin typeface="微软雅黑" panose="020B0503020204020204" pitchFamily="34" charset="-122"/>
-                <a:ea typeface="微软雅黑" panose="020B0503020204020204" pitchFamily="34" charset="-122"/>
-              </a:rPr>
-              <a:t>抑制剂能增加细胞内</a:t>
-            </a:r>
-            <a:r>
-              <a:rPr lang="en-US" altLang="zh-CN" sz="1600" b="0" i="0" kern="1200" dirty="0" err="1" smtClean="0">
-                <a:solidFill>
-                  <a:schemeClr val="tx1"/>
-                </a:solidFill>
-                <a:effectLst/>
-                <a:latin typeface="微软雅黑" panose="020B0503020204020204" pitchFamily="34" charset="-122"/>
-                <a:ea typeface="微软雅黑" panose="020B0503020204020204" pitchFamily="34" charset="-122"/>
-              </a:rPr>
-              <a:t>cAMP</a:t>
-            </a:r>
-            <a:r>
-              <a:rPr lang="zh-CN" altLang="en-US" sz="1600" b="0" i="0" kern="1200" dirty="0" smtClean="0">
-                <a:solidFill>
-                  <a:schemeClr val="tx1"/>
-                </a:solidFill>
-                <a:effectLst/>
-                <a:latin typeface="微软雅黑" panose="020B0503020204020204" pitchFamily="34" charset="-122"/>
-                <a:ea typeface="微软雅黑" panose="020B0503020204020204" pitchFamily="34" charset="-122"/>
-              </a:rPr>
-              <a:t>的浓度并优先阻断促炎细胞因子的产生，如</a:t>
+              <a:t>，如</a:t>
             </a:r>
             <a:r>
               <a:rPr lang="en-US" altLang="zh-CN" sz="1600" b="0" i="0" kern="1200" dirty="0" smtClean="0">
@@ -4850,18 +4889,9 @@
   <p:clrMapOvr>
     <a:masterClrMapping/>
   </p:clrMapOvr>
-  <mc:AlternateContent xmlns:mc="http://schemas.openxmlformats.org/markup-compatibility/2006" xmlns:p14="http://schemas.microsoft.com/office/powerpoint/2010/main">
-    <mc:Choice Requires="p14">
-      <p:transition spd="med" p14:dur="700">
-        <p:fade/>
-      </p:transition>
-    </mc:Choice>
-    <mc:Fallback xmlns="">
-      <p:transition spd="med">
-        <p:fade/>
-      </p:transition>
-    </mc:Fallback>
-  </mc:AlternateContent>
+  <p:transition spd="slow">
+    <p:circle/>
+  </p:transition>
   <p:timing>
     <p:tnLst>
       <p:par>
@@ -4979,7 +5009,12 @@
             <p:ph idx="1"/>
           </p:nvPr>
         </p:nvSpPr>
-        <p:spPr/>
+        <p:spPr>
+          <a:xfrm>
+            <a:off x="218661" y="1679340"/>
+            <a:ext cx="8706678" cy="4969938"/>
+          </a:xfrm>
+        </p:spPr>
         <p:txBody>
           <a:bodyPr>
             <a:noAutofit/>
@@ -5004,7 +5039,7 @@
               <a:defRPr/>
             </a:pPr>
             <a:r>
-              <a:rPr lang="zh-CN" altLang="en-US" sz="1400" b="0" i="0" kern="1200" dirty="0" smtClean="0">
+              <a:rPr lang="zh-CN" altLang="en-US" sz="1600" b="0" i="0" kern="1200" dirty="0" smtClean="0">
                 <a:solidFill>
                   <a:schemeClr val="tx1"/>
                 </a:solidFill>
@@ -5015,7 +5050,7 @@
               <a:t>阿普司特特异性地以</a:t>
             </a:r>
             <a:r>
-              <a:rPr lang="en-US" altLang="zh-CN" sz="1400" b="0" i="0" kern="1200" dirty="0" smtClean="0">
+              <a:rPr lang="en-US" altLang="zh-CN" sz="1600" b="0" i="0" kern="1200" dirty="0" smtClean="0">
                 <a:solidFill>
                   <a:schemeClr val="tx1"/>
                 </a:solidFill>
@@ -5026,18 +5061,29 @@
               <a:t>PDE-4</a:t>
             </a:r>
             <a:r>
-              <a:rPr lang="zh-CN" altLang="en-US" sz="1400" b="0" i="0" kern="1200" dirty="0" smtClean="0">
-                <a:solidFill>
-                  <a:schemeClr val="tx1"/>
-                </a:solidFill>
-                <a:effectLst/>
-                <a:latin typeface="微软雅黑" panose="020B0503020204020204" pitchFamily="34" charset="-122"/>
-                <a:ea typeface="微软雅黑" panose="020B0503020204020204" pitchFamily="34" charset="-122"/>
-              </a:rPr>
-              <a:t>为靶点来调控先天免疫细胞中促炎和抗炎介质的表达。在单核细胞核树突细胞中，来源于</a:t>
-            </a:r>
-            <a:r>
-              <a:rPr lang="en-US" altLang="zh-CN" sz="1400" b="0" i="0" kern="1200" dirty="0" smtClean="0">
+              <a:rPr lang="zh-CN" altLang="en-US" sz="1600" b="0" i="0" kern="1200" dirty="0" smtClean="0">
+                <a:solidFill>
+                  <a:schemeClr val="tx1"/>
+                </a:solidFill>
+                <a:effectLst/>
+                <a:latin typeface="微软雅黑" panose="020B0503020204020204" pitchFamily="34" charset="-122"/>
+                <a:ea typeface="微软雅黑" panose="020B0503020204020204" pitchFamily="34" charset="-122"/>
+              </a:rPr>
+              <a:t>为靶点来调控先天免疫细胞中促炎和抗炎介质的表达。在单核细胞核树突细胞中，</a:t>
+            </a:r>
+            <a:r>
+              <a:rPr lang="zh-CN" altLang="en-US" sz="1600" b="1" i="0" kern="1200" dirty="0" smtClean="0">
+                <a:solidFill>
+                  <a:schemeClr val="tx1"/>
+                </a:solidFill>
+                <a:effectLst/>
+                <a:latin typeface="微软雅黑" panose="020B0503020204020204" pitchFamily="34" charset="-122"/>
+                <a:ea typeface="微软雅黑" panose="020B0503020204020204" pitchFamily="34" charset="-122"/>
+              </a:rPr>
+              <a:t>来源于</a:t>
+            </a:r>
+            <a:r>
+              <a:rPr lang="en-US" altLang="zh-CN" sz="1600" b="1" i="0" kern="1200" dirty="0" smtClean="0">
                 <a:solidFill>
                   <a:schemeClr val="tx1"/>
                 </a:solidFill>
@@ -5048,7 +5094,7 @@
               <a:t>Toll</a:t>
             </a:r>
             <a:r>
-              <a:rPr lang="zh-CN" altLang="en-US" sz="1400" b="0" i="0" kern="1200" dirty="0" smtClean="0">
+              <a:rPr lang="zh-CN" altLang="en-US" sz="1600" b="1" i="0" kern="1200" dirty="0" smtClean="0">
                 <a:solidFill>
                   <a:schemeClr val="tx1"/>
                 </a:solidFill>
@@ -5059,7 +5105,7 @@
               <a:t>样受体（</a:t>
             </a:r>
             <a:r>
-              <a:rPr lang="en-US" altLang="zh-CN" sz="1400" b="0" i="0" kern="1200" dirty="0" smtClean="0">
+              <a:rPr lang="en-US" altLang="zh-CN" sz="1600" b="1" i="0" kern="1200" dirty="0" smtClean="0">
                 <a:solidFill>
                   <a:schemeClr val="tx1"/>
                 </a:solidFill>
@@ -5070,7 +5116,7 @@
               <a:t>TLR4</a:t>
             </a:r>
             <a:r>
-              <a:rPr lang="zh-CN" altLang="en-US" sz="1400" b="0" i="0" kern="1200" dirty="0" smtClean="0">
+              <a:rPr lang="zh-CN" altLang="en-US" sz="1600" b="1" i="0" kern="1200" dirty="0" smtClean="0">
                 <a:solidFill>
                   <a:schemeClr val="tx1"/>
                 </a:solidFill>
@@ -5081,7 +5127,7 @@
               <a:t>）途径的促炎信号会引起转录核因子</a:t>
             </a:r>
             <a:r>
-              <a:rPr lang="en-US" altLang="zh-CN" sz="1400" b="0" i="0" kern="1200" dirty="0" err="1" smtClean="0">
+              <a:rPr lang="en-US" altLang="zh-CN" sz="1600" b="1" i="0" kern="1200" dirty="0" err="1" smtClean="0">
                 <a:solidFill>
                   <a:schemeClr val="tx1"/>
                 </a:solidFill>
@@ -5092,7 +5138,7 @@
               <a:t>kappaB</a:t>
             </a:r>
             <a:r>
-              <a:rPr lang="zh-CN" altLang="en-US" sz="1400" b="0" i="0" kern="1200" dirty="0" smtClean="0">
+              <a:rPr lang="zh-CN" altLang="en-US" sz="1600" b="1" i="0" kern="1200" dirty="0" smtClean="0">
                 <a:solidFill>
                   <a:schemeClr val="tx1"/>
                 </a:solidFill>
@@ -5103,7 +5149,7 @@
               <a:t>（</a:t>
             </a:r>
             <a:r>
-              <a:rPr lang="en-US" altLang="zh-CN" sz="1400" b="0" i="0" kern="1200" dirty="0" smtClean="0">
+              <a:rPr lang="en-US" altLang="zh-CN" sz="1600" b="1" i="0" kern="1200" dirty="0" smtClean="0">
                 <a:solidFill>
                   <a:schemeClr val="tx1"/>
                 </a:solidFill>
@@ -5114,7 +5160,7 @@
               <a:t>NF-</a:t>
             </a:r>
             <a:r>
-              <a:rPr lang="en-US" altLang="zh-CN" sz="1400" b="0" i="0" kern="1200" dirty="0" err="1" smtClean="0">
+              <a:rPr lang="en-US" altLang="zh-CN" sz="1600" b="1" i="0" kern="1200" dirty="0" err="1" smtClean="0">
                 <a:solidFill>
                   <a:schemeClr val="tx1"/>
                 </a:solidFill>
@@ -5125,7 +5171,7 @@
               <a:t>κB</a:t>
             </a:r>
             <a:r>
-              <a:rPr lang="zh-CN" altLang="en-US" sz="1400" b="0" i="0" kern="1200" dirty="0" smtClean="0">
+              <a:rPr lang="zh-CN" altLang="en-US" sz="1600" b="1" i="0" kern="1200" dirty="0" smtClean="0">
                 <a:solidFill>
                   <a:schemeClr val="tx1"/>
                 </a:solidFill>
@@ -5136,7 +5182,7 @@
               <a:t>）的激活以及促炎介质的表达，如</a:t>
             </a:r>
             <a:r>
-              <a:rPr lang="en-US" altLang="zh-CN" sz="1400" b="0" i="0" kern="1200" dirty="0" smtClean="0">
+              <a:rPr lang="en-US" altLang="zh-CN" sz="1600" b="1" i="0" kern="1200" dirty="0" smtClean="0">
                 <a:solidFill>
                   <a:schemeClr val="tx1"/>
                 </a:solidFill>
@@ -5147,7 +5193,7 @@
               <a:t>IL-23</a:t>
             </a:r>
             <a:r>
-              <a:rPr lang="zh-CN" altLang="en-US" sz="1400" b="0" i="0" kern="1200" dirty="0" smtClean="0">
+              <a:rPr lang="zh-CN" altLang="en-US" sz="1600" b="1" i="0" kern="1200" dirty="0" smtClean="0">
                 <a:solidFill>
                   <a:schemeClr val="tx1"/>
                 </a:solidFill>
@@ -5158,7 +5204,7 @@
               <a:t>、</a:t>
             </a:r>
             <a:r>
-              <a:rPr lang="en-US" altLang="zh-CN" sz="1400" b="0" i="0" kern="1200" dirty="0" smtClean="0">
+              <a:rPr lang="en-US" altLang="zh-CN" sz="1600" b="1" i="0" kern="1200" dirty="0" smtClean="0">
                 <a:solidFill>
                   <a:schemeClr val="tx1"/>
                 </a:solidFill>
@@ -5169,7 +5215,7 @@
               <a:t>TNF-α</a:t>
             </a:r>
             <a:r>
-              <a:rPr lang="zh-CN" altLang="en-US" sz="1400" b="0" i="0" kern="1200" dirty="0" smtClean="0">
+              <a:rPr lang="zh-CN" altLang="en-US" sz="1600" b="1" i="0" kern="1200" dirty="0" smtClean="0">
                 <a:solidFill>
                   <a:schemeClr val="tx1"/>
                 </a:solidFill>
@@ -5180,7 +5226,7 @@
               <a:t>和</a:t>
             </a:r>
             <a:r>
-              <a:rPr lang="en-US" altLang="zh-CN" sz="1400" b="0" i="0" kern="1200" dirty="0" smtClean="0">
+              <a:rPr lang="en-US" altLang="zh-CN" sz="1600" b="1" i="0" kern="1200" dirty="0" smtClean="0">
                 <a:solidFill>
                   <a:schemeClr val="tx1"/>
                 </a:solidFill>
@@ -5191,18 +5237,29 @@
               <a:t>IFN-g</a:t>
             </a:r>
             <a:r>
-              <a:rPr lang="zh-CN" altLang="en-US" sz="1400" b="0" i="0" kern="1200" dirty="0" smtClean="0">
-                <a:solidFill>
-                  <a:schemeClr val="tx1"/>
-                </a:solidFill>
-                <a:effectLst/>
-                <a:latin typeface="微软雅黑" panose="020B0503020204020204" pitchFamily="34" charset="-122"/>
-                <a:ea typeface="微软雅黑" panose="020B0503020204020204" pitchFamily="34" charset="-122"/>
-              </a:rPr>
-              <a:t>。来源于</a:t>
-            </a:r>
-            <a:r>
-              <a:rPr lang="en-US" altLang="zh-CN" sz="1400" b="0" i="0" kern="1200" dirty="0" smtClean="0">
+              <a:rPr lang="zh-CN" altLang="en-US" sz="1600" b="1" i="0" kern="1200" dirty="0" smtClean="0">
+                <a:solidFill>
+                  <a:schemeClr val="tx1"/>
+                </a:solidFill>
+                <a:effectLst/>
+                <a:latin typeface="微软雅黑" panose="020B0503020204020204" pitchFamily="34" charset="-122"/>
+                <a:ea typeface="微软雅黑" panose="020B0503020204020204" pitchFamily="34" charset="-122"/>
+              </a:rPr>
+              <a:t>。</a:t>
+            </a:r>
+            <a:r>
+              <a:rPr lang="zh-CN" altLang="en-US" sz="1600" b="0" i="0" kern="1200" dirty="0" smtClean="0">
+                <a:solidFill>
+                  <a:schemeClr val="tx1"/>
+                </a:solidFill>
+                <a:effectLst/>
+                <a:latin typeface="微软雅黑" panose="020B0503020204020204" pitchFamily="34" charset="-122"/>
+                <a:ea typeface="微软雅黑" panose="020B0503020204020204" pitchFamily="34" charset="-122"/>
+              </a:rPr>
+              <a:t>来源于</a:t>
+            </a:r>
+            <a:r>
+              <a:rPr lang="en-US" altLang="zh-CN" sz="1600" b="0" i="0" kern="1200" dirty="0" smtClean="0">
                 <a:solidFill>
                   <a:schemeClr val="tx1"/>
                 </a:solidFill>
@@ -5213,7 +5270,7 @@
               <a:t>G</a:t>
             </a:r>
             <a:r>
-              <a:rPr lang="zh-CN" altLang="en-US" sz="1400" b="0" i="0" kern="1200" dirty="0" smtClean="0">
+              <a:rPr lang="zh-CN" altLang="en-US" sz="1600" b="0" i="0" kern="1200" dirty="0" smtClean="0">
                 <a:solidFill>
                   <a:schemeClr val="tx1"/>
                 </a:solidFill>
@@ -5224,7 +5281,7 @@
               <a:t>蛋白偶联受体（</a:t>
             </a:r>
             <a:r>
-              <a:rPr lang="en-US" altLang="zh-CN" sz="1400" b="0" i="0" kern="1200" dirty="0" smtClean="0">
+              <a:rPr lang="en-US" altLang="zh-CN" sz="1600" b="0" i="0" kern="1200" dirty="0" smtClean="0">
                 <a:solidFill>
                   <a:schemeClr val="tx1"/>
                 </a:solidFill>
@@ -5235,7 +5292,7 @@
               <a:t>GPCRs</a:t>
             </a:r>
             <a:r>
-              <a:rPr lang="zh-CN" altLang="en-US" sz="1400" b="0" i="0" kern="1200" dirty="0" smtClean="0">
+              <a:rPr lang="zh-CN" altLang="en-US" sz="1600" b="0" i="0" kern="1200" dirty="0" smtClean="0">
                 <a:solidFill>
                   <a:schemeClr val="tx1"/>
                 </a:solidFill>
@@ -5246,7 +5303,7 @@
               <a:t>）如前列腺素结合蛋白的信号通过刺激</a:t>
             </a:r>
             <a:r>
-              <a:rPr lang="en-US" altLang="zh-CN" sz="1400" b="0" i="0" kern="1200" dirty="0" smtClean="0">
+              <a:rPr lang="en-US" altLang="zh-CN" sz="1600" b="0" i="0" kern="1200" dirty="0" smtClean="0">
                 <a:solidFill>
                   <a:schemeClr val="tx1"/>
                 </a:solidFill>
@@ -5257,7 +5314,7 @@
               <a:t>G</a:t>
             </a:r>
             <a:r>
-              <a:rPr lang="zh-CN" altLang="en-US" sz="1400" b="0" i="0" kern="1200" dirty="0" smtClean="0">
+              <a:rPr lang="zh-CN" altLang="en-US" sz="1600" b="0" i="0" kern="1200" dirty="0" smtClean="0">
                 <a:solidFill>
                   <a:schemeClr val="tx1"/>
                 </a:solidFill>
@@ -5268,7 +5325,7 @@
               <a:t>蛋白</a:t>
             </a:r>
             <a:r>
-              <a:rPr lang="en-US" altLang="zh-CN" sz="1400" b="0" i="0" kern="1200" dirty="0" smtClean="0">
+              <a:rPr lang="en-US" altLang="zh-CN" sz="1600" b="0" i="0" kern="1200" dirty="0" smtClean="0">
                 <a:solidFill>
                   <a:schemeClr val="tx1"/>
                 </a:solidFill>
@@ -5279,7 +5336,7 @@
               <a:t>α</a:t>
             </a:r>
             <a:r>
-              <a:rPr lang="zh-CN" altLang="en-US" sz="1400" b="0" i="0" kern="1200" dirty="0" smtClean="0">
+              <a:rPr lang="zh-CN" altLang="en-US" sz="1600" b="0" i="0" kern="1200" dirty="0" smtClean="0">
                 <a:solidFill>
                   <a:schemeClr val="tx1"/>
                 </a:solidFill>
@@ -5290,7 +5347,7 @@
               <a:t>亚基（</a:t>
             </a:r>
             <a:r>
-              <a:rPr lang="en-US" altLang="zh-CN" sz="1400" b="0" i="0" kern="1200" dirty="0" smtClean="0">
+              <a:rPr lang="en-US" altLang="zh-CN" sz="1600" b="0" i="0" kern="1200" dirty="0" smtClean="0">
                 <a:solidFill>
                   <a:schemeClr val="tx1"/>
                 </a:solidFill>
@@ -5301,7 +5358,7 @@
               <a:t>Gas</a:t>
             </a:r>
             <a:r>
-              <a:rPr lang="zh-CN" altLang="en-US" sz="1400" b="0" i="0" kern="1200" dirty="0" smtClean="0">
+              <a:rPr lang="zh-CN" altLang="en-US" sz="1600" b="0" i="0" kern="1200" dirty="0" smtClean="0">
                 <a:solidFill>
                   <a:schemeClr val="tx1"/>
                 </a:solidFill>
@@ -5312,7 +5369,7 @@
               <a:t>）来激活腺苷酸环化酶（</a:t>
             </a:r>
             <a:r>
-              <a:rPr lang="en-US" altLang="zh-CN" sz="1400" b="0" i="0" kern="1200" dirty="0" smtClean="0">
+              <a:rPr lang="en-US" altLang="zh-CN" sz="1600" b="0" i="0" kern="1200" dirty="0" smtClean="0">
                 <a:solidFill>
                   <a:schemeClr val="tx1"/>
                 </a:solidFill>
@@ -5323,7 +5380,7 @@
               <a:t>AC</a:t>
             </a:r>
             <a:r>
-              <a:rPr lang="zh-CN" altLang="en-US" sz="1400" b="0" i="0" kern="1200" dirty="0" smtClean="0">
+              <a:rPr lang="zh-CN" altLang="en-US" sz="1600" b="0" i="0" kern="1200" dirty="0" smtClean="0">
                 <a:solidFill>
                   <a:schemeClr val="tx1"/>
                 </a:solidFill>
@@ -5334,7 +5391,7 @@
               <a:t>），从而产生</a:t>
             </a:r>
             <a:r>
-              <a:rPr lang="en-US" altLang="zh-CN" sz="1400" b="0" i="0" kern="1200" dirty="0" err="1" smtClean="0">
+              <a:rPr lang="en-US" altLang="zh-CN" sz="1600" b="0" i="0" kern="1200" dirty="0" err="1" smtClean="0">
                 <a:solidFill>
                   <a:schemeClr val="tx1"/>
                 </a:solidFill>
@@ -5345,7 +5402,7 @@
               <a:t>cAMP</a:t>
             </a:r>
             <a:r>
-              <a:rPr lang="zh-CN" altLang="en-US" sz="1400" b="0" i="0" kern="1200" dirty="0" smtClean="0">
+              <a:rPr lang="zh-CN" altLang="en-US" sz="1600" b="0" i="0" kern="1200" dirty="0" smtClean="0">
                 <a:solidFill>
                   <a:schemeClr val="tx1"/>
                 </a:solidFill>
@@ -5356,7 +5413,7 @@
               <a:t>。在白细胞如巨噬细胞和树突细胞中，</a:t>
             </a:r>
             <a:r>
-              <a:rPr lang="en-US" altLang="zh-CN" sz="1400" b="0" i="0" kern="1200" dirty="0" err="1" smtClean="0">
+              <a:rPr lang="en-US" altLang="zh-CN" sz="1600" b="0" i="0" kern="1200" dirty="0" err="1" smtClean="0">
                 <a:solidFill>
                   <a:schemeClr val="tx1"/>
                 </a:solidFill>
@@ -5367,7 +5424,7 @@
               <a:t>cAMP</a:t>
             </a:r>
             <a:r>
-              <a:rPr lang="zh-CN" altLang="en-US" sz="1400" b="0" i="0" kern="1200" dirty="0" smtClean="0">
+              <a:rPr lang="zh-CN" altLang="en-US" sz="1600" b="0" i="0" kern="1200" dirty="0" smtClean="0">
                 <a:solidFill>
                   <a:schemeClr val="tx1"/>
                 </a:solidFill>
@@ -5378,7 +5435,7 @@
               <a:t>会被</a:t>
             </a:r>
             <a:r>
-              <a:rPr lang="en-US" altLang="zh-CN" sz="1400" b="0" i="0" kern="1200" dirty="0" smtClean="0">
+              <a:rPr lang="en-US" altLang="zh-CN" sz="1600" b="0" i="0" kern="1200" dirty="0" smtClean="0">
                 <a:solidFill>
                   <a:schemeClr val="tx1"/>
                 </a:solidFill>
@@ -5389,7 +5446,7 @@
               <a:t>PDE-4</a:t>
             </a:r>
             <a:r>
-              <a:rPr lang="zh-CN" altLang="en-US" sz="1400" b="0" i="0" kern="1200" dirty="0" smtClean="0">
+              <a:rPr lang="zh-CN" altLang="en-US" sz="1600" b="0" i="0" kern="1200" dirty="0" smtClean="0">
                 <a:solidFill>
                   <a:schemeClr val="tx1"/>
                 </a:solidFill>
@@ -5400,7 +5457,7 @@
               <a:t>水解成</a:t>
             </a:r>
             <a:r>
-              <a:rPr lang="en-US" altLang="zh-CN" sz="1400" b="0" i="0" kern="1200" dirty="0" smtClean="0">
+              <a:rPr lang="en-US" altLang="zh-CN" sz="1600" b="0" i="0" kern="1200" dirty="0" smtClean="0">
                 <a:solidFill>
                   <a:schemeClr val="tx1"/>
                 </a:solidFill>
@@ -5411,7 +5468,7 @@
               <a:t>AMP</a:t>
             </a:r>
             <a:r>
-              <a:rPr lang="zh-CN" altLang="en-US" sz="1400" b="0" i="0" kern="1200" dirty="0" smtClean="0">
+              <a:rPr lang="zh-CN" altLang="en-US" sz="1600" b="0" i="0" kern="1200" dirty="0" smtClean="0">
                 <a:solidFill>
                   <a:schemeClr val="tx1"/>
                 </a:solidFill>
@@ -5422,7 +5479,7 @@
               <a:t>。阿普司特作为</a:t>
             </a:r>
             <a:r>
-              <a:rPr lang="en-US" altLang="zh-CN" sz="1400" b="0" i="0" kern="1200" dirty="0" smtClean="0">
+              <a:rPr lang="en-US" altLang="zh-CN" sz="1600" b="0" i="0" kern="1200" dirty="0" smtClean="0">
                 <a:solidFill>
                   <a:schemeClr val="tx1"/>
                 </a:solidFill>
@@ -5433,7 +5490,7 @@
               <a:t>PDE-4</a:t>
             </a:r>
             <a:r>
-              <a:rPr lang="zh-CN" altLang="en-US" sz="1400" b="0" i="0" kern="1200" dirty="0" smtClean="0">
+              <a:rPr lang="zh-CN" altLang="en-US" sz="1600" b="0" i="0" kern="1200" dirty="0" smtClean="0">
                 <a:solidFill>
                   <a:schemeClr val="tx1"/>
                 </a:solidFill>
@@ -5444,7 +5501,7 @@
               <a:t>的抑制剂能增加细胞内</a:t>
             </a:r>
             <a:r>
-              <a:rPr lang="en-US" altLang="zh-CN" sz="1400" b="0" i="0" kern="1200" dirty="0" err="1" smtClean="0">
+              <a:rPr lang="en-US" altLang="zh-CN" sz="1600" b="0" i="0" kern="1200" dirty="0" err="1" smtClean="0">
                 <a:solidFill>
                   <a:schemeClr val="tx1"/>
                 </a:solidFill>
@@ -5455,7 +5512,7 @@
               <a:t>cAMP</a:t>
             </a:r>
             <a:r>
-              <a:rPr lang="zh-CN" altLang="en-US" sz="1400" b="0" i="0" kern="1200" dirty="0" smtClean="0">
+              <a:rPr lang="zh-CN" altLang="en-US" sz="1600" b="0" i="0" kern="1200" dirty="0" smtClean="0">
                 <a:solidFill>
                   <a:schemeClr val="tx1"/>
                 </a:solidFill>
@@ -5466,7 +5523,7 @@
               <a:t>的水平，从而激活</a:t>
             </a:r>
             <a:r>
-              <a:rPr lang="en-US" altLang="zh-CN" sz="1400" b="0" i="0" kern="1200" dirty="0" err="1" smtClean="0">
+              <a:rPr lang="en-US" altLang="zh-CN" sz="1600" b="0" i="0" kern="1200" dirty="0" err="1" smtClean="0">
                 <a:solidFill>
                   <a:schemeClr val="tx1"/>
                 </a:solidFill>
@@ -5477,7 +5534,7 @@
               <a:t>cAMP</a:t>
             </a:r>
             <a:r>
-              <a:rPr lang="zh-CN" altLang="en-US" sz="1400" b="0" i="0" kern="1200" dirty="0" smtClean="0">
+              <a:rPr lang="zh-CN" altLang="en-US" sz="1600" b="0" i="0" kern="1200" dirty="0" smtClean="0">
                 <a:solidFill>
                   <a:schemeClr val="tx1"/>
                 </a:solidFill>
@@ -5488,7 +5545,7 @@
               <a:t>依赖性蛋白激酶</a:t>
             </a:r>
             <a:r>
-              <a:rPr lang="en-US" altLang="zh-CN" sz="1400" b="0" i="0" kern="1200" dirty="0" smtClean="0">
+              <a:rPr lang="en-US" altLang="zh-CN" sz="1600" b="0" i="0" kern="1200" dirty="0" smtClean="0">
                 <a:solidFill>
                   <a:schemeClr val="tx1"/>
                 </a:solidFill>
@@ -5499,7 +5556,7 @@
               <a:t>A</a:t>
             </a:r>
             <a:r>
-              <a:rPr lang="zh-CN" altLang="en-US" sz="1400" b="0" i="0" kern="1200" dirty="0" smtClean="0">
+              <a:rPr lang="zh-CN" altLang="en-US" sz="1600" b="0" i="0" kern="1200" dirty="0" smtClean="0">
                 <a:solidFill>
                   <a:schemeClr val="tx1"/>
                 </a:solidFill>
@@ -5510,7 +5567,7 @@
               <a:t>（</a:t>
             </a:r>
             <a:r>
-              <a:rPr lang="en-US" altLang="zh-CN" sz="1400" b="0" i="0" kern="1200" dirty="0" smtClean="0">
+              <a:rPr lang="en-US" altLang="zh-CN" sz="1600" b="0" i="0" kern="1200" dirty="0" smtClean="0">
                 <a:solidFill>
                   <a:schemeClr val="tx1"/>
                 </a:solidFill>
@@ -5521,7 +5578,7 @@
               <a:t>PKA</a:t>
             </a:r>
             <a:r>
-              <a:rPr lang="zh-CN" altLang="en-US" sz="1400" b="0" i="0" kern="1200" dirty="0" smtClean="0">
+              <a:rPr lang="zh-CN" altLang="en-US" sz="1600" b="0" i="0" kern="1200" dirty="0" smtClean="0">
                 <a:solidFill>
                   <a:schemeClr val="tx1"/>
                 </a:solidFill>
@@ -5532,7 +5589,7 @@
               <a:t>），同时激活环核苷酸</a:t>
             </a:r>
             <a:r>
-              <a:rPr lang="en-US" altLang="zh-CN" sz="1400" b="0" i="0" kern="1200" dirty="0" smtClean="0">
+              <a:rPr lang="en-US" altLang="zh-CN" sz="1600" b="0" i="0" kern="1200" dirty="0" smtClean="0">
                 <a:solidFill>
                   <a:schemeClr val="tx1"/>
                 </a:solidFill>
@@ -5543,7 +5600,7 @@
               <a:t>–</a:t>
             </a:r>
             <a:r>
-              <a:rPr lang="zh-CN" altLang="en-US" sz="1400" b="0" i="0" kern="1200" dirty="0" smtClean="0">
+              <a:rPr lang="zh-CN" altLang="en-US" sz="1600" b="0" i="0" kern="1200" dirty="0" smtClean="0">
                 <a:solidFill>
                   <a:schemeClr val="tx1"/>
                 </a:solidFill>
@@ -5554,7 +5611,7 @@
               <a:t>门控离子通道，</a:t>
             </a:r>
             <a:r>
-              <a:rPr lang="en-US" altLang="zh-CN" sz="1400" b="0" i="0" kern="1200" dirty="0" smtClean="0">
+              <a:rPr lang="en-US" altLang="zh-CN" sz="1600" b="0" i="0" kern="1200" dirty="0" smtClean="0">
                 <a:solidFill>
                   <a:schemeClr val="tx1"/>
                 </a:solidFill>
@@ -5565,7 +5622,7 @@
               <a:t>PKA</a:t>
             </a:r>
             <a:r>
-              <a:rPr lang="zh-CN" altLang="en-US" sz="1400" b="0" i="0" kern="1200" dirty="0" smtClean="0">
+              <a:rPr lang="zh-CN" altLang="en-US" sz="1600" b="0" i="0" kern="1200" dirty="0" smtClean="0">
                 <a:solidFill>
                   <a:schemeClr val="tx1"/>
                 </a:solidFill>
@@ -5576,7 +5633,7 @@
               <a:t>的活化导致转录因子中</a:t>
             </a:r>
             <a:r>
-              <a:rPr lang="en-US" altLang="zh-CN" sz="1400" b="0" i="0" kern="1200" dirty="0" err="1" smtClean="0">
+              <a:rPr lang="en-US" altLang="zh-CN" sz="1600" b="0" i="0" kern="1200" dirty="0" err="1" smtClean="0">
                 <a:solidFill>
                   <a:schemeClr val="tx1"/>
                 </a:solidFill>
@@ -5587,7 +5644,7 @@
               <a:t>cAMP</a:t>
             </a:r>
             <a:r>
-              <a:rPr lang="zh-CN" altLang="en-US" sz="1400" b="0" i="0" kern="1200" dirty="0" smtClean="0">
+              <a:rPr lang="zh-CN" altLang="en-US" sz="1600" b="0" i="0" kern="1200" dirty="0" smtClean="0">
                 <a:solidFill>
                   <a:schemeClr val="tx1"/>
                 </a:solidFill>
@@ -5598,7 +5655,7 @@
               <a:t>反应元件（</a:t>
             </a:r>
             <a:r>
-              <a:rPr lang="en-US" altLang="zh-CN" sz="1400" b="0" i="0" kern="1200" dirty="0" smtClean="0">
+              <a:rPr lang="en-US" altLang="zh-CN" sz="1600" b="0" i="0" kern="1200" dirty="0" smtClean="0">
                 <a:solidFill>
                   <a:schemeClr val="tx1"/>
                 </a:solidFill>
@@ -5609,7 +5666,7 @@
               <a:t>CRE</a:t>
             </a:r>
             <a:r>
-              <a:rPr lang="zh-CN" altLang="en-US" sz="1400" b="0" i="0" kern="1200" dirty="0" smtClean="0">
+              <a:rPr lang="zh-CN" altLang="en-US" sz="1600" b="0" i="0" kern="1200" dirty="0" smtClean="0">
                 <a:solidFill>
                   <a:schemeClr val="tx1"/>
                 </a:solidFill>
@@ -5620,7 +5677,7 @@
               <a:t>）结合家族的磷酸化，同时激活转录因子</a:t>
             </a:r>
             <a:r>
-              <a:rPr lang="en-US" altLang="zh-CN" sz="1400" b="0" i="0" kern="1200" dirty="0" smtClean="0">
+              <a:rPr lang="en-US" altLang="zh-CN" sz="1600" b="0" i="0" kern="1200" dirty="0" smtClean="0">
                 <a:solidFill>
                   <a:schemeClr val="tx1"/>
                 </a:solidFill>
@@ -5631,7 +5688,7 @@
               <a:t>1</a:t>
             </a:r>
             <a:r>
-              <a:rPr lang="zh-CN" altLang="en-US" sz="1400" b="0" i="0" kern="1200" dirty="0" smtClean="0">
+              <a:rPr lang="zh-CN" altLang="en-US" sz="1600" b="0" i="0" kern="1200" dirty="0" smtClean="0">
                 <a:solidFill>
                   <a:schemeClr val="tx1"/>
                 </a:solidFill>
@@ -5642,7 +5699,7 @@
               <a:t>（</a:t>
             </a:r>
             <a:r>
-              <a:rPr lang="en-US" altLang="zh-CN" sz="1400" b="0" i="0" kern="1200" dirty="0" smtClean="0">
+              <a:rPr lang="en-US" altLang="zh-CN" sz="1600" b="0" i="0" kern="1200" dirty="0" smtClean="0">
                 <a:solidFill>
                   <a:schemeClr val="tx1"/>
                 </a:solidFill>
@@ -5653,7 +5710,7 @@
               <a:t>ATF-1</a:t>
             </a:r>
             <a:r>
-              <a:rPr lang="zh-CN" altLang="en-US" sz="1400" b="0" i="0" kern="1200" dirty="0" smtClean="0">
+              <a:rPr lang="zh-CN" altLang="en-US" sz="1600" b="0" i="0" kern="1200" dirty="0" smtClean="0">
                 <a:solidFill>
                   <a:schemeClr val="tx1"/>
                 </a:solidFill>
@@ -5664,7 +5721,7 @@
               <a:t>）。在特定细胞如巨噬细胞中，这些因子如</a:t>
             </a:r>
             <a:r>
-              <a:rPr lang="en-US" altLang="zh-CN" sz="1400" b="0" i="0" kern="1200" dirty="0" smtClean="0">
+              <a:rPr lang="en-US" altLang="zh-CN" sz="1600" b="0" i="0" kern="1200" dirty="0" smtClean="0">
                 <a:solidFill>
                   <a:schemeClr val="tx1"/>
                 </a:solidFill>
@@ -5675,7 +5732,7 @@
               <a:t>IL-10</a:t>
             </a:r>
             <a:r>
-              <a:rPr lang="zh-CN" altLang="en-US" sz="1400" b="0" i="0" kern="1200" dirty="0" smtClean="0">
+              <a:rPr lang="zh-CN" altLang="en-US" sz="1600" b="0" i="0" kern="1200" dirty="0" smtClean="0">
                 <a:solidFill>
                   <a:schemeClr val="tx1"/>
                 </a:solidFill>
@@ -5686,7 +5743,7 @@
               <a:t>会结合到</a:t>
             </a:r>
             <a:r>
-              <a:rPr lang="en-US" altLang="zh-CN" sz="1400" b="0" i="0" kern="1200" dirty="0" smtClean="0">
+              <a:rPr lang="en-US" altLang="zh-CN" sz="1600" b="0" i="0" kern="1200" dirty="0" smtClean="0">
                 <a:solidFill>
                   <a:schemeClr val="tx1"/>
                 </a:solidFill>
@@ -5697,7 +5754,7 @@
               <a:t>CRE</a:t>
             </a:r>
             <a:r>
-              <a:rPr lang="zh-CN" altLang="en-US" sz="1400" b="0" i="0" kern="1200" dirty="0" smtClean="0">
+              <a:rPr lang="zh-CN" altLang="en-US" sz="1600" b="0" i="0" kern="1200" dirty="0" smtClean="0">
                 <a:solidFill>
                   <a:schemeClr val="tx1"/>
                 </a:solidFill>
@@ -5708,7 +5765,7 @@
               <a:t>基因启动子的结合位点上增加细胞基因的表达，</a:t>
             </a:r>
             <a:r>
-              <a:rPr lang="en-US" altLang="zh-CN" sz="1400" b="0" i="0" kern="1200" dirty="0" smtClean="0">
+              <a:rPr lang="en-US" altLang="zh-CN" sz="1600" b="0" i="0" kern="1200" dirty="0" smtClean="0">
                 <a:solidFill>
                   <a:schemeClr val="tx1"/>
                 </a:solidFill>
@@ -5719,7 +5776,7 @@
               <a:t>CRE</a:t>
             </a:r>
             <a:r>
-              <a:rPr lang="zh-CN" altLang="en-US" sz="1400" b="0" i="0" kern="1200" dirty="0" smtClean="0">
+              <a:rPr lang="zh-CN" altLang="en-US" sz="1600" b="0" i="0" kern="1200" dirty="0" smtClean="0">
                 <a:solidFill>
                   <a:schemeClr val="tx1"/>
                 </a:solidFill>
@@ -5730,7 +5787,7 @@
               <a:t>驱动的转录激活会集合共激活因子如</a:t>
             </a:r>
             <a:r>
-              <a:rPr lang="en-US" altLang="zh-CN" sz="1400" b="0" i="0" kern="1200" dirty="0" smtClean="0">
+              <a:rPr lang="en-US" altLang="zh-CN" sz="1600" b="0" i="0" kern="1200" dirty="0" smtClean="0">
                 <a:solidFill>
                   <a:schemeClr val="tx1"/>
                 </a:solidFill>
@@ -5741,7 +5798,7 @@
               <a:t>CREB</a:t>
             </a:r>
             <a:r>
-              <a:rPr lang="zh-CN" altLang="en-US" sz="1400" b="0" i="0" kern="1200" dirty="0" smtClean="0">
+              <a:rPr lang="zh-CN" altLang="en-US" sz="1600" b="0" i="0" kern="1200" dirty="0" smtClean="0">
                 <a:solidFill>
                   <a:schemeClr val="tx1"/>
                 </a:solidFill>
@@ -5752,7 +5809,7 @@
               <a:t>结合蛋白（</a:t>
             </a:r>
             <a:r>
-              <a:rPr lang="en-US" altLang="zh-CN" sz="1400" b="0" i="0" kern="1200" dirty="0" smtClean="0">
+              <a:rPr lang="en-US" altLang="zh-CN" sz="1600" b="0" i="0" kern="1200" dirty="0" smtClean="0">
                 <a:solidFill>
                   <a:schemeClr val="tx1"/>
                 </a:solidFill>
@@ -5763,7 +5820,7 @@
               <a:t>CBP</a:t>
             </a:r>
             <a:r>
-              <a:rPr lang="zh-CN" altLang="en-US" sz="1400" b="0" i="0" kern="1200" dirty="0" smtClean="0">
+              <a:rPr lang="zh-CN" altLang="en-US" sz="1600" b="0" i="0" kern="1200" dirty="0" smtClean="0">
                 <a:solidFill>
                   <a:schemeClr val="tx1"/>
                 </a:solidFill>
@@ -5774,7 +5831,7 @@
               <a:t>）、同源蛋白</a:t>
             </a:r>
             <a:r>
-              <a:rPr lang="en-US" altLang="zh-CN" sz="1400" b="0" i="0" kern="1200" dirty="0" smtClean="0">
+              <a:rPr lang="en-US" altLang="zh-CN" sz="1600" b="0" i="0" kern="1200" dirty="0" smtClean="0">
                 <a:solidFill>
                   <a:schemeClr val="tx1"/>
                 </a:solidFill>
@@ -5785,7 +5842,7 @@
               <a:t>p300</a:t>
             </a:r>
             <a:r>
-              <a:rPr lang="zh-CN" altLang="en-US" sz="1400" b="0" i="0" kern="1200" dirty="0" smtClean="0">
+              <a:rPr lang="zh-CN" altLang="en-US" sz="1600" b="0" i="0" kern="1200" dirty="0" smtClean="0">
                 <a:solidFill>
                   <a:schemeClr val="tx1"/>
                 </a:solidFill>
@@ -5796,7 +5853,7 @@
               <a:t>等。从</a:t>
             </a:r>
             <a:r>
-              <a:rPr lang="en-US" altLang="zh-CN" sz="1400" b="0" i="0" kern="1200" dirty="0" smtClean="0">
+              <a:rPr lang="en-US" altLang="zh-CN" sz="1600" b="0" i="0" kern="1200" dirty="0" smtClean="0">
                 <a:solidFill>
                   <a:schemeClr val="tx1"/>
                 </a:solidFill>
@@ -5807,7 +5864,7 @@
               <a:t>NF-</a:t>
             </a:r>
             <a:r>
-              <a:rPr lang="en-US" altLang="zh-CN" sz="1400" b="0" i="0" kern="1200" dirty="0" err="1" smtClean="0">
+              <a:rPr lang="en-US" altLang="zh-CN" sz="1600" b="0" i="0" kern="1200" dirty="0" err="1" smtClean="0">
                 <a:solidFill>
                   <a:schemeClr val="tx1"/>
                 </a:solidFill>
@@ -5818,7 +5875,7 @@
               <a:t>κB</a:t>
             </a:r>
             <a:r>
-              <a:rPr lang="zh-CN" altLang="en-US" sz="1400" b="0" i="0" kern="1200" dirty="0" smtClean="0">
+              <a:rPr lang="zh-CN" altLang="en-US" sz="1600" b="0" i="0" kern="1200" dirty="0" smtClean="0">
                 <a:solidFill>
                   <a:schemeClr val="tx1"/>
                 </a:solidFill>
@@ -5829,7 +5886,7 @@
               <a:t>集合来的</a:t>
             </a:r>
             <a:r>
-              <a:rPr lang="en-US" altLang="zh-CN" sz="1400" b="0" i="0" kern="1200" dirty="0" smtClean="0">
+              <a:rPr lang="en-US" altLang="zh-CN" sz="1600" b="0" i="0" kern="1200" dirty="0" smtClean="0">
                 <a:solidFill>
                   <a:schemeClr val="tx1"/>
                 </a:solidFill>
@@ -5840,7 +5897,7 @@
               <a:t>CBP</a:t>
             </a:r>
             <a:r>
-              <a:rPr lang="zh-CN" altLang="en-US" sz="1400" b="0" i="0" kern="1200" dirty="0" smtClean="0">
+              <a:rPr lang="zh-CN" altLang="en-US" sz="1600" b="0" i="0" kern="1200" dirty="0" smtClean="0">
                 <a:solidFill>
                   <a:schemeClr val="tx1"/>
                 </a:solidFill>
@@ -5851,7 +5908,7 @@
               <a:t>和</a:t>
             </a:r>
             <a:r>
-              <a:rPr lang="en-US" altLang="zh-CN" sz="1400" b="0" i="0" kern="1200" dirty="0" smtClean="0">
+              <a:rPr lang="en-US" altLang="zh-CN" sz="1600" b="0" i="0" kern="1200" dirty="0" smtClean="0">
                 <a:solidFill>
                   <a:schemeClr val="tx1"/>
                 </a:solidFill>
@@ -5862,7 +5919,7 @@
               <a:t>p300</a:t>
             </a:r>
             <a:r>
-              <a:rPr lang="zh-CN" altLang="en-US" sz="1400" b="0" i="0" kern="1200" dirty="0" smtClean="0">
+              <a:rPr lang="zh-CN" altLang="en-US" sz="1600" b="0" i="0" kern="1200" dirty="0" smtClean="0">
                 <a:solidFill>
                   <a:schemeClr val="tx1"/>
                 </a:solidFill>
@@ -5873,7 +5930,7 @@
               <a:t>会抑制</a:t>
             </a:r>
             <a:r>
-              <a:rPr lang="en-US" altLang="zh-CN" sz="1400" b="0" i="0" kern="1200" dirty="0" smtClean="0">
+              <a:rPr lang="en-US" altLang="zh-CN" sz="1600" b="0" i="0" kern="1200" dirty="0" smtClean="0">
                 <a:solidFill>
                   <a:schemeClr val="tx1"/>
                 </a:solidFill>
@@ -5884,7 +5941,7 @@
               <a:t>NF-</a:t>
             </a:r>
             <a:r>
-              <a:rPr lang="en-US" altLang="zh-CN" sz="1400" b="0" i="0" kern="1200" dirty="0" err="1" smtClean="0">
+              <a:rPr lang="en-US" altLang="zh-CN" sz="1600" b="0" i="0" kern="1200" dirty="0" err="1" smtClean="0">
                 <a:solidFill>
                   <a:schemeClr val="tx1"/>
                 </a:solidFill>
@@ -5895,18 +5952,29 @@
               <a:t>κB</a:t>
             </a:r>
             <a:r>
-              <a:rPr lang="zh-CN" altLang="en-US" sz="1400" b="0" i="0" kern="1200" dirty="0" smtClean="0">
-                <a:solidFill>
-                  <a:schemeClr val="tx1"/>
-                </a:solidFill>
-                <a:effectLst/>
-                <a:latin typeface="微软雅黑" panose="020B0503020204020204" pitchFamily="34" charset="-122"/>
-                <a:ea typeface="微软雅黑" panose="020B0503020204020204" pitchFamily="34" charset="-122"/>
-              </a:rPr>
-              <a:t>的转录活性，降低</a:t>
-            </a:r>
-            <a:r>
-              <a:rPr lang="en-US" altLang="zh-CN" sz="1400" b="0" i="0" kern="1200" dirty="0" smtClean="0">
+              <a:rPr lang="zh-CN" altLang="en-US" sz="1600" b="0" i="0" kern="1200" dirty="0" smtClean="0">
+                <a:solidFill>
+                  <a:schemeClr val="tx1"/>
+                </a:solidFill>
+                <a:effectLst/>
+                <a:latin typeface="微软雅黑" panose="020B0503020204020204" pitchFamily="34" charset="-122"/>
+                <a:ea typeface="微软雅黑" panose="020B0503020204020204" pitchFamily="34" charset="-122"/>
+              </a:rPr>
+              <a:t>的转录活性，</a:t>
+            </a:r>
+            <a:r>
+              <a:rPr lang="zh-CN" altLang="en-US" sz="1600" b="1" i="0" kern="1200" dirty="0" smtClean="0">
+                <a:solidFill>
+                  <a:schemeClr val="tx1"/>
+                </a:solidFill>
+                <a:effectLst/>
+                <a:latin typeface="微软雅黑" panose="020B0503020204020204" pitchFamily="34" charset="-122"/>
+                <a:ea typeface="微软雅黑" panose="020B0503020204020204" pitchFamily="34" charset="-122"/>
+              </a:rPr>
+              <a:t>降低</a:t>
+            </a:r>
+            <a:r>
+              <a:rPr lang="en-US" altLang="zh-CN" sz="1600" b="1" i="0" kern="1200" dirty="0" smtClean="0">
                 <a:solidFill>
                   <a:schemeClr val="tx1"/>
                 </a:solidFill>
@@ -5917,7 +5985,7 @@
               <a:t>NF-</a:t>
             </a:r>
             <a:r>
-              <a:rPr lang="en-US" altLang="zh-CN" sz="1400" b="0" i="0" kern="1200" dirty="0" err="1" smtClean="0">
+              <a:rPr lang="en-US" altLang="zh-CN" sz="1600" b="1" i="0" kern="1200" dirty="0" err="1" smtClean="0">
                 <a:solidFill>
                   <a:schemeClr val="tx1"/>
                 </a:solidFill>
@@ -5928,7 +5996,7 @@
               <a:t>κB</a:t>
             </a:r>
             <a:r>
-              <a:rPr lang="zh-CN" altLang="en-US" sz="1400" b="0" i="0" kern="1200" dirty="0" smtClean="0">
+              <a:rPr lang="zh-CN" altLang="en-US" sz="1600" b="1" i="0" kern="1200" dirty="0" smtClean="0">
                 <a:solidFill>
                   <a:schemeClr val="tx1"/>
                 </a:solidFill>
@@ -5939,7 +6007,7 @@
               <a:t>依赖性基因的表达，从而导致</a:t>
             </a:r>
             <a:r>
-              <a:rPr lang="en-US" altLang="zh-CN" sz="1400" b="0" i="0" kern="1200" dirty="0" smtClean="0">
+              <a:rPr lang="en-US" altLang="zh-CN" sz="1600" b="1" i="0" kern="1200" dirty="0" smtClean="0">
                 <a:solidFill>
                   <a:schemeClr val="tx1"/>
                 </a:solidFill>
@@ -5950,7 +6018,7 @@
               <a:t>IL-23</a:t>
             </a:r>
             <a:r>
-              <a:rPr lang="zh-CN" altLang="en-US" sz="1400" b="0" i="0" kern="1200" dirty="0" smtClean="0">
+              <a:rPr lang="zh-CN" altLang="en-US" sz="1600" b="1" i="0" kern="1200" dirty="0" smtClean="0">
                 <a:solidFill>
                   <a:schemeClr val="tx1"/>
                 </a:solidFill>
@@ -5961,7 +6029,7 @@
               <a:t>、</a:t>
             </a:r>
             <a:r>
-              <a:rPr lang="en-US" altLang="zh-CN" sz="1400" b="0" i="0" kern="1200" dirty="0" smtClean="0">
+              <a:rPr lang="en-US" altLang="zh-CN" sz="1600" b="1" i="0" kern="1200" dirty="0" smtClean="0">
                 <a:solidFill>
                   <a:schemeClr val="tx1"/>
                 </a:solidFill>
@@ -5972,7 +6040,7 @@
               <a:t>TNF-α</a:t>
             </a:r>
             <a:r>
-              <a:rPr lang="zh-CN" altLang="en-US" sz="1400" b="0" i="0" kern="1200" dirty="0" smtClean="0">
+              <a:rPr lang="zh-CN" altLang="en-US" sz="1600" b="1" i="0" kern="1200" dirty="0" smtClean="0">
                 <a:solidFill>
                   <a:schemeClr val="tx1"/>
                 </a:solidFill>
@@ -5983,7 +6051,7 @@
               <a:t>和</a:t>
             </a:r>
             <a:r>
-              <a:rPr lang="en-US" altLang="zh-CN" sz="1400" b="0" i="0" kern="1200" dirty="0" smtClean="0">
+              <a:rPr lang="en-US" altLang="zh-CN" sz="1600" b="1" i="0" kern="1200" dirty="0" smtClean="0">
                 <a:solidFill>
                   <a:schemeClr val="tx1"/>
                 </a:solidFill>
@@ -5994,17 +6062,28 @@
               <a:t>IFN-g</a:t>
             </a:r>
             <a:r>
-              <a:rPr lang="zh-CN" altLang="en-US" sz="1400" b="0" i="0" kern="1200" dirty="0" smtClean="0">
-                <a:solidFill>
-                  <a:schemeClr val="tx1"/>
-                </a:solidFill>
-                <a:effectLst/>
-                <a:latin typeface="微软雅黑" panose="020B0503020204020204" pitchFamily="34" charset="-122"/>
-                <a:ea typeface="微软雅黑" panose="020B0503020204020204" pitchFamily="34" charset="-122"/>
-              </a:rPr>
-              <a:t>的降低。炎症反应的应答降低会使免疫细胞的炎性浸润降低，同时减少角质形成细胞和滑膜细胞的增殖激活，降低银屑病的表皮增厚以及关节炎中的滑膜损害。</a:t>
-            </a:r>
-            <a:endParaRPr lang="zh-CN" altLang="zh-CN" sz="1000" dirty="0" smtClean="0">
+              <a:rPr lang="zh-CN" altLang="en-US" sz="1600" b="1" i="0" kern="1200" dirty="0" smtClean="0">
+                <a:solidFill>
+                  <a:schemeClr val="tx1"/>
+                </a:solidFill>
+                <a:effectLst/>
+                <a:latin typeface="微软雅黑" panose="020B0503020204020204" pitchFamily="34" charset="-122"/>
+                <a:ea typeface="微软雅黑" panose="020B0503020204020204" pitchFamily="34" charset="-122"/>
+              </a:rPr>
+              <a:t>的降低。</a:t>
+            </a:r>
+            <a:r>
+              <a:rPr lang="zh-CN" altLang="en-US" sz="1600" b="0" i="0" kern="1200" dirty="0" smtClean="0">
+                <a:solidFill>
+                  <a:schemeClr val="tx1"/>
+                </a:solidFill>
+                <a:effectLst/>
+                <a:latin typeface="微软雅黑" panose="020B0503020204020204" pitchFamily="34" charset="-122"/>
+                <a:ea typeface="微软雅黑" panose="020B0503020204020204" pitchFamily="34" charset="-122"/>
+              </a:rPr>
+              <a:t>炎症反应的应答降低会使免疫细胞的炎性浸润降低，同时减少角质形成细胞和滑膜细胞的增殖激活，降低银屑病的表皮增厚以及关节炎中的滑膜损害。</a:t>
+            </a:r>
+            <a:endParaRPr lang="zh-CN" altLang="zh-CN" sz="1050" dirty="0" smtClean="0">
               <a:effectLst/>
               <a:latin typeface="微软雅黑" panose="020B0503020204020204" pitchFamily="34" charset="-122"/>
               <a:ea typeface="微软雅黑" panose="020B0503020204020204" pitchFamily="34" charset="-122"/>
@@ -6098,6 +6177,32 @@
           </a:p>
         </p:txBody>
       </p:sp>
+      <p:pic>
+        <p:nvPicPr>
+          <p:cNvPr id="10" name="图片 9"/>
+          <p:cNvPicPr/>
+          <p:nvPr/>
+        </p:nvPicPr>
+        <p:blipFill>
+          <a:blip r:embed="rId2"/>
+          <a:stretch>
+            <a:fillRect/>
+          </a:stretch>
+        </p:blipFill>
+        <p:spPr>
+          <a:xfrm>
+            <a:off x="5477703" y="132687"/>
+            <a:ext cx="2105853" cy="1625470"/>
+          </a:xfrm>
+          <a:prstGeom prst="rect">
+            <a:avLst/>
+          </a:prstGeom>
+          <a:noFill/>
+          <a:ln w="9525">
+            <a:noFill/>
+          </a:ln>
+        </p:spPr>
+      </p:pic>
     </p:spTree>
     <p:extLst>
       <p:ext uri="{BB962C8B-B14F-4D97-AF65-F5344CB8AC3E}">
@@ -6108,18 +6213,9 @@
   <p:clrMapOvr>
     <a:masterClrMapping/>
   </p:clrMapOvr>
-  <mc:AlternateContent xmlns:mc="http://schemas.openxmlformats.org/markup-compatibility/2006" xmlns:p14="http://schemas.microsoft.com/office/powerpoint/2010/main">
-    <mc:Choice Requires="p14">
-      <p:transition spd="med" p14:dur="700">
-        <p:fade/>
-      </p:transition>
-    </mc:Choice>
-    <mc:Fallback xmlns="">
-      <p:transition spd="med">
-        <p:fade/>
-      </p:transition>
-    </mc:Fallback>
-  </mc:AlternateContent>
+  <p:transition spd="slow">
+    <p:circle/>
+  </p:transition>
   <p:timing>
     <p:tnLst>
       <p:par>
@@ -6558,18 +6654,9 @@
   <p:clrMapOvr>
     <a:masterClrMapping/>
   </p:clrMapOvr>
-  <mc:AlternateContent xmlns:mc="http://schemas.openxmlformats.org/markup-compatibility/2006" xmlns:p14="http://schemas.microsoft.com/office/powerpoint/2010/main">
-    <mc:Choice Requires="p14">
-      <p:transition spd="med" p14:dur="700">
-        <p:fade/>
-      </p:transition>
-    </mc:Choice>
-    <mc:Fallback xmlns="">
-      <p:transition spd="med">
-        <p:fade/>
-      </p:transition>
-    </mc:Fallback>
-  </mc:AlternateContent>
+  <p:transition spd="slow">
+    <p:circle/>
+  </p:transition>
   <p:timing>
     <p:tnLst>
       <p:par>
@@ -6771,7 +6858,25 @@
                 <a:ea typeface="微软雅黑" panose="020B0503020204020204" pitchFamily="34" charset="-122"/>
                 <a:cs typeface="+mj-cs"/>
               </a:rPr>
-              <a:t>以极性基团为宜，含芳环的极性基团（如吡啶）取代活性强；</a:t>
+              <a:t>以</a:t>
+            </a:r>
+            <a:r>
+              <a:rPr lang="zh-CN" altLang="en-US" sz="2000" b="1" i="0" kern="1200" dirty="0" smtClean="0">
+                <a:effectLst/>
+                <a:latin typeface="微软雅黑" panose="020B0503020204020204" pitchFamily="34" charset="-122"/>
+                <a:ea typeface="微软雅黑" panose="020B0503020204020204" pitchFamily="34" charset="-122"/>
+                <a:cs typeface="+mj-cs"/>
+              </a:rPr>
+              <a:t>极性基团</a:t>
+            </a:r>
+            <a:r>
+              <a:rPr lang="zh-CN" altLang="en-US" sz="2000" i="0" kern="1200" dirty="0" smtClean="0">
+                <a:effectLst/>
+                <a:latin typeface="微软雅黑" panose="020B0503020204020204" pitchFamily="34" charset="-122"/>
+                <a:ea typeface="微软雅黑" panose="020B0503020204020204" pitchFamily="34" charset="-122"/>
+                <a:cs typeface="+mj-cs"/>
+              </a:rPr>
+              <a:t>为宜，含芳环的极性基团（如吡啶）取代活性强；</a:t>
             </a:r>
             <a:endParaRPr lang="en-US" altLang="zh-CN" sz="2000" i="0" kern="1200" dirty="0" smtClean="0">
               <a:effectLst/>
@@ -6801,7 +6906,25 @@
                 <a:ea typeface="微软雅黑" panose="020B0503020204020204" pitchFamily="34" charset="-122"/>
                 <a:cs typeface="+mj-cs"/>
               </a:rPr>
-              <a:t>与酶形成疏水作用，芳环、芳杂环等疏水环为宜，芳环面积越大活性越强。</a:t>
+              <a:t>与酶形成疏水作用，</a:t>
+            </a:r>
+            <a:r>
+              <a:rPr lang="zh-CN" altLang="en-US" sz="2000" b="1" i="0" kern="1200" dirty="0" smtClean="0">
+                <a:effectLst/>
+                <a:latin typeface="微软雅黑" panose="020B0503020204020204" pitchFamily="34" charset="-122"/>
+                <a:ea typeface="微软雅黑" panose="020B0503020204020204" pitchFamily="34" charset="-122"/>
+                <a:cs typeface="+mj-cs"/>
+              </a:rPr>
+              <a:t>芳环、芳杂环等疏水环为宜</a:t>
+            </a:r>
+            <a:r>
+              <a:rPr lang="zh-CN" altLang="en-US" sz="2000" i="0" kern="1200" dirty="0" smtClean="0">
+                <a:effectLst/>
+                <a:latin typeface="微软雅黑" panose="020B0503020204020204" pitchFamily="34" charset="-122"/>
+                <a:ea typeface="微软雅黑" panose="020B0503020204020204" pitchFamily="34" charset="-122"/>
+                <a:cs typeface="+mj-cs"/>
+              </a:rPr>
+              <a:t>，芳环面积越大活性越强。</a:t>
             </a:r>
             <a:r>
               <a:rPr lang="en-US" altLang="zh-CN" sz="2000" i="0" kern="1200" dirty="0" smtClean="0">
@@ -6870,7 +6993,25 @@
                 <a:ea typeface="微软雅黑" panose="020B0503020204020204" pitchFamily="34" charset="-122"/>
                 <a:cs typeface="+mj-cs"/>
               </a:rPr>
-              <a:t>连接基团与周围水分子产生氢键作用，以含氧、氮原子的基团为宜（如酰胺、吡唑等）。</a:t>
+              <a:t>连接基团与周围水分子产生氢键作用，以</a:t>
+            </a:r>
+            <a:r>
+              <a:rPr lang="zh-CN" altLang="en-US" sz="2000" b="1" i="0" kern="1200" dirty="0" smtClean="0">
+                <a:effectLst/>
+                <a:latin typeface="微软雅黑" panose="020B0503020204020204" pitchFamily="34" charset="-122"/>
+                <a:ea typeface="微软雅黑" panose="020B0503020204020204" pitchFamily="34" charset="-122"/>
+                <a:cs typeface="+mj-cs"/>
+              </a:rPr>
+              <a:t>含氧、氮原子的基团</a:t>
+            </a:r>
+            <a:r>
+              <a:rPr lang="zh-CN" altLang="en-US" sz="2000" i="0" kern="1200" dirty="0" smtClean="0">
+                <a:effectLst/>
+                <a:latin typeface="微软雅黑" panose="020B0503020204020204" pitchFamily="34" charset="-122"/>
+                <a:ea typeface="微软雅黑" panose="020B0503020204020204" pitchFamily="34" charset="-122"/>
+                <a:cs typeface="+mj-cs"/>
+              </a:rPr>
+              <a:t>为宜（如酰胺、吡唑等）。</a:t>
             </a:r>
             <a:endParaRPr lang="zh-CN" altLang="en-US" sz="1200" dirty="0"/>
           </a:p>
@@ -6943,18 +7084,9 @@
   <p:clrMapOvr>
     <a:masterClrMapping/>
   </p:clrMapOvr>
-  <mc:AlternateContent xmlns:mc="http://schemas.openxmlformats.org/markup-compatibility/2006" xmlns:p14="http://schemas.microsoft.com/office/powerpoint/2010/main">
-    <mc:Choice Requires="p14">
-      <p:transition spd="med" p14:dur="700">
-        <p:fade/>
-      </p:transition>
-    </mc:Choice>
-    <mc:Fallback xmlns="">
-      <p:transition spd="med">
-        <p:fade/>
-      </p:transition>
-    </mc:Fallback>
-  </mc:AlternateContent>
+  <p:transition spd="slow">
+    <p:circle/>
+  </p:transition>
   <p:timing>
     <p:tnLst>
       <p:par>
@@ -7173,7 +7305,21 @@
                 <a:latin typeface="微软雅黑" panose="020B0503020204020204" pitchFamily="34" charset="-122"/>
                 <a:ea typeface="微软雅黑" panose="020B0503020204020204" pitchFamily="34" charset="-122"/>
               </a:rPr>
-              <a:t>以不大于甲基的疏水基取代为宜；</a:t>
+              <a:t>以</a:t>
+            </a:r>
+            <a:r>
+              <a:rPr lang="zh-CN" altLang="en-US" sz="2000" b="1" dirty="0" smtClean="0">
+                <a:latin typeface="微软雅黑" panose="020B0503020204020204" pitchFamily="34" charset="-122"/>
+                <a:ea typeface="微软雅黑" panose="020B0503020204020204" pitchFamily="34" charset="-122"/>
+              </a:rPr>
+              <a:t>不大于甲基的疏水基</a:t>
+            </a:r>
+            <a:r>
+              <a:rPr lang="zh-CN" altLang="en-US" sz="2000" dirty="0" smtClean="0">
+                <a:latin typeface="微软雅黑" panose="020B0503020204020204" pitchFamily="34" charset="-122"/>
+                <a:ea typeface="微软雅黑" panose="020B0503020204020204" pitchFamily="34" charset="-122"/>
+              </a:rPr>
+              <a:t>取代为宜；</a:t>
             </a:r>
             <a:r>
               <a:rPr lang="en-US" altLang="zh-CN" sz="2000" dirty="0" smtClean="0">
@@ -7194,7 +7340,21 @@
                 <a:latin typeface="微软雅黑" panose="020B0503020204020204" pitchFamily="34" charset="-122"/>
                 <a:ea typeface="微软雅黑" panose="020B0503020204020204" pitchFamily="34" charset="-122"/>
               </a:rPr>
-              <a:t>以较大疏水基取代为宜。</a:t>
+              <a:t>以</a:t>
+            </a:r>
+            <a:r>
+              <a:rPr lang="zh-CN" altLang="en-US" sz="2000" b="1" dirty="0" smtClean="0">
+                <a:latin typeface="微软雅黑" panose="020B0503020204020204" pitchFamily="34" charset="-122"/>
+                <a:ea typeface="微软雅黑" panose="020B0503020204020204" pitchFamily="34" charset="-122"/>
+              </a:rPr>
+              <a:t>较大疏水基</a:t>
+            </a:r>
+            <a:r>
+              <a:rPr lang="zh-CN" altLang="en-US" sz="2000" dirty="0" smtClean="0">
+                <a:latin typeface="微软雅黑" panose="020B0503020204020204" pitchFamily="34" charset="-122"/>
+                <a:ea typeface="微软雅黑" panose="020B0503020204020204" pitchFamily="34" charset="-122"/>
+              </a:rPr>
+              <a:t>取代为宜。</a:t>
             </a:r>
             <a:endParaRPr lang="en-US" altLang="zh-CN" sz="2000" dirty="0" smtClean="0">
               <a:latin typeface="微软雅黑" panose="020B0503020204020204" pitchFamily="34" charset="-122"/>
@@ -7308,7 +7468,21 @@
                 <a:latin typeface="微软雅黑" panose="020B0503020204020204" pitchFamily="34" charset="-122"/>
                 <a:ea typeface="微软雅黑" panose="020B0503020204020204" pitchFamily="34" charset="-122"/>
               </a:rPr>
-              <a:t>位以供电子基取代活性更强；</a:t>
+              <a:t>位以</a:t>
+            </a:r>
+            <a:r>
+              <a:rPr lang="zh-CN" altLang="en-US" sz="2000" b="1" dirty="0" smtClean="0">
+                <a:latin typeface="微软雅黑" panose="020B0503020204020204" pitchFamily="34" charset="-122"/>
+                <a:ea typeface="微软雅黑" panose="020B0503020204020204" pitchFamily="34" charset="-122"/>
+              </a:rPr>
+              <a:t>供电子基</a:t>
+            </a:r>
+            <a:r>
+              <a:rPr lang="zh-CN" altLang="en-US" sz="2000" dirty="0" smtClean="0">
+                <a:latin typeface="微软雅黑" panose="020B0503020204020204" pitchFamily="34" charset="-122"/>
+                <a:ea typeface="微软雅黑" panose="020B0503020204020204" pitchFamily="34" charset="-122"/>
+              </a:rPr>
+              <a:t>取代活性更强；</a:t>
             </a:r>
             <a:endParaRPr lang="en-US" altLang="zh-CN" sz="2000" dirty="0" smtClean="0">
               <a:latin typeface="微软雅黑" panose="020B0503020204020204" pitchFamily="34" charset="-122"/>
@@ -7419,18 +7593,9 @@
   <p:clrMapOvr>
     <a:masterClrMapping/>
   </p:clrMapOvr>
-  <mc:AlternateContent xmlns:mc="http://schemas.openxmlformats.org/markup-compatibility/2006" xmlns:p14="http://schemas.microsoft.com/office/powerpoint/2010/main">
-    <mc:Choice Requires="p14">
-      <p:transition spd="med" p14:dur="700">
-        <p:fade/>
-      </p:transition>
-    </mc:Choice>
-    <mc:Fallback xmlns="">
-      <p:transition spd="med">
-        <p:fade/>
-      </p:transition>
-    </mc:Fallback>
-  </mc:AlternateContent>
+  <p:transition spd="slow">
+    <p:circle/>
+  </p:transition>
   <p:timing>
     <p:tnLst>
       <p:par>
@@ -7722,7 +7887,21 @@
                 <a:latin typeface="微软雅黑" panose="020B0503020204020204" pitchFamily="34" charset="-122"/>
                 <a:ea typeface="微软雅黑" panose="020B0503020204020204" pitchFamily="34" charset="-122"/>
               </a:rPr>
-              <a:t>为吡啶环时取代活性强，但因亲脂性较强易穿过血脑屏障进入脑部引起呕吐，在吡啶环的</a:t>
+              <a:t>为</a:t>
+            </a:r>
+            <a:r>
+              <a:rPr lang="zh-CN" altLang="en-US" sz="2000" b="1" dirty="0" smtClean="0">
+                <a:latin typeface="微软雅黑" panose="020B0503020204020204" pitchFamily="34" charset="-122"/>
+                <a:ea typeface="微软雅黑" panose="020B0503020204020204" pitchFamily="34" charset="-122"/>
+              </a:rPr>
+              <a:t>吡啶环</a:t>
+            </a:r>
+            <a:r>
+              <a:rPr lang="zh-CN" altLang="en-US" sz="2000" dirty="0" smtClean="0">
+                <a:latin typeface="微软雅黑" panose="020B0503020204020204" pitchFamily="34" charset="-122"/>
+                <a:ea typeface="微软雅黑" panose="020B0503020204020204" pitchFamily="34" charset="-122"/>
+              </a:rPr>
+              <a:t>时取代活性强，但因亲脂性较强易穿过血脑屏障进入脑部引起呕吐，在吡啶环的</a:t>
             </a:r>
             <a:r>
               <a:rPr lang="en-US" altLang="zh-CN" sz="2000" dirty="0" smtClean="0">
@@ -7736,7 +7915,21 @@
                 <a:latin typeface="微软雅黑" panose="020B0503020204020204" pitchFamily="34" charset="-122"/>
                 <a:ea typeface="微软雅黑" panose="020B0503020204020204" pitchFamily="34" charset="-122"/>
               </a:rPr>
-              <a:t>位引入极性基团可减小副作用。</a:t>
+              <a:t>位引入</a:t>
+            </a:r>
+            <a:r>
+              <a:rPr lang="zh-CN" altLang="en-US" sz="2000" b="1" dirty="0" smtClean="0">
+                <a:latin typeface="微软雅黑" panose="020B0503020204020204" pitchFamily="34" charset="-122"/>
+                <a:ea typeface="微软雅黑" panose="020B0503020204020204" pitchFamily="34" charset="-122"/>
+              </a:rPr>
+              <a:t>极性基团</a:t>
+            </a:r>
+            <a:r>
+              <a:rPr lang="zh-CN" altLang="en-US" sz="2000" dirty="0" smtClean="0">
+                <a:latin typeface="微软雅黑" panose="020B0503020204020204" pitchFamily="34" charset="-122"/>
+                <a:ea typeface="微软雅黑" panose="020B0503020204020204" pitchFamily="34" charset="-122"/>
+              </a:rPr>
+              <a:t>可减小副作用。</a:t>
             </a:r>
             <a:endParaRPr lang="en-US" altLang="zh-CN" sz="2000" dirty="0" smtClean="0">
               <a:latin typeface="微软雅黑" panose="020B0503020204020204" pitchFamily="34" charset="-122"/>
@@ -7920,18 +8113,9 @@
   <p:clrMapOvr>
     <a:masterClrMapping/>
   </p:clrMapOvr>
-  <mc:AlternateContent xmlns:mc="http://schemas.openxmlformats.org/markup-compatibility/2006" xmlns:p14="http://schemas.microsoft.com/office/powerpoint/2010/main">
-    <mc:Choice Requires="p14">
-      <p:transition spd="med" p14:dur="700">
-        <p:fade/>
-      </p:transition>
-    </mc:Choice>
-    <mc:Fallback xmlns="">
-      <p:transition spd="med">
-        <p:fade/>
-      </p:transition>
-    </mc:Fallback>
-  </mc:AlternateContent>
+  <p:transition spd="slow">
+    <p:circle/>
+  </p:transition>
   <p:timing>
     <p:tnLst>
       <p:par>
@@ -8295,7 +8479,35 @@
                 <a:latin typeface="微软雅黑" panose="020B0503020204020204" pitchFamily="34" charset="-122"/>
                 <a:ea typeface="微软雅黑" panose="020B0503020204020204" pitchFamily="34" charset="-122"/>
               </a:rPr>
-              <a:t>连接基团以酰胺为宜，且以羰基部分连接喹啉环活性较好；用已酮、乙烯片段取代活性降低，调换酰胺位置活性急剧下降。</a:t>
+              <a:t>连接基团以</a:t>
+            </a:r>
+            <a:r>
+              <a:rPr lang="zh-CN" altLang="en-US" sz="2200" b="1" dirty="0" smtClean="0">
+                <a:latin typeface="微软雅黑" panose="020B0503020204020204" pitchFamily="34" charset="-122"/>
+                <a:ea typeface="微软雅黑" panose="020B0503020204020204" pitchFamily="34" charset="-122"/>
+              </a:rPr>
+              <a:t>酰胺</a:t>
+            </a:r>
+            <a:r>
+              <a:rPr lang="zh-CN" altLang="en-US" sz="2200" dirty="0" smtClean="0">
+                <a:latin typeface="微软雅黑" panose="020B0503020204020204" pitchFamily="34" charset="-122"/>
+                <a:ea typeface="微软雅黑" panose="020B0503020204020204" pitchFamily="34" charset="-122"/>
+              </a:rPr>
+              <a:t>为宜，且以</a:t>
+            </a:r>
+            <a:r>
+              <a:rPr lang="zh-CN" altLang="en-US" sz="2200" b="1" dirty="0" smtClean="0">
+                <a:latin typeface="微软雅黑" panose="020B0503020204020204" pitchFamily="34" charset="-122"/>
+                <a:ea typeface="微软雅黑" panose="020B0503020204020204" pitchFamily="34" charset="-122"/>
+              </a:rPr>
+              <a:t>羰基部分连接喹啉环</a:t>
+            </a:r>
+            <a:r>
+              <a:rPr lang="zh-CN" altLang="en-US" sz="2200" dirty="0" smtClean="0">
+                <a:latin typeface="微软雅黑" panose="020B0503020204020204" pitchFamily="34" charset="-122"/>
+                <a:ea typeface="微软雅黑" panose="020B0503020204020204" pitchFamily="34" charset="-122"/>
+              </a:rPr>
+              <a:t>活性较好；用已酮、乙烯片段取代活性降低，调换酰胺位置活性急剧下降。</a:t>
             </a:r>
             <a:endParaRPr lang="zh-CN" altLang="en-US" sz="2200" dirty="0"/>
           </a:p>
@@ -8368,18 +8580,9 @@
   <p:clrMapOvr>
     <a:masterClrMapping/>
   </p:clrMapOvr>
-  <mc:AlternateContent xmlns:mc="http://schemas.openxmlformats.org/markup-compatibility/2006" xmlns:p14="http://schemas.microsoft.com/office/powerpoint/2010/main">
-    <mc:Choice Requires="p14">
-      <p:transition spd="med" p14:dur="700">
-        <p:fade/>
-      </p:transition>
-    </mc:Choice>
-    <mc:Fallback xmlns="">
-      <p:transition spd="med">
-        <p:fade/>
-      </p:transition>
-    </mc:Fallback>
-  </mc:AlternateContent>
+  <p:transition spd="slow">
+    <p:circle/>
+  </p:transition>
   <p:timing>
     <p:tnLst>
       <p:par>
@@ -8778,7 +8981,21 @@
                 <a:latin typeface="微软雅黑" panose="020B0503020204020204" pitchFamily="34" charset="-122"/>
                 <a:ea typeface="微软雅黑" panose="020B0503020204020204" pitchFamily="34" charset="-122"/>
               </a:rPr>
-              <a:t>以含氰基的饱和环取代活性较强；</a:t>
+              <a:t>以</a:t>
+            </a:r>
+            <a:r>
+              <a:rPr lang="zh-CN" altLang="en-US" sz="2000" b="1" dirty="0" smtClean="0">
+                <a:latin typeface="微软雅黑" panose="020B0503020204020204" pitchFamily="34" charset="-122"/>
+                <a:ea typeface="微软雅黑" panose="020B0503020204020204" pitchFamily="34" charset="-122"/>
+              </a:rPr>
+              <a:t>含氰基的饱和环</a:t>
+            </a:r>
+            <a:r>
+              <a:rPr lang="zh-CN" altLang="en-US" sz="2000" dirty="0" smtClean="0">
+                <a:latin typeface="微软雅黑" panose="020B0503020204020204" pitchFamily="34" charset="-122"/>
+                <a:ea typeface="微软雅黑" panose="020B0503020204020204" pitchFamily="34" charset="-122"/>
+              </a:rPr>
+              <a:t>取代活性较强；</a:t>
             </a:r>
             <a:endParaRPr lang="en-US" altLang="zh-CN" sz="2000" dirty="0" smtClean="0">
               <a:latin typeface="微软雅黑" panose="020B0503020204020204" pitchFamily="34" charset="-122"/>
@@ -8809,7 +9026,21 @@
                 <a:latin typeface="微软雅黑" panose="020B0503020204020204" pitchFamily="34" charset="-122"/>
                 <a:ea typeface="微软雅黑" panose="020B0503020204020204" pitchFamily="34" charset="-122"/>
               </a:rPr>
-              <a:t>与谷氨酰胺形成氢键，以含氮的芳环取代活性较强，亲水性基团取代时活性较弱。</a:t>
+              <a:t>与谷氨酰胺形成氢键，以</a:t>
+            </a:r>
+            <a:r>
+              <a:rPr lang="zh-CN" altLang="en-US" sz="2000" b="1" dirty="0" smtClean="0">
+                <a:latin typeface="微软雅黑" panose="020B0503020204020204" pitchFamily="34" charset="-122"/>
+                <a:ea typeface="微软雅黑" panose="020B0503020204020204" pitchFamily="34" charset="-122"/>
+              </a:rPr>
+              <a:t>含氮的芳环</a:t>
+            </a:r>
+            <a:r>
+              <a:rPr lang="zh-CN" altLang="en-US" sz="2000" dirty="0" smtClean="0">
+                <a:latin typeface="微软雅黑" panose="020B0503020204020204" pitchFamily="34" charset="-122"/>
+                <a:ea typeface="微软雅黑" panose="020B0503020204020204" pitchFamily="34" charset="-122"/>
+              </a:rPr>
+              <a:t>取代活性较强，亲水性基团取代时活性较弱。</a:t>
             </a:r>
             <a:endParaRPr lang="zh-CN" altLang="en-US" sz="2000" dirty="0"/>
           </a:p>
@@ -8882,18 +9113,9 @@
   <p:clrMapOvr>
     <a:masterClrMapping/>
   </p:clrMapOvr>
-  <mc:AlternateContent xmlns:mc="http://schemas.openxmlformats.org/markup-compatibility/2006" xmlns:p14="http://schemas.microsoft.com/office/powerpoint/2010/main">
-    <mc:Choice Requires="p14">
-      <p:transition spd="med" p14:dur="700">
-        <p:fade/>
-      </p:transition>
-    </mc:Choice>
-    <mc:Fallback xmlns="">
-      <p:transition spd="med">
-        <p:fade/>
-      </p:transition>
-    </mc:Fallback>
-  </mc:AlternateContent>
+  <p:transition spd="slow">
+    <p:circle/>
+  </p:transition>
   <p:timing>
     <p:tnLst>
       <p:par>
@@ -9072,8 +9294,8 @@
         </p:nvSpPr>
         <p:spPr>
           <a:xfrm>
-            <a:off x="4572000" y="1253331"/>
-            <a:ext cx="3943350" cy="4351338"/>
+            <a:off x="4572000" y="945221"/>
+            <a:ext cx="3943350" cy="5262044"/>
           </a:xfrm>
         </p:spPr>
         <p:txBody>
@@ -9126,21 +9348,52 @@
                 <a:latin typeface="微软雅黑" panose="020B0503020204020204" pitchFamily="34" charset="-122"/>
                 <a:ea typeface="微软雅黑" panose="020B0503020204020204" pitchFamily="34" charset="-122"/>
               </a:rPr>
-              <a:t>形成疏水作用，因此以苯、芳杂环</a:t>
-            </a:r>
-            <a:r>
-              <a:rPr lang="zh-CN" altLang="en-US" sz="1600" dirty="0" smtClean="0">
+              <a:t>形成</a:t>
+            </a:r>
+            <a:r>
+              <a:rPr lang="zh-CN" altLang="en-US" sz="1600" dirty="0">
+                <a:solidFill>
+                  <a:srgbClr val="FF0000"/>
+                </a:solidFill>
+                <a:latin typeface="微软雅黑" panose="020B0503020204020204" pitchFamily="34" charset="-122"/>
+                <a:ea typeface="微软雅黑" panose="020B0503020204020204" pitchFamily="34" charset="-122"/>
+              </a:rPr>
+              <a:t>疏水作用</a:t>
+            </a:r>
+            <a:r>
+              <a:rPr lang="zh-CN" altLang="en-US" sz="1600" dirty="0">
+                <a:latin typeface="微软雅黑" panose="020B0503020204020204" pitchFamily="34" charset="-122"/>
+                <a:ea typeface="微软雅黑" panose="020B0503020204020204" pitchFamily="34" charset="-122"/>
+              </a:rPr>
+              <a:t>，因此</a:t>
+            </a:r>
+            <a:r>
+              <a:rPr lang="zh-CN" altLang="en-US" sz="1600" b="1" dirty="0">
+                <a:latin typeface="微软雅黑" panose="020B0503020204020204" pitchFamily="34" charset="-122"/>
+                <a:ea typeface="微软雅黑" panose="020B0503020204020204" pitchFamily="34" charset="-122"/>
+              </a:rPr>
+              <a:t>以苯、芳杂环</a:t>
+            </a:r>
+            <a:r>
+              <a:rPr lang="zh-CN" altLang="en-US" sz="1600" b="1" dirty="0" smtClean="0">
                 <a:latin typeface="微软雅黑" panose="020B0503020204020204" pitchFamily="34" charset="-122"/>
                 <a:ea typeface="微软雅黑" panose="020B0503020204020204" pitchFamily="34" charset="-122"/>
               </a:rPr>
               <a:t>、拼合</a:t>
             </a:r>
             <a:r>
+              <a:rPr lang="zh-CN" altLang="en-US" sz="1600" b="1" dirty="0">
+                <a:latin typeface="微软雅黑" panose="020B0503020204020204" pitchFamily="34" charset="-122"/>
+                <a:ea typeface="微软雅黑" panose="020B0503020204020204" pitchFamily="34" charset="-122"/>
+              </a:rPr>
+              <a:t>芳环等疏水环取代为宜</a:t>
+            </a:r>
+            <a:r>
               <a:rPr lang="zh-CN" altLang="en-US" sz="1600" dirty="0">
                 <a:latin typeface="微软雅黑" panose="020B0503020204020204" pitchFamily="34" charset="-122"/>
                 <a:ea typeface="微软雅黑" panose="020B0503020204020204" pitchFamily="34" charset="-122"/>
               </a:rPr>
-              <a:t>芳环等疏水环取代为宜。并且</a:t>
+              <a:t>。并且</a:t>
             </a:r>
             <a:r>
               <a:rPr lang="en-US" altLang="zh-CN" sz="1600" dirty="0" smtClean="0">
@@ -9325,10 +9578,17 @@
                 <a:latin typeface="微软雅黑" panose="020B0503020204020204" pitchFamily="34" charset="-122"/>
                 <a:ea typeface="微软雅黑" panose="020B0503020204020204" pitchFamily="34" charset="-122"/>
               </a:rPr>
-              <a:t>金属离子或水分子产生作用，因此以极性基团取代</a:t>
-            </a:r>
-            <a:r>
-              <a:rPr lang="zh-CN" altLang="en-US" sz="1600" dirty="0" smtClean="0">
+              <a:t>金属离子或水分子产生作用，因此</a:t>
+            </a:r>
+            <a:r>
+              <a:rPr lang="zh-CN" altLang="en-US" sz="1600" b="1" dirty="0">
+                <a:latin typeface="微软雅黑" panose="020B0503020204020204" pitchFamily="34" charset="-122"/>
+                <a:ea typeface="微软雅黑" panose="020B0503020204020204" pitchFamily="34" charset="-122"/>
+              </a:rPr>
+              <a:t>以极性基团取代</a:t>
+            </a:r>
+            <a:r>
+              <a:rPr lang="zh-CN" altLang="en-US" sz="1600" b="1" dirty="0" smtClean="0">
                 <a:latin typeface="微软雅黑" panose="020B0503020204020204" pitchFamily="34" charset="-122"/>
                 <a:ea typeface="微软雅黑" panose="020B0503020204020204" pitchFamily="34" charset="-122"/>
               </a:rPr>
@@ -9436,25 +9696,32 @@
               <a:t>，还与周围的水分子产生氢键作用。因此，</a:t>
             </a:r>
             <a:r>
+              <a:rPr lang="zh-CN" altLang="en-US" sz="1600" b="1" dirty="0" smtClean="0">
+                <a:latin typeface="微软雅黑" panose="020B0503020204020204" pitchFamily="34" charset="-122"/>
+                <a:ea typeface="微软雅黑" panose="020B0503020204020204" pitchFamily="34" charset="-122"/>
+              </a:rPr>
+              <a:t>以含</a:t>
+            </a:r>
+            <a:r>
+              <a:rPr lang="zh-CN" altLang="en-US" sz="1600" b="1" dirty="0">
+                <a:latin typeface="微软雅黑" panose="020B0503020204020204" pitchFamily="34" charset="-122"/>
+                <a:ea typeface="微软雅黑" panose="020B0503020204020204" pitchFamily="34" charset="-122"/>
+              </a:rPr>
+              <a:t>氧、氮等原子的基团取代</a:t>
+            </a:r>
+            <a:r>
+              <a:rPr lang="zh-CN" altLang="en-US" sz="1600" b="1" dirty="0" smtClean="0">
+                <a:latin typeface="微软雅黑" panose="020B0503020204020204" pitchFamily="34" charset="-122"/>
+                <a:ea typeface="微软雅黑" panose="020B0503020204020204" pitchFamily="34" charset="-122"/>
+              </a:rPr>
+              <a:t>为宜</a:t>
+            </a:r>
+            <a:r>
               <a:rPr lang="zh-CN" altLang="en-US" sz="1600" dirty="0" smtClean="0">
                 <a:latin typeface="微软雅黑" panose="020B0503020204020204" pitchFamily="34" charset="-122"/>
                 <a:ea typeface="微软雅黑" panose="020B0503020204020204" pitchFamily="34" charset="-122"/>
               </a:rPr>
-              <a:t>以含</a:t>
-            </a:r>
-            <a:r>
-              <a:rPr lang="zh-CN" altLang="en-US" sz="1600" dirty="0">
-                <a:latin typeface="微软雅黑" panose="020B0503020204020204" pitchFamily="34" charset="-122"/>
-                <a:ea typeface="微软雅黑" panose="020B0503020204020204" pitchFamily="34" charset="-122"/>
-              </a:rPr>
-              <a:t>氧、氮等原子的基团取代</a:t>
-            </a:r>
-            <a:r>
-              <a:rPr lang="zh-CN" altLang="en-US" sz="1600" dirty="0" smtClean="0">
-                <a:latin typeface="微软雅黑" panose="020B0503020204020204" pitchFamily="34" charset="-122"/>
-                <a:ea typeface="微软雅黑" panose="020B0503020204020204" pitchFamily="34" charset="-122"/>
-              </a:rPr>
-              <a:t>为宜（如</a:t>
+              <a:t>（如</a:t>
             </a:r>
             <a:r>
               <a:rPr lang="zh-CN" altLang="en-US" sz="1600" dirty="0">
@@ -9663,18 +9930,9 @@
   <p:clrMapOvr>
     <a:masterClrMapping/>
   </p:clrMapOvr>
-  <mc:AlternateContent xmlns:mc="http://schemas.openxmlformats.org/markup-compatibility/2006" xmlns:p14="http://schemas.microsoft.com/office/powerpoint/2010/main">
-    <mc:Choice Requires="p14">
-      <p:transition spd="med" p14:dur="700">
-        <p:fade/>
-      </p:transition>
-    </mc:Choice>
-    <mc:Fallback xmlns="">
-      <p:transition spd="med">
-        <p:fade/>
-      </p:transition>
-    </mc:Fallback>
-  </mc:AlternateContent>
+  <p:transition spd="slow">
+    <p:circle/>
+  </p:transition>
   <p:timing>
     <p:tnLst>
       <p:par>
@@ -9853,8 +10111,8 @@
         </p:nvSpPr>
         <p:spPr>
           <a:xfrm>
-            <a:off x="1259840" y="2428240"/>
-            <a:ext cx="6624320" cy="1798320"/>
+            <a:off x="1166330" y="2076174"/>
+            <a:ext cx="6884366" cy="2705652"/>
           </a:xfrm>
         </p:spPr>
         <p:txBody>
@@ -9864,6 +10122,9 @@
           <a:lstStyle/>
           <a:p>
             <a:pPr marL="0" lvl="0" indent="360000">
+              <a:lnSpc>
+                <a:spcPct val="150000"/>
+              </a:lnSpc>
               <a:buNone/>
             </a:pPr>
             <a:r>
@@ -10037,18 +10298,9 @@
   <p:clrMapOvr>
     <a:masterClrMapping/>
   </p:clrMapOvr>
-  <mc:AlternateContent xmlns:mc="http://schemas.openxmlformats.org/markup-compatibility/2006" xmlns:p14="http://schemas.microsoft.com/office/powerpoint/2010/main">
-    <mc:Choice Requires="p14">
-      <p:transition spd="med" p14:dur="700">
-        <p:fade/>
-      </p:transition>
-    </mc:Choice>
-    <mc:Fallback xmlns="">
-      <p:transition spd="med">
-        <p:fade/>
-      </p:transition>
-    </mc:Fallback>
-  </mc:AlternateContent>
+  <p:transition spd="slow">
+    <p:circle/>
+  </p:transition>
   <p:timing>
     <p:tnLst>
       <p:par>
@@ -10408,18 +10660,225 @@
   <p:clrMapOvr>
     <a:masterClrMapping/>
   </p:clrMapOvr>
-  <mc:AlternateContent xmlns:mc="http://schemas.openxmlformats.org/markup-compatibility/2006" xmlns:p14="http://schemas.microsoft.com/office/powerpoint/2010/main">
-    <mc:Choice Requires="p14">
-      <p:transition spd="med" p14:dur="700">
-        <p:fade/>
-      </p:transition>
-    </mc:Choice>
-    <mc:Fallback xmlns="">
-      <p:transition spd="med">
-        <p:fade/>
-      </p:transition>
-    </mc:Fallback>
-  </mc:AlternateContent>
+  <p:transition spd="slow">
+    <p:circle/>
+  </p:transition>
+  <p:timing>
+    <p:tnLst>
+      <p:par>
+        <p:cTn id="1" dur="indefinite" restart="never" nodeType="tmRoot"/>
+      </p:par>
+    </p:tnLst>
+  </p:timing>
+</p:sld>
+</file>
+
+<file path=ppt/slides/slide20.xml><?xml version="1.0" encoding="utf-8"?>
+<p:sld xmlns:a="http://schemas.openxmlformats.org/drawingml/2006/main" xmlns:r="http://schemas.openxmlformats.org/officeDocument/2006/relationships" xmlns:p="http://schemas.openxmlformats.org/presentationml/2006/main">
+  <p:cSld>
+    <p:spTree>
+      <p:nvGrpSpPr>
+        <p:cNvPr id="1" name=""/>
+        <p:cNvGrpSpPr/>
+        <p:nvPr/>
+      </p:nvGrpSpPr>
+      <p:grpSpPr>
+        <a:xfrm>
+          <a:off x="0" y="0"/>
+          <a:ext cx="0" cy="0"/>
+          <a:chOff x="0" y="0"/>
+          <a:chExt cx="0" cy="0"/>
+        </a:xfrm>
+      </p:grpSpPr>
+      <p:sp>
+        <p:nvSpPr>
+          <p:cNvPr id="7" name="等腰三角形 6"/>
+          <p:cNvSpPr/>
+          <p:nvPr/>
+        </p:nvSpPr>
+        <p:spPr>
+          <a:xfrm>
+            <a:off x="7149864" y="5870864"/>
+            <a:ext cx="1994136" cy="987136"/>
+          </a:xfrm>
+          <a:prstGeom prst="triangle">
+            <a:avLst>
+              <a:gd name="adj" fmla="val 100000"/>
+            </a:avLst>
+          </a:prstGeom>
+          <a:solidFill>
+            <a:schemeClr val="accent2">
+              <a:lumMod val="60000"/>
+              <a:lumOff val="40000"/>
+            </a:schemeClr>
+          </a:solidFill>
+          <a:ln>
+            <a:noFill/>
+          </a:ln>
+        </p:spPr>
+        <p:style>
+          <a:lnRef idx="2">
+            <a:schemeClr val="accent1">
+              <a:shade val="50000"/>
+            </a:schemeClr>
+          </a:lnRef>
+          <a:fillRef idx="1">
+            <a:schemeClr val="accent1"/>
+          </a:fillRef>
+          <a:effectRef idx="0">
+            <a:schemeClr val="accent1"/>
+          </a:effectRef>
+          <a:fontRef idx="minor">
+            <a:schemeClr val="lt1"/>
+          </a:fontRef>
+        </p:style>
+        <p:txBody>
+          <a:bodyPr rtlCol="0" anchor="ctr"/>
+          <a:lstStyle/>
+          <a:p>
+            <a:pPr algn="ctr"/>
+            <a:endParaRPr lang="zh-CN" altLang="en-US"/>
+          </a:p>
+        </p:txBody>
+      </p:sp>
+      <p:sp>
+        <p:nvSpPr>
+          <p:cNvPr id="6" name="矩形 5"/>
+          <p:cNvSpPr/>
+          <p:nvPr/>
+        </p:nvSpPr>
+        <p:spPr>
+          <a:xfrm>
+            <a:off x="-230119" y="2766218"/>
+            <a:ext cx="9677263" cy="1280754"/>
+          </a:xfrm>
+          <a:prstGeom prst="rect">
+            <a:avLst/>
+          </a:prstGeom>
+          <a:solidFill>
+            <a:schemeClr val="accent6">
+              <a:lumMod val="60000"/>
+              <a:lumOff val="40000"/>
+            </a:schemeClr>
+          </a:solidFill>
+          <a:ln>
+            <a:noFill/>
+          </a:ln>
+        </p:spPr>
+        <p:style>
+          <a:lnRef idx="2">
+            <a:schemeClr val="accent1">
+              <a:shade val="50000"/>
+            </a:schemeClr>
+          </a:lnRef>
+          <a:fillRef idx="1">
+            <a:schemeClr val="accent1"/>
+          </a:fillRef>
+          <a:effectRef idx="0">
+            <a:schemeClr val="accent1"/>
+          </a:effectRef>
+          <a:fontRef idx="minor">
+            <a:schemeClr val="lt1"/>
+          </a:fontRef>
+        </p:style>
+        <p:txBody>
+          <a:bodyPr rtlCol="0" anchor="ctr"/>
+          <a:lstStyle/>
+          <a:p>
+            <a:pPr algn="ctr"/>
+            <a:endParaRPr lang="zh-CN" altLang="en-US"/>
+          </a:p>
+        </p:txBody>
+      </p:sp>
+      <p:sp>
+        <p:nvSpPr>
+          <p:cNvPr id="4" name="标题 3"/>
+          <p:cNvSpPr>
+            <a:spLocks noGrp="1"/>
+          </p:cNvSpPr>
+          <p:nvPr>
+            <p:ph type="title"/>
+          </p:nvPr>
+        </p:nvSpPr>
+        <p:spPr>
+          <a:xfrm>
+            <a:off x="665163" y="2766218"/>
+            <a:ext cx="7886700" cy="1325563"/>
+          </a:xfrm>
+        </p:spPr>
+        <p:txBody>
+          <a:bodyPr>
+            <a:normAutofit/>
+          </a:bodyPr>
+          <a:lstStyle/>
+          <a:p>
+            <a:pPr algn="ctr"/>
+            <a:r>
+              <a:rPr lang="zh-CN" altLang="en-US" b="1" dirty="0" smtClean="0">
+                <a:solidFill>
+                  <a:schemeClr val="bg1"/>
+                </a:solidFill>
+                <a:latin typeface="微软雅黑" panose="020B0503020204020204" pitchFamily="34" charset="-122"/>
+                <a:ea typeface="微软雅黑" panose="020B0503020204020204" pitchFamily="34" charset="-122"/>
+              </a:rPr>
+              <a:t>谢谢</a:t>
+            </a:r>
+            <a:endParaRPr lang="zh-CN" altLang="en-US" sz="4400" b="1" i="0" kern="1200" dirty="0">
+              <a:solidFill>
+                <a:schemeClr val="bg1"/>
+              </a:solidFill>
+              <a:effectLst/>
+              <a:latin typeface="微软雅黑" panose="020B0503020204020204" pitchFamily="34" charset="-122"/>
+              <a:ea typeface="微软雅黑" panose="020B0503020204020204" pitchFamily="34" charset="-122"/>
+              <a:cs typeface="+mj-cs"/>
+            </a:endParaRPr>
+          </a:p>
+        </p:txBody>
+      </p:sp>
+      <p:sp>
+        <p:nvSpPr>
+          <p:cNvPr id="2" name="灯片编号占位符 1"/>
+          <p:cNvSpPr>
+            <a:spLocks noGrp="1"/>
+          </p:cNvSpPr>
+          <p:nvPr>
+            <p:ph type="sldNum" sz="quarter" idx="12"/>
+          </p:nvPr>
+        </p:nvSpPr>
+        <p:spPr/>
+        <p:txBody>
+          <a:bodyPr/>
+          <a:lstStyle/>
+          <a:p>
+            <a:fld id="{24C84C0C-5FA4-491A-8245-BF0528ED1D56}" type="slidenum">
+              <a:rPr lang="zh-CN" altLang="en-US" smtClean="0">
+                <a:solidFill>
+                  <a:schemeClr val="bg1"/>
+                </a:solidFill>
+              </a:rPr>
+              <a:t>20</a:t>
+            </a:fld>
+            <a:endParaRPr lang="zh-CN" altLang="en-US" dirty="0">
+              <a:solidFill>
+                <a:schemeClr val="bg1"/>
+              </a:solidFill>
+            </a:endParaRPr>
+          </a:p>
+        </p:txBody>
+      </p:sp>
+    </p:spTree>
+    <p:extLst>
+      <p:ext uri="{BB962C8B-B14F-4D97-AF65-F5344CB8AC3E}">
+        <p14:creationId xmlns:p14="http://schemas.microsoft.com/office/powerpoint/2010/main" val="111857243"/>
+      </p:ext>
+    </p:extLst>
+  </p:cSld>
+  <p:clrMapOvr>
+    <a:masterClrMapping/>
+  </p:clrMapOvr>
+  <p:transition spd="slow">
+    <p:circle/>
+  </p:transition>
   <p:timing>
     <p:tnLst>
       <p:par>
@@ -10975,7 +11434,7 @@
         </p:blipFill>
         <p:spPr>
           <a:xfrm>
-            <a:off x="1801877" y="3446745"/>
+            <a:off x="1811815" y="3526261"/>
             <a:ext cx="2133600" cy="2028825"/>
           </a:xfrm>
           <a:prstGeom prst="rect">
@@ -10993,18 +11452,9 @@
   <p:clrMapOvr>
     <a:masterClrMapping/>
   </p:clrMapOvr>
-  <mc:AlternateContent xmlns:mc="http://schemas.openxmlformats.org/markup-compatibility/2006" xmlns:p14="http://schemas.microsoft.com/office/powerpoint/2010/main">
-    <mc:Choice Requires="p14">
-      <p:transition spd="med" p14:dur="700">
-        <p:fade/>
-      </p:transition>
-    </mc:Choice>
-    <mc:Fallback xmlns="">
-      <p:transition spd="med">
-        <p:fade/>
-      </p:transition>
-    </mc:Fallback>
-  </mc:AlternateContent>
+  <p:transition spd="slow">
+    <p:circle/>
+  </p:transition>
   <p:timing>
     <p:tnLst>
       <p:par>
@@ -11482,18 +11932,9 @@
   <p:clrMapOvr>
     <a:masterClrMapping/>
   </p:clrMapOvr>
-  <mc:AlternateContent xmlns:mc="http://schemas.openxmlformats.org/markup-compatibility/2006" xmlns:p14="http://schemas.microsoft.com/office/powerpoint/2010/main">
-    <mc:Choice Requires="p14">
-      <p:transition spd="med" p14:dur="700">
-        <p:fade/>
-      </p:transition>
-    </mc:Choice>
-    <mc:Fallback xmlns="">
-      <p:transition spd="med">
-        <p:fade/>
-      </p:transition>
-    </mc:Fallback>
-  </mc:AlternateContent>
+  <p:transition spd="slow">
+    <p:circle/>
+  </p:transition>
   <p:timing>
     <p:tnLst>
       <p:par>
@@ -11969,18 +12410,9 @@
   <p:clrMapOvr>
     <a:masterClrMapping/>
   </p:clrMapOvr>
-  <mc:AlternateContent xmlns:mc="http://schemas.openxmlformats.org/markup-compatibility/2006" xmlns:p14="http://schemas.microsoft.com/office/powerpoint/2010/main">
-    <mc:Choice Requires="p14">
-      <p:transition spd="med" p14:dur="700">
-        <p:fade/>
-      </p:transition>
-    </mc:Choice>
-    <mc:Fallback xmlns="">
-      <p:transition spd="med">
-        <p:fade/>
-      </p:transition>
-    </mc:Fallback>
-  </mc:AlternateContent>
+  <p:transition spd="slow">
+    <p:circle/>
+  </p:transition>
   <p:timing>
     <p:tnLst>
       <p:par>
@@ -12510,18 +12942,9 @@
   <p:clrMapOvr>
     <a:masterClrMapping/>
   </p:clrMapOvr>
-  <mc:AlternateContent xmlns:mc="http://schemas.openxmlformats.org/markup-compatibility/2006" xmlns:p14="http://schemas.microsoft.com/office/powerpoint/2010/main">
-    <mc:Choice Requires="p14">
-      <p:transition spd="med" p14:dur="700">
-        <p:fade/>
-      </p:transition>
-    </mc:Choice>
-    <mc:Fallback xmlns="">
-      <p:transition spd="med">
-        <p:fade/>
-      </p:transition>
-    </mc:Fallback>
-  </mc:AlternateContent>
+  <p:transition spd="slow">
+    <p:circle/>
+  </p:transition>
   <p:timing>
     <p:tnLst>
       <p:par>
@@ -12656,14 +13079,19 @@
             <p:ph idx="1"/>
           </p:nvPr>
         </p:nvSpPr>
-        <p:spPr/>
+        <p:spPr>
+          <a:xfrm>
+            <a:off x="1872009" y="2435087"/>
+            <a:ext cx="5473008" cy="1987826"/>
+          </a:xfrm>
+        </p:spPr>
         <p:txBody>
           <a:bodyPr>
             <a:noAutofit/>
           </a:bodyPr>
           <a:lstStyle/>
           <a:p>
-            <a:pPr marL="0" lvl="0" indent="0">
+            <a:pPr marL="0" lvl="0" indent="457200">
               <a:lnSpc>
                 <a:spcPct val="150000"/>
               </a:lnSpc>
@@ -12856,18 +13284,9 @@
   <p:clrMapOvr>
     <a:masterClrMapping/>
   </p:clrMapOvr>
-  <mc:AlternateContent xmlns:mc="http://schemas.openxmlformats.org/markup-compatibility/2006" xmlns:p14="http://schemas.microsoft.com/office/powerpoint/2010/main">
-    <mc:Choice Requires="p14">
-      <p:transition spd="med" p14:dur="700">
-        <p:fade/>
-      </p:transition>
-    </mc:Choice>
-    <mc:Fallback xmlns="">
-      <p:transition spd="med">
-        <p:fade/>
-      </p:transition>
-    </mc:Fallback>
-  </mc:AlternateContent>
+  <p:transition spd="slow">
+    <p:circle/>
+  </p:transition>
   <p:timing>
     <p:tnLst>
       <p:par>
@@ -13497,18 +13916,9 @@
   <p:clrMapOvr>
     <a:masterClrMapping/>
   </p:clrMapOvr>
-  <mc:AlternateContent xmlns:mc="http://schemas.openxmlformats.org/markup-compatibility/2006" xmlns:p14="http://schemas.microsoft.com/office/powerpoint/2010/main">
-    <mc:Choice Requires="p14">
-      <p:transition spd="med" p14:dur="700">
-        <p:fade/>
-      </p:transition>
-    </mc:Choice>
-    <mc:Fallback xmlns="">
-      <p:transition spd="med">
-        <p:fade/>
-      </p:transition>
-    </mc:Fallback>
-  </mc:AlternateContent>
+  <p:transition spd="slow">
+    <p:circle/>
+  </p:transition>
   <p:timing>
     <p:tnLst>
       <p:par>
@@ -13923,18 +14333,9 @@
   <p:clrMapOvr>
     <a:masterClrMapping/>
   </p:clrMapOvr>
-  <mc:AlternateContent xmlns:mc="http://schemas.openxmlformats.org/markup-compatibility/2006" xmlns:p14="http://schemas.microsoft.com/office/powerpoint/2010/main">
-    <mc:Choice Requires="p14">
-      <p:transition spd="med" p14:dur="700">
-        <p:fade/>
-      </p:transition>
-    </mc:Choice>
-    <mc:Fallback xmlns="">
-      <p:transition spd="med">
-        <p:fade/>
-      </p:transition>
-    </mc:Fallback>
-  </mc:AlternateContent>
+  <p:transition spd="slow">
+    <p:circle/>
+  </p:transition>
   <p:timing>
     <p:tnLst>
       <p:par>
